--- a/PPT/M8 Dealing with Auth.pptx
+++ b/PPT/M8 Dealing with Auth.pptx
@@ -5,18 +5,21 @@
     <p:sldMasterId id="2147483648" r:id="rId1"/>
   </p:sldMasterIdLst>
   <p:notesMasterIdLst>
-    <p:notesMasterId r:id="rId11"/>
+    <p:notesMasterId r:id="rId14"/>
   </p:notesMasterIdLst>
   <p:sldIdLst>
     <p:sldId id="346" r:id="rId2"/>
     <p:sldId id="347" r:id="rId3"/>
     <p:sldId id="348" r:id="rId4"/>
     <p:sldId id="349" r:id="rId5"/>
-    <p:sldId id="350" r:id="rId6"/>
-    <p:sldId id="351" r:id="rId7"/>
-    <p:sldId id="352" r:id="rId8"/>
-    <p:sldId id="353" r:id="rId9"/>
-    <p:sldId id="262" r:id="rId10"/>
+    <p:sldId id="352" r:id="rId6"/>
+    <p:sldId id="353" r:id="rId7"/>
+    <p:sldId id="350" r:id="rId8"/>
+    <p:sldId id="351" r:id="rId9"/>
+    <p:sldId id="354" r:id="rId10"/>
+    <p:sldId id="355" r:id="rId11"/>
+    <p:sldId id="356" r:id="rId12"/>
+    <p:sldId id="262" r:id="rId13"/>
   </p:sldIdLst>
   <p:sldSz cx="9144000" cy="6858000" type="screen4x3"/>
   <p:notesSz cx="6858000" cy="9144000"/>
@@ -3710,7 +3713,7 @@
             </a:pPr>
             <a:r>
               <a:rPr lang="en-US" altLang="en-US" sz="4000" b="1" dirty="0"/>
-              <a:t>Collection</a:t>
+              <a:t>Dealing with</a:t>
             </a:r>
           </a:p>
           <a:p>
@@ -3721,18 +3724,7 @@
             </a:pPr>
             <a:r>
               <a:rPr lang="en-US" altLang="en-US" sz="4000" b="1" dirty="0"/>
-              <a:t>VS</a:t>
-            </a:r>
-          </a:p>
-          <a:p>
-            <a:pPr eaLnBrk="1" hangingPunct="1">
-              <a:spcBef>
-                <a:spcPct val="0"/>
-              </a:spcBef>
-            </a:pPr>
-            <a:r>
-              <a:rPr lang="en-US" altLang="en-US" sz="4000" b="1"/>
-              <a:t>Subcollection</a:t>
+              <a:t>Authentication</a:t>
             </a:r>
             <a:endParaRPr lang="en-US" altLang="en-US" dirty="0"/>
           </a:p>
@@ -4048,7 +4040,7 @@
             </a:pPr>
             <a:r>
               <a:rPr lang="en-US" altLang="en-US" sz="6600" b="1" dirty="0"/>
-              <a:t>06</a:t>
+              <a:t>08</a:t>
             </a:r>
             <a:endParaRPr lang="en-US" altLang="en-US" sz="4000" dirty="0"/>
           </a:p>
@@ -4062,7 +4054,7 @@
 </p:sld>
 </file>
 
-<file path=ppt/slides/slide2.xml><?xml version="1.0" encoding="utf-8"?>
+<file path=ppt/slides/slide10.xml><?xml version="1.0" encoding="utf-8"?>
 <p:sld xmlns:a="http://schemas.openxmlformats.org/drawingml/2006/main" xmlns:r="http://schemas.openxmlformats.org/officeDocument/2006/relationships" xmlns:p="http://schemas.openxmlformats.org/presentationml/2006/main">
   <p:cSld>
     <p:spTree>
@@ -4148,20 +4140,216 @@
           </a:p>
         </p:txBody>
       </p:sp>
+      <p:pic>
+        <p:nvPicPr>
+          <p:cNvPr id="8" name="Picture 7">
+            <a:extLst>
+              <a:ext uri="{FF2B5EF4-FFF2-40B4-BE49-F238E27FC236}">
+                <a16:creationId xmlns:a16="http://schemas.microsoft.com/office/drawing/2014/main" id="{C5D182C2-4680-46D1-9AE4-B357A94A791F}"/>
+              </a:ext>
+            </a:extLst>
+          </p:cNvPr>
+          <p:cNvPicPr>
+            <a:picLocks noChangeAspect="1"/>
+          </p:cNvPicPr>
+          <p:nvPr/>
+        </p:nvPicPr>
+        <p:blipFill>
+          <a:blip r:embed="rId2"/>
+          <a:stretch>
+            <a:fillRect/>
+          </a:stretch>
+        </p:blipFill>
+        <p:spPr>
+          <a:xfrm>
+            <a:off x="381000" y="1600200"/>
+            <a:ext cx="8382000" cy="4315995"/>
+          </a:xfrm>
+          <a:prstGeom prst="rect">
+            <a:avLst/>
+          </a:prstGeom>
+        </p:spPr>
+      </p:pic>
+      <p:pic>
+        <p:nvPicPr>
+          <p:cNvPr id="9" name="Picture 8">
+            <a:extLst>
+              <a:ext uri="{FF2B5EF4-FFF2-40B4-BE49-F238E27FC236}">
+                <a16:creationId xmlns:a16="http://schemas.microsoft.com/office/drawing/2014/main" id="{AFA18995-C08B-425D-8BEC-ACD0AC0362B4}"/>
+              </a:ext>
+            </a:extLst>
+          </p:cNvPr>
+          <p:cNvPicPr>
+            <a:picLocks noChangeAspect="1"/>
+          </p:cNvPicPr>
+          <p:nvPr/>
+        </p:nvPicPr>
+        <p:blipFill>
+          <a:blip r:embed="rId3"/>
+          <a:stretch>
+            <a:fillRect/>
+          </a:stretch>
+        </p:blipFill>
+        <p:spPr>
+          <a:xfrm>
+            <a:off x="381000" y="1628775"/>
+            <a:ext cx="8382000" cy="4539333"/>
+          </a:xfrm>
+          <a:prstGeom prst="rect">
+            <a:avLst/>
+          </a:prstGeom>
+        </p:spPr>
+      </p:pic>
     </p:spTree>
     <p:extLst>
       <p:ext uri="{BB962C8B-B14F-4D97-AF65-F5344CB8AC3E}">
-        <p14:creationId xmlns:p14="http://schemas.microsoft.com/office/powerpoint/2010/main" val="2149153484"/>
+        <p14:creationId xmlns:p14="http://schemas.microsoft.com/office/powerpoint/2010/main" val="3182711813"/>
       </p:ext>
     </p:extLst>
   </p:cSld>
   <p:clrMapOvr>
     <a:masterClrMapping/>
   </p:clrMapOvr>
+  <p:timing>
+    <p:tnLst>
+      <p:par>
+        <p:cTn id="1" dur="indefinite" restart="never" nodeType="tmRoot">
+          <p:childTnLst>
+            <p:seq concurrent="1" nextAc="seek">
+              <p:cTn id="2" dur="indefinite" nodeType="mainSeq">
+                <p:childTnLst>
+                  <p:par>
+                    <p:cTn id="3" fill="hold">
+                      <p:stCondLst>
+                        <p:cond delay="indefinite"/>
+                      </p:stCondLst>
+                      <p:childTnLst>
+                        <p:par>
+                          <p:cTn id="4" fill="hold">
+                            <p:stCondLst>
+                              <p:cond delay="0"/>
+                            </p:stCondLst>
+                            <p:childTnLst>
+                              <p:par>
+                                <p:cTn id="5" presetID="10" presetClass="exit" presetSubtype="0" fill="hold" nodeType="clickEffect">
+                                  <p:stCondLst>
+                                    <p:cond delay="0"/>
+                                  </p:stCondLst>
+                                  <p:childTnLst>
+                                    <p:animEffect transition="out" filter="fade">
+                                      <p:cBhvr>
+                                        <p:cTn id="6" dur="500"/>
+                                        <p:tgtEl>
+                                          <p:spTgt spid="8"/>
+                                        </p:tgtEl>
+                                      </p:cBhvr>
+                                    </p:animEffect>
+                                    <p:set>
+                                      <p:cBhvr>
+                                        <p:cTn id="7" dur="1" fill="hold">
+                                          <p:stCondLst>
+                                            <p:cond delay="499"/>
+                                          </p:stCondLst>
+                                        </p:cTn>
+                                        <p:tgtEl>
+                                          <p:spTgt spid="8"/>
+                                        </p:tgtEl>
+                                        <p:attrNameLst>
+                                          <p:attrName>style.visibility</p:attrName>
+                                        </p:attrNameLst>
+                                      </p:cBhvr>
+                                      <p:to>
+                                        <p:strVal val="hidden"/>
+                                      </p:to>
+                                    </p:set>
+                                  </p:childTnLst>
+                                </p:cTn>
+                              </p:par>
+                            </p:childTnLst>
+                          </p:cTn>
+                        </p:par>
+                      </p:childTnLst>
+                    </p:cTn>
+                  </p:par>
+                  <p:par>
+                    <p:cTn id="8" fill="hold">
+                      <p:stCondLst>
+                        <p:cond delay="indefinite"/>
+                      </p:stCondLst>
+                      <p:childTnLst>
+                        <p:par>
+                          <p:cTn id="9" fill="hold">
+                            <p:stCondLst>
+                              <p:cond delay="0"/>
+                            </p:stCondLst>
+                            <p:childTnLst>
+                              <p:par>
+                                <p:cTn id="10" presetID="10" presetClass="entr" presetSubtype="0" fill="hold" nodeType="clickEffect">
+                                  <p:stCondLst>
+                                    <p:cond delay="0"/>
+                                  </p:stCondLst>
+                                  <p:childTnLst>
+                                    <p:set>
+                                      <p:cBhvr>
+                                        <p:cTn id="11" dur="1" fill="hold">
+                                          <p:stCondLst>
+                                            <p:cond delay="0"/>
+                                          </p:stCondLst>
+                                        </p:cTn>
+                                        <p:tgtEl>
+                                          <p:spTgt spid="9"/>
+                                        </p:tgtEl>
+                                        <p:attrNameLst>
+                                          <p:attrName>style.visibility</p:attrName>
+                                        </p:attrNameLst>
+                                      </p:cBhvr>
+                                      <p:to>
+                                        <p:strVal val="visible"/>
+                                      </p:to>
+                                    </p:set>
+                                    <p:animEffect transition="in" filter="fade">
+                                      <p:cBhvr>
+                                        <p:cTn id="12" dur="500"/>
+                                        <p:tgtEl>
+                                          <p:spTgt spid="9"/>
+                                        </p:tgtEl>
+                                      </p:cBhvr>
+                                    </p:animEffect>
+                                  </p:childTnLst>
+                                </p:cTn>
+                              </p:par>
+                            </p:childTnLst>
+                          </p:cTn>
+                        </p:par>
+                      </p:childTnLst>
+                    </p:cTn>
+                  </p:par>
+                </p:childTnLst>
+              </p:cTn>
+              <p:prevCondLst>
+                <p:cond evt="onPrev" delay="0">
+                  <p:tgtEl>
+                    <p:sldTgt/>
+                  </p:tgtEl>
+                </p:cond>
+              </p:prevCondLst>
+              <p:nextCondLst>
+                <p:cond evt="onNext" delay="0">
+                  <p:tgtEl>
+                    <p:sldTgt/>
+                  </p:tgtEl>
+                </p:cond>
+              </p:nextCondLst>
+            </p:seq>
+          </p:childTnLst>
+        </p:cTn>
+      </p:par>
+    </p:tnLst>
+  </p:timing>
 </p:sld>
 </file>
 
-<file path=ppt/slides/slide3.xml><?xml version="1.0" encoding="utf-8"?>
+<file path=ppt/slides/slide11.xml><?xml version="1.0" encoding="utf-8"?>
 <p:sld xmlns:a="http://schemas.openxmlformats.org/drawingml/2006/main" xmlns:r="http://schemas.openxmlformats.org/officeDocument/2006/relationships" xmlns:p="http://schemas.openxmlformats.org/presentationml/2006/main">
   <p:cSld>
     <p:spTree>
@@ -4247,10 +4435,188 @@
           </a:p>
         </p:txBody>
       </p:sp>
+      <p:pic>
+        <p:nvPicPr>
+          <p:cNvPr id="8" name="2019-05-16_22-17-27">
+            <a:hlinkClick r:id="" action="ppaction://media"/>
+            <a:extLst>
+              <a:ext uri="{FF2B5EF4-FFF2-40B4-BE49-F238E27FC236}">
+                <a16:creationId xmlns:a16="http://schemas.microsoft.com/office/drawing/2014/main" id="{E4983112-4854-430C-917A-55D0B7C5EF53}"/>
+              </a:ext>
+            </a:extLst>
+          </p:cNvPr>
+          <p:cNvPicPr>
+            <a:picLocks noChangeAspect="1"/>
+          </p:cNvPicPr>
+          <p:nvPr>
+            <a:videoFile r:link="rId2"/>
+            <p:extLst>
+              <p:ext uri="{DAA4B4D4-6D71-4841-9C94-3DE7FCFB9230}">
+                <p14:media xmlns:p14="http://schemas.microsoft.com/office/powerpoint/2010/main" r:embed="rId1"/>
+              </p:ext>
+            </p:extLst>
+          </p:nvPr>
+        </p:nvPicPr>
+        <p:blipFill>
+          <a:blip r:embed="rId4"/>
+          <a:stretch>
+            <a:fillRect/>
+          </a:stretch>
+        </p:blipFill>
+        <p:spPr>
+          <a:xfrm>
+            <a:off x="1333500" y="1143000"/>
+            <a:ext cx="6477000" cy="5360276"/>
+          </a:xfrm>
+          <a:prstGeom prst="rect">
+            <a:avLst/>
+          </a:prstGeom>
+        </p:spPr>
+      </p:pic>
     </p:spTree>
     <p:extLst>
       <p:ext uri="{BB962C8B-B14F-4D97-AF65-F5344CB8AC3E}">
-        <p14:creationId xmlns:p14="http://schemas.microsoft.com/office/powerpoint/2010/main" val="3251028515"/>
+        <p14:creationId xmlns:p14="http://schemas.microsoft.com/office/powerpoint/2010/main" val="1078041569"/>
+      </p:ext>
+    </p:extLst>
+  </p:cSld>
+  <p:clrMapOvr>
+    <a:masterClrMapping/>
+  </p:clrMapOvr>
+  <p:timing>
+    <p:tnLst>
+      <p:par>
+        <p:cTn id="1" dur="indefinite" restart="never" nodeType="tmRoot">
+          <p:childTnLst>
+            <p:seq concurrent="1" nextAc="seek">
+              <p:cTn id="2" dur="indefinite" nodeType="mainSeq">
+                <p:childTnLst>
+                  <p:par>
+                    <p:cTn id="3" fill="hold">
+                      <p:stCondLst>
+                        <p:cond delay="indefinite"/>
+                        <p:cond evt="onBegin" delay="0">
+                          <p:tn val="2"/>
+                        </p:cond>
+                      </p:stCondLst>
+                      <p:childTnLst>
+                        <p:par>
+                          <p:cTn id="4" fill="hold">
+                            <p:stCondLst>
+                              <p:cond delay="0"/>
+                            </p:stCondLst>
+                            <p:childTnLst>
+                              <p:par>
+                                <p:cTn id="5" presetID="1" presetClass="mediacall" presetSubtype="0" fill="hold" nodeType="afterEffect">
+                                  <p:stCondLst>
+                                    <p:cond delay="0"/>
+                                  </p:stCondLst>
+                                  <p:childTnLst>
+                                    <p:cmd type="call" cmd="playFrom(0.0)">
+                                      <p:cBhvr>
+                                        <p:cTn id="6" dur="24615" fill="hold"/>
+                                        <p:tgtEl>
+                                          <p:spTgt spid="8"/>
+                                        </p:tgtEl>
+                                      </p:cBhvr>
+                                    </p:cmd>
+                                  </p:childTnLst>
+                                </p:cTn>
+                              </p:par>
+                            </p:childTnLst>
+                          </p:cTn>
+                        </p:par>
+                      </p:childTnLst>
+                    </p:cTn>
+                  </p:par>
+                </p:childTnLst>
+              </p:cTn>
+              <p:prevCondLst>
+                <p:cond evt="onPrev" delay="0">
+                  <p:tgtEl>
+                    <p:sldTgt/>
+                  </p:tgtEl>
+                </p:cond>
+              </p:prevCondLst>
+              <p:nextCondLst>
+                <p:cond evt="onNext" delay="0">
+                  <p:tgtEl>
+                    <p:sldTgt/>
+                  </p:tgtEl>
+                </p:cond>
+              </p:nextCondLst>
+            </p:seq>
+            <p:video>
+              <p:cMediaNode vol="80000">
+                <p:cTn id="7" fill="hold" display="0">
+                  <p:stCondLst>
+                    <p:cond delay="indefinite"/>
+                  </p:stCondLst>
+                </p:cTn>
+                <p:tgtEl>
+                  <p:spTgt spid="8"/>
+                </p:tgtEl>
+              </p:cMediaNode>
+            </p:video>
+          </p:childTnLst>
+        </p:cTn>
+      </p:par>
+    </p:tnLst>
+  </p:timing>
+</p:sld>
+</file>
+
+<file path=ppt/slides/slide12.xml><?xml version="1.0" encoding="utf-8"?>
+<p:sld xmlns:a="http://schemas.openxmlformats.org/drawingml/2006/main" xmlns:r="http://schemas.openxmlformats.org/officeDocument/2006/relationships" xmlns:p="http://schemas.openxmlformats.org/presentationml/2006/main">
+  <p:cSld>
+    <p:spTree>
+      <p:nvGrpSpPr>
+        <p:cNvPr id="1" name=""/>
+        <p:cNvGrpSpPr/>
+        <p:nvPr/>
+      </p:nvGrpSpPr>
+      <p:grpSpPr>
+        <a:xfrm>
+          <a:off x="0" y="0"/>
+          <a:ext cx="0" cy="0"/>
+          <a:chOff x="0" y="0"/>
+          <a:chExt cx="0" cy="0"/>
+        </a:xfrm>
+      </p:grpSpPr>
+      <p:sp>
+        <p:nvSpPr>
+          <p:cNvPr id="2" name="Text Placeholder 1"/>
+          <p:cNvSpPr>
+            <a:spLocks noGrp="1"/>
+          </p:cNvSpPr>
+          <p:nvPr>
+            <p:ph type="body" sz="quarter" idx="10"/>
+          </p:nvPr>
+        </p:nvSpPr>
+        <p:spPr/>
+        <p:txBody>
+          <a:bodyPr/>
+          <a:lstStyle/>
+          <a:p>
+            <a:r>
+              <a:rPr lang="en-US" dirty="0"/>
+              <a:t>Zendi Iklima ST, </a:t>
+            </a:r>
+            <a:r>
+              <a:rPr lang="en-US" dirty="0" err="1"/>
+              <a:t>SKom</a:t>
+            </a:r>
+            <a:r>
+              <a:rPr lang="en-US" dirty="0"/>
+              <a:t>, MSc</a:t>
+            </a:r>
+          </a:p>
+        </p:txBody>
+      </p:sp>
+    </p:spTree>
+    <p:extLst>
+      <p:ext uri="{BB962C8B-B14F-4D97-AF65-F5344CB8AC3E}">
+        <p14:creationId xmlns:p14="http://schemas.microsoft.com/office/powerpoint/2010/main" val="2729047529"/>
       </p:ext>
     </p:extLst>
   </p:cSld>
@@ -4260,7 +4626,7 @@
 </p:sld>
 </file>
 
-<file path=ppt/slides/slide4.xml><?xml version="1.0" encoding="utf-8"?>
+<file path=ppt/slides/slide2.xml><?xml version="1.0" encoding="utf-8"?>
 <p:sld xmlns:a="http://schemas.openxmlformats.org/drawingml/2006/main" xmlns:r="http://schemas.openxmlformats.org/officeDocument/2006/relationships" xmlns:p="http://schemas.openxmlformats.org/presentationml/2006/main">
   <p:cSld>
     <p:spTree>
@@ -4298,7 +4664,10 @@
           <a:bodyPr/>
           <a:lstStyle/>
           <a:p>
-            <a:endParaRPr lang="en-US"/>
+            <a:r>
+              <a:rPr lang="en-US" dirty="0"/>
+              <a:t>/app.js</a:t>
+            </a:r>
           </a:p>
         </p:txBody>
       </p:sp>
@@ -4346,6 +4715,1321 @@
           </a:p>
         </p:txBody>
       </p:sp>
+      <p:pic>
+        <p:nvPicPr>
+          <p:cNvPr id="3" name="Picture 2">
+            <a:extLst>
+              <a:ext uri="{FF2B5EF4-FFF2-40B4-BE49-F238E27FC236}">
+                <a16:creationId xmlns:a16="http://schemas.microsoft.com/office/drawing/2014/main" id="{25CE376C-543D-4003-9388-39C7AAD190F8}"/>
+              </a:ext>
+            </a:extLst>
+          </p:cNvPr>
+          <p:cNvPicPr>
+            <a:picLocks noChangeAspect="1"/>
+          </p:cNvPicPr>
+          <p:nvPr/>
+        </p:nvPicPr>
+        <p:blipFill>
+          <a:blip r:embed="rId2"/>
+          <a:stretch>
+            <a:fillRect/>
+          </a:stretch>
+        </p:blipFill>
+        <p:spPr>
+          <a:xfrm>
+            <a:off x="2286000" y="1167962"/>
+            <a:ext cx="4572000" cy="5360276"/>
+          </a:xfrm>
+          <a:prstGeom prst="rect">
+            <a:avLst/>
+          </a:prstGeom>
+        </p:spPr>
+      </p:pic>
+    </p:spTree>
+    <p:extLst>
+      <p:ext uri="{BB962C8B-B14F-4D97-AF65-F5344CB8AC3E}">
+        <p14:creationId xmlns:p14="http://schemas.microsoft.com/office/powerpoint/2010/main" val="2149153484"/>
+      </p:ext>
+    </p:extLst>
+  </p:cSld>
+  <p:clrMapOvr>
+    <a:masterClrMapping/>
+  </p:clrMapOvr>
+</p:sld>
+</file>
+
+<file path=ppt/slides/slide3.xml><?xml version="1.0" encoding="utf-8"?>
+<p:sld xmlns:a="http://schemas.openxmlformats.org/drawingml/2006/main" xmlns:r="http://schemas.openxmlformats.org/officeDocument/2006/relationships" xmlns:p="http://schemas.openxmlformats.org/presentationml/2006/main">
+  <p:cSld>
+    <p:spTree>
+      <p:nvGrpSpPr>
+        <p:cNvPr id="1" name=""/>
+        <p:cNvGrpSpPr/>
+        <p:nvPr/>
+      </p:nvGrpSpPr>
+      <p:grpSpPr>
+        <a:xfrm>
+          <a:off x="0" y="0"/>
+          <a:ext cx="0" cy="0"/>
+          <a:chOff x="0" y="0"/>
+          <a:chExt cx="0" cy="0"/>
+        </a:xfrm>
+      </p:grpSpPr>
+      <p:sp>
+        <p:nvSpPr>
+          <p:cNvPr id="2" name="Text Placeholder 1">
+            <a:extLst>
+              <a:ext uri="{FF2B5EF4-FFF2-40B4-BE49-F238E27FC236}">
+                <a16:creationId xmlns:a16="http://schemas.microsoft.com/office/drawing/2014/main" id="{70BA3967-673A-4F45-B3A8-D6C82F65BFC6}"/>
+              </a:ext>
+            </a:extLst>
+          </p:cNvPr>
+          <p:cNvSpPr>
+            <a:spLocks noGrp="1"/>
+          </p:cNvSpPr>
+          <p:nvPr>
+            <p:ph type="body" sz="quarter" idx="10"/>
+          </p:nvPr>
+        </p:nvSpPr>
+        <p:spPr/>
+        <p:txBody>
+          <a:bodyPr/>
+          <a:lstStyle/>
+          <a:p>
+            <a:r>
+              <a:rPr lang="en-US" dirty="0"/>
+              <a:t>/controllers/auth.js</a:t>
+            </a:r>
+          </a:p>
+        </p:txBody>
+      </p:sp>
+      <p:sp>
+        <p:nvSpPr>
+          <p:cNvPr id="4" name="Rectangle 3">
+            <a:extLst>
+              <a:ext uri="{FF2B5EF4-FFF2-40B4-BE49-F238E27FC236}">
+                <a16:creationId xmlns:a16="http://schemas.microsoft.com/office/drawing/2014/main" id="{916CE252-CB60-4E72-B3A5-E9C309B9B204}"/>
+              </a:ext>
+            </a:extLst>
+          </p:cNvPr>
+          <p:cNvSpPr/>
+          <p:nvPr/>
+        </p:nvSpPr>
+        <p:spPr>
+          <a:xfrm>
+            <a:off x="152400" y="990600"/>
+            <a:ext cx="8839200" cy="5715000"/>
+          </a:xfrm>
+          <a:prstGeom prst="rect">
+            <a:avLst/>
+          </a:prstGeom>
+        </p:spPr>
+        <p:style>
+          <a:lnRef idx="2">
+            <a:schemeClr val="dk1"/>
+          </a:lnRef>
+          <a:fillRef idx="1">
+            <a:schemeClr val="lt1"/>
+          </a:fillRef>
+          <a:effectRef idx="0">
+            <a:schemeClr val="dk1"/>
+          </a:effectRef>
+          <a:fontRef idx="minor">
+            <a:schemeClr val="dk1"/>
+          </a:fontRef>
+        </p:style>
+        <p:txBody>
+          <a:bodyPr rtlCol="0" anchor="ctr"/>
+          <a:lstStyle/>
+          <a:p>
+            <a:pPr algn="ctr"/>
+            <a:endParaRPr lang="en-US"/>
+          </a:p>
+        </p:txBody>
+      </p:sp>
+      <p:pic>
+        <p:nvPicPr>
+          <p:cNvPr id="3" name="Picture 2">
+            <a:extLst>
+              <a:ext uri="{FF2B5EF4-FFF2-40B4-BE49-F238E27FC236}">
+                <a16:creationId xmlns:a16="http://schemas.microsoft.com/office/drawing/2014/main" id="{FE8889DA-2B9F-4EE0-B42B-CDA563A2C1E0}"/>
+              </a:ext>
+            </a:extLst>
+          </p:cNvPr>
+          <p:cNvPicPr>
+            <a:picLocks noChangeAspect="1"/>
+          </p:cNvPicPr>
+          <p:nvPr/>
+        </p:nvPicPr>
+        <p:blipFill>
+          <a:blip r:embed="rId2"/>
+          <a:stretch>
+            <a:fillRect/>
+          </a:stretch>
+        </p:blipFill>
+        <p:spPr>
+          <a:xfrm>
+            <a:off x="1371600" y="1219200"/>
+            <a:ext cx="6705600" cy="5328557"/>
+          </a:xfrm>
+          <a:prstGeom prst="rect">
+            <a:avLst/>
+          </a:prstGeom>
+        </p:spPr>
+      </p:pic>
+      <p:pic>
+        <p:nvPicPr>
+          <p:cNvPr id="5" name="Picture 4">
+            <a:extLst>
+              <a:ext uri="{FF2B5EF4-FFF2-40B4-BE49-F238E27FC236}">
+                <a16:creationId xmlns:a16="http://schemas.microsoft.com/office/drawing/2014/main" id="{7E736383-9437-4FD5-AEAF-8A0640CB0D1E}"/>
+              </a:ext>
+            </a:extLst>
+          </p:cNvPr>
+          <p:cNvPicPr>
+            <a:picLocks noChangeAspect="1"/>
+          </p:cNvPicPr>
+          <p:nvPr/>
+        </p:nvPicPr>
+        <p:blipFill>
+          <a:blip r:embed="rId3"/>
+          <a:stretch>
+            <a:fillRect/>
+          </a:stretch>
+        </p:blipFill>
+        <p:spPr>
+          <a:xfrm>
+            <a:off x="598990" y="2247900"/>
+            <a:ext cx="8250820" cy="3200400"/>
+          </a:xfrm>
+          <a:prstGeom prst="rect">
+            <a:avLst/>
+          </a:prstGeom>
+        </p:spPr>
+      </p:pic>
+      <p:pic>
+        <p:nvPicPr>
+          <p:cNvPr id="6" name="Picture 5">
+            <a:extLst>
+              <a:ext uri="{FF2B5EF4-FFF2-40B4-BE49-F238E27FC236}">
+                <a16:creationId xmlns:a16="http://schemas.microsoft.com/office/drawing/2014/main" id="{47908320-F8D0-4B6F-AEE5-0CBC3EE10C14}"/>
+              </a:ext>
+            </a:extLst>
+          </p:cNvPr>
+          <p:cNvPicPr>
+            <a:picLocks noChangeAspect="1"/>
+          </p:cNvPicPr>
+          <p:nvPr/>
+        </p:nvPicPr>
+        <p:blipFill>
+          <a:blip r:embed="rId4"/>
+          <a:stretch>
+            <a:fillRect/>
+          </a:stretch>
+        </p:blipFill>
+        <p:spPr>
+          <a:xfrm>
+            <a:off x="1666875" y="2686050"/>
+            <a:ext cx="5810250" cy="2324100"/>
+          </a:xfrm>
+          <a:prstGeom prst="rect">
+            <a:avLst/>
+          </a:prstGeom>
+        </p:spPr>
+      </p:pic>
+      <p:pic>
+        <p:nvPicPr>
+          <p:cNvPr id="7" name="Picture 6">
+            <a:extLst>
+              <a:ext uri="{FF2B5EF4-FFF2-40B4-BE49-F238E27FC236}">
+                <a16:creationId xmlns:a16="http://schemas.microsoft.com/office/drawing/2014/main" id="{2C4999FD-3E28-4B56-8295-28ED15011484}"/>
+              </a:ext>
+            </a:extLst>
+          </p:cNvPr>
+          <p:cNvPicPr>
+            <a:picLocks noChangeAspect="1"/>
+          </p:cNvPicPr>
+          <p:nvPr/>
+        </p:nvPicPr>
+        <p:blipFill>
+          <a:blip r:embed="rId5"/>
+          <a:stretch>
+            <a:fillRect/>
+          </a:stretch>
+        </p:blipFill>
+        <p:spPr>
+          <a:xfrm>
+            <a:off x="1022006" y="2057400"/>
+            <a:ext cx="7099987" cy="3944437"/>
+          </a:xfrm>
+          <a:prstGeom prst="rect">
+            <a:avLst/>
+          </a:prstGeom>
+        </p:spPr>
+      </p:pic>
+      <p:pic>
+        <p:nvPicPr>
+          <p:cNvPr id="8" name="Picture 7">
+            <a:extLst>
+              <a:ext uri="{FF2B5EF4-FFF2-40B4-BE49-F238E27FC236}">
+                <a16:creationId xmlns:a16="http://schemas.microsoft.com/office/drawing/2014/main" id="{1F3DA7E3-8C9B-4492-97E4-D85385D2B21D}"/>
+              </a:ext>
+            </a:extLst>
+          </p:cNvPr>
+          <p:cNvPicPr>
+            <a:picLocks noChangeAspect="1"/>
+          </p:cNvPicPr>
+          <p:nvPr/>
+        </p:nvPicPr>
+        <p:blipFill>
+          <a:blip r:embed="rId6"/>
+          <a:stretch>
+            <a:fillRect/>
+          </a:stretch>
+        </p:blipFill>
+        <p:spPr>
+          <a:xfrm>
+            <a:off x="1057564" y="1652587"/>
+            <a:ext cx="6951199" cy="4214813"/>
+          </a:xfrm>
+          <a:prstGeom prst="rect">
+            <a:avLst/>
+          </a:prstGeom>
+        </p:spPr>
+      </p:pic>
+      <p:pic>
+        <p:nvPicPr>
+          <p:cNvPr id="9" name="Picture 8">
+            <a:extLst>
+              <a:ext uri="{FF2B5EF4-FFF2-40B4-BE49-F238E27FC236}">
+                <a16:creationId xmlns:a16="http://schemas.microsoft.com/office/drawing/2014/main" id="{53DDDA80-2BD4-4200-822E-33C40B120113}"/>
+              </a:ext>
+            </a:extLst>
+          </p:cNvPr>
+          <p:cNvPicPr>
+            <a:picLocks noChangeAspect="1"/>
+          </p:cNvPicPr>
+          <p:nvPr/>
+        </p:nvPicPr>
+        <p:blipFill>
+          <a:blip r:embed="rId7"/>
+          <a:stretch>
+            <a:fillRect/>
+          </a:stretch>
+        </p:blipFill>
+        <p:spPr>
+          <a:xfrm>
+            <a:off x="1434375" y="1293731"/>
+            <a:ext cx="6197575" cy="5179493"/>
+          </a:xfrm>
+          <a:prstGeom prst="rect">
+            <a:avLst/>
+          </a:prstGeom>
+        </p:spPr>
+      </p:pic>
+    </p:spTree>
+    <p:extLst>
+      <p:ext uri="{BB962C8B-B14F-4D97-AF65-F5344CB8AC3E}">
+        <p14:creationId xmlns:p14="http://schemas.microsoft.com/office/powerpoint/2010/main" val="3251028515"/>
+      </p:ext>
+    </p:extLst>
+  </p:cSld>
+  <p:clrMapOvr>
+    <a:masterClrMapping/>
+  </p:clrMapOvr>
+  <p:timing>
+    <p:tnLst>
+      <p:par>
+        <p:cTn id="1" dur="indefinite" restart="never" nodeType="tmRoot">
+          <p:childTnLst>
+            <p:seq concurrent="1" nextAc="seek">
+              <p:cTn id="2" dur="indefinite" nodeType="mainSeq">
+                <p:childTnLst>
+                  <p:par>
+                    <p:cTn id="3" fill="hold">
+                      <p:stCondLst>
+                        <p:cond delay="indefinite"/>
+                      </p:stCondLst>
+                      <p:childTnLst>
+                        <p:par>
+                          <p:cTn id="4" fill="hold">
+                            <p:stCondLst>
+                              <p:cond delay="0"/>
+                            </p:stCondLst>
+                            <p:childTnLst>
+                              <p:par>
+                                <p:cTn id="5" presetID="10" presetClass="exit" presetSubtype="0" fill="hold" nodeType="clickEffect">
+                                  <p:stCondLst>
+                                    <p:cond delay="0"/>
+                                  </p:stCondLst>
+                                  <p:childTnLst>
+                                    <p:animEffect transition="out" filter="fade">
+                                      <p:cBhvr>
+                                        <p:cTn id="6" dur="500"/>
+                                        <p:tgtEl>
+                                          <p:spTgt spid="3"/>
+                                        </p:tgtEl>
+                                      </p:cBhvr>
+                                    </p:animEffect>
+                                    <p:set>
+                                      <p:cBhvr>
+                                        <p:cTn id="7" dur="1" fill="hold">
+                                          <p:stCondLst>
+                                            <p:cond delay="499"/>
+                                          </p:stCondLst>
+                                        </p:cTn>
+                                        <p:tgtEl>
+                                          <p:spTgt spid="3"/>
+                                        </p:tgtEl>
+                                        <p:attrNameLst>
+                                          <p:attrName>style.visibility</p:attrName>
+                                        </p:attrNameLst>
+                                      </p:cBhvr>
+                                      <p:to>
+                                        <p:strVal val="hidden"/>
+                                      </p:to>
+                                    </p:set>
+                                  </p:childTnLst>
+                                </p:cTn>
+                              </p:par>
+                            </p:childTnLst>
+                          </p:cTn>
+                        </p:par>
+                        <p:par>
+                          <p:cTn id="8" fill="hold">
+                            <p:stCondLst>
+                              <p:cond delay="500"/>
+                            </p:stCondLst>
+                            <p:childTnLst>
+                              <p:par>
+                                <p:cTn id="9" presetID="10" presetClass="entr" presetSubtype="0" fill="hold" nodeType="afterEffect">
+                                  <p:stCondLst>
+                                    <p:cond delay="0"/>
+                                  </p:stCondLst>
+                                  <p:childTnLst>
+                                    <p:set>
+                                      <p:cBhvr>
+                                        <p:cTn id="10" dur="1" fill="hold">
+                                          <p:stCondLst>
+                                            <p:cond delay="0"/>
+                                          </p:stCondLst>
+                                        </p:cTn>
+                                        <p:tgtEl>
+                                          <p:spTgt spid="5"/>
+                                        </p:tgtEl>
+                                        <p:attrNameLst>
+                                          <p:attrName>style.visibility</p:attrName>
+                                        </p:attrNameLst>
+                                      </p:cBhvr>
+                                      <p:to>
+                                        <p:strVal val="visible"/>
+                                      </p:to>
+                                    </p:set>
+                                    <p:animEffect transition="in" filter="fade">
+                                      <p:cBhvr>
+                                        <p:cTn id="11" dur="500"/>
+                                        <p:tgtEl>
+                                          <p:spTgt spid="5"/>
+                                        </p:tgtEl>
+                                      </p:cBhvr>
+                                    </p:animEffect>
+                                  </p:childTnLst>
+                                </p:cTn>
+                              </p:par>
+                            </p:childTnLst>
+                          </p:cTn>
+                        </p:par>
+                      </p:childTnLst>
+                    </p:cTn>
+                  </p:par>
+                  <p:par>
+                    <p:cTn id="12" fill="hold">
+                      <p:stCondLst>
+                        <p:cond delay="indefinite"/>
+                      </p:stCondLst>
+                      <p:childTnLst>
+                        <p:par>
+                          <p:cTn id="13" fill="hold">
+                            <p:stCondLst>
+                              <p:cond delay="0"/>
+                            </p:stCondLst>
+                            <p:childTnLst>
+                              <p:par>
+                                <p:cTn id="14" presetID="10" presetClass="exit" presetSubtype="0" fill="hold" nodeType="clickEffect">
+                                  <p:stCondLst>
+                                    <p:cond delay="0"/>
+                                  </p:stCondLst>
+                                  <p:childTnLst>
+                                    <p:animEffect transition="out" filter="fade">
+                                      <p:cBhvr>
+                                        <p:cTn id="15" dur="500"/>
+                                        <p:tgtEl>
+                                          <p:spTgt spid="5"/>
+                                        </p:tgtEl>
+                                      </p:cBhvr>
+                                    </p:animEffect>
+                                    <p:set>
+                                      <p:cBhvr>
+                                        <p:cTn id="16" dur="1" fill="hold">
+                                          <p:stCondLst>
+                                            <p:cond delay="499"/>
+                                          </p:stCondLst>
+                                        </p:cTn>
+                                        <p:tgtEl>
+                                          <p:spTgt spid="5"/>
+                                        </p:tgtEl>
+                                        <p:attrNameLst>
+                                          <p:attrName>style.visibility</p:attrName>
+                                        </p:attrNameLst>
+                                      </p:cBhvr>
+                                      <p:to>
+                                        <p:strVal val="hidden"/>
+                                      </p:to>
+                                    </p:set>
+                                  </p:childTnLst>
+                                </p:cTn>
+                              </p:par>
+                            </p:childTnLst>
+                          </p:cTn>
+                        </p:par>
+                        <p:par>
+                          <p:cTn id="17" fill="hold">
+                            <p:stCondLst>
+                              <p:cond delay="500"/>
+                            </p:stCondLst>
+                            <p:childTnLst>
+                              <p:par>
+                                <p:cTn id="18" presetID="10" presetClass="entr" presetSubtype="0" fill="hold" nodeType="afterEffect">
+                                  <p:stCondLst>
+                                    <p:cond delay="0"/>
+                                  </p:stCondLst>
+                                  <p:childTnLst>
+                                    <p:set>
+                                      <p:cBhvr>
+                                        <p:cTn id="19" dur="1" fill="hold">
+                                          <p:stCondLst>
+                                            <p:cond delay="0"/>
+                                          </p:stCondLst>
+                                        </p:cTn>
+                                        <p:tgtEl>
+                                          <p:spTgt spid="6"/>
+                                        </p:tgtEl>
+                                        <p:attrNameLst>
+                                          <p:attrName>style.visibility</p:attrName>
+                                        </p:attrNameLst>
+                                      </p:cBhvr>
+                                      <p:to>
+                                        <p:strVal val="visible"/>
+                                      </p:to>
+                                    </p:set>
+                                    <p:animEffect transition="in" filter="fade">
+                                      <p:cBhvr>
+                                        <p:cTn id="20" dur="500"/>
+                                        <p:tgtEl>
+                                          <p:spTgt spid="6"/>
+                                        </p:tgtEl>
+                                      </p:cBhvr>
+                                    </p:animEffect>
+                                  </p:childTnLst>
+                                </p:cTn>
+                              </p:par>
+                            </p:childTnLst>
+                          </p:cTn>
+                        </p:par>
+                      </p:childTnLst>
+                    </p:cTn>
+                  </p:par>
+                  <p:par>
+                    <p:cTn id="21" fill="hold">
+                      <p:stCondLst>
+                        <p:cond delay="indefinite"/>
+                      </p:stCondLst>
+                      <p:childTnLst>
+                        <p:par>
+                          <p:cTn id="22" fill="hold">
+                            <p:stCondLst>
+                              <p:cond delay="0"/>
+                            </p:stCondLst>
+                            <p:childTnLst>
+                              <p:par>
+                                <p:cTn id="23" presetID="10" presetClass="exit" presetSubtype="0" fill="hold" nodeType="clickEffect">
+                                  <p:stCondLst>
+                                    <p:cond delay="0"/>
+                                  </p:stCondLst>
+                                  <p:childTnLst>
+                                    <p:animEffect transition="out" filter="fade">
+                                      <p:cBhvr>
+                                        <p:cTn id="24" dur="500"/>
+                                        <p:tgtEl>
+                                          <p:spTgt spid="6"/>
+                                        </p:tgtEl>
+                                      </p:cBhvr>
+                                    </p:animEffect>
+                                    <p:set>
+                                      <p:cBhvr>
+                                        <p:cTn id="25" dur="1" fill="hold">
+                                          <p:stCondLst>
+                                            <p:cond delay="499"/>
+                                          </p:stCondLst>
+                                        </p:cTn>
+                                        <p:tgtEl>
+                                          <p:spTgt spid="6"/>
+                                        </p:tgtEl>
+                                        <p:attrNameLst>
+                                          <p:attrName>style.visibility</p:attrName>
+                                        </p:attrNameLst>
+                                      </p:cBhvr>
+                                      <p:to>
+                                        <p:strVal val="hidden"/>
+                                      </p:to>
+                                    </p:set>
+                                  </p:childTnLst>
+                                </p:cTn>
+                              </p:par>
+                            </p:childTnLst>
+                          </p:cTn>
+                        </p:par>
+                        <p:par>
+                          <p:cTn id="26" fill="hold">
+                            <p:stCondLst>
+                              <p:cond delay="500"/>
+                            </p:stCondLst>
+                            <p:childTnLst>
+                              <p:par>
+                                <p:cTn id="27" presetID="10" presetClass="entr" presetSubtype="0" fill="hold" nodeType="afterEffect">
+                                  <p:stCondLst>
+                                    <p:cond delay="0"/>
+                                  </p:stCondLst>
+                                  <p:childTnLst>
+                                    <p:set>
+                                      <p:cBhvr>
+                                        <p:cTn id="28" dur="1" fill="hold">
+                                          <p:stCondLst>
+                                            <p:cond delay="0"/>
+                                          </p:stCondLst>
+                                        </p:cTn>
+                                        <p:tgtEl>
+                                          <p:spTgt spid="7"/>
+                                        </p:tgtEl>
+                                        <p:attrNameLst>
+                                          <p:attrName>style.visibility</p:attrName>
+                                        </p:attrNameLst>
+                                      </p:cBhvr>
+                                      <p:to>
+                                        <p:strVal val="visible"/>
+                                      </p:to>
+                                    </p:set>
+                                    <p:animEffect transition="in" filter="fade">
+                                      <p:cBhvr>
+                                        <p:cTn id="29" dur="500"/>
+                                        <p:tgtEl>
+                                          <p:spTgt spid="7"/>
+                                        </p:tgtEl>
+                                      </p:cBhvr>
+                                    </p:animEffect>
+                                  </p:childTnLst>
+                                </p:cTn>
+                              </p:par>
+                            </p:childTnLst>
+                          </p:cTn>
+                        </p:par>
+                      </p:childTnLst>
+                    </p:cTn>
+                  </p:par>
+                  <p:par>
+                    <p:cTn id="30" fill="hold">
+                      <p:stCondLst>
+                        <p:cond delay="indefinite"/>
+                      </p:stCondLst>
+                      <p:childTnLst>
+                        <p:par>
+                          <p:cTn id="31" fill="hold">
+                            <p:stCondLst>
+                              <p:cond delay="0"/>
+                            </p:stCondLst>
+                            <p:childTnLst>
+                              <p:par>
+                                <p:cTn id="32" presetID="10" presetClass="exit" presetSubtype="0" fill="hold" nodeType="clickEffect">
+                                  <p:stCondLst>
+                                    <p:cond delay="0"/>
+                                  </p:stCondLst>
+                                  <p:childTnLst>
+                                    <p:animEffect transition="out" filter="fade">
+                                      <p:cBhvr>
+                                        <p:cTn id="33" dur="500"/>
+                                        <p:tgtEl>
+                                          <p:spTgt spid="7"/>
+                                        </p:tgtEl>
+                                      </p:cBhvr>
+                                    </p:animEffect>
+                                    <p:set>
+                                      <p:cBhvr>
+                                        <p:cTn id="34" dur="1" fill="hold">
+                                          <p:stCondLst>
+                                            <p:cond delay="499"/>
+                                          </p:stCondLst>
+                                        </p:cTn>
+                                        <p:tgtEl>
+                                          <p:spTgt spid="7"/>
+                                        </p:tgtEl>
+                                        <p:attrNameLst>
+                                          <p:attrName>style.visibility</p:attrName>
+                                        </p:attrNameLst>
+                                      </p:cBhvr>
+                                      <p:to>
+                                        <p:strVal val="hidden"/>
+                                      </p:to>
+                                    </p:set>
+                                  </p:childTnLst>
+                                </p:cTn>
+                              </p:par>
+                            </p:childTnLst>
+                          </p:cTn>
+                        </p:par>
+                        <p:par>
+                          <p:cTn id="35" fill="hold">
+                            <p:stCondLst>
+                              <p:cond delay="500"/>
+                            </p:stCondLst>
+                            <p:childTnLst>
+                              <p:par>
+                                <p:cTn id="36" presetID="10" presetClass="entr" presetSubtype="0" fill="hold" nodeType="afterEffect">
+                                  <p:stCondLst>
+                                    <p:cond delay="0"/>
+                                  </p:stCondLst>
+                                  <p:childTnLst>
+                                    <p:set>
+                                      <p:cBhvr>
+                                        <p:cTn id="37" dur="1" fill="hold">
+                                          <p:stCondLst>
+                                            <p:cond delay="0"/>
+                                          </p:stCondLst>
+                                        </p:cTn>
+                                        <p:tgtEl>
+                                          <p:spTgt spid="8"/>
+                                        </p:tgtEl>
+                                        <p:attrNameLst>
+                                          <p:attrName>style.visibility</p:attrName>
+                                        </p:attrNameLst>
+                                      </p:cBhvr>
+                                      <p:to>
+                                        <p:strVal val="visible"/>
+                                      </p:to>
+                                    </p:set>
+                                    <p:animEffect transition="in" filter="fade">
+                                      <p:cBhvr>
+                                        <p:cTn id="38" dur="500"/>
+                                        <p:tgtEl>
+                                          <p:spTgt spid="8"/>
+                                        </p:tgtEl>
+                                      </p:cBhvr>
+                                    </p:animEffect>
+                                  </p:childTnLst>
+                                </p:cTn>
+                              </p:par>
+                            </p:childTnLst>
+                          </p:cTn>
+                        </p:par>
+                      </p:childTnLst>
+                    </p:cTn>
+                  </p:par>
+                  <p:par>
+                    <p:cTn id="39" fill="hold">
+                      <p:stCondLst>
+                        <p:cond delay="indefinite"/>
+                      </p:stCondLst>
+                      <p:childTnLst>
+                        <p:par>
+                          <p:cTn id="40" fill="hold">
+                            <p:stCondLst>
+                              <p:cond delay="0"/>
+                            </p:stCondLst>
+                            <p:childTnLst>
+                              <p:par>
+                                <p:cTn id="41" presetID="10" presetClass="exit" presetSubtype="0" fill="hold" nodeType="clickEffect">
+                                  <p:stCondLst>
+                                    <p:cond delay="0"/>
+                                  </p:stCondLst>
+                                  <p:childTnLst>
+                                    <p:animEffect transition="out" filter="fade">
+                                      <p:cBhvr>
+                                        <p:cTn id="42" dur="500"/>
+                                        <p:tgtEl>
+                                          <p:spTgt spid="8"/>
+                                        </p:tgtEl>
+                                      </p:cBhvr>
+                                    </p:animEffect>
+                                    <p:set>
+                                      <p:cBhvr>
+                                        <p:cTn id="43" dur="1" fill="hold">
+                                          <p:stCondLst>
+                                            <p:cond delay="499"/>
+                                          </p:stCondLst>
+                                        </p:cTn>
+                                        <p:tgtEl>
+                                          <p:spTgt spid="8"/>
+                                        </p:tgtEl>
+                                        <p:attrNameLst>
+                                          <p:attrName>style.visibility</p:attrName>
+                                        </p:attrNameLst>
+                                      </p:cBhvr>
+                                      <p:to>
+                                        <p:strVal val="hidden"/>
+                                      </p:to>
+                                    </p:set>
+                                  </p:childTnLst>
+                                </p:cTn>
+                              </p:par>
+                            </p:childTnLst>
+                          </p:cTn>
+                        </p:par>
+                        <p:par>
+                          <p:cTn id="44" fill="hold">
+                            <p:stCondLst>
+                              <p:cond delay="500"/>
+                            </p:stCondLst>
+                            <p:childTnLst>
+                              <p:par>
+                                <p:cTn id="45" presetID="10" presetClass="entr" presetSubtype="0" fill="hold" nodeType="afterEffect">
+                                  <p:stCondLst>
+                                    <p:cond delay="0"/>
+                                  </p:stCondLst>
+                                  <p:childTnLst>
+                                    <p:set>
+                                      <p:cBhvr>
+                                        <p:cTn id="46" dur="1" fill="hold">
+                                          <p:stCondLst>
+                                            <p:cond delay="0"/>
+                                          </p:stCondLst>
+                                        </p:cTn>
+                                        <p:tgtEl>
+                                          <p:spTgt spid="9"/>
+                                        </p:tgtEl>
+                                        <p:attrNameLst>
+                                          <p:attrName>style.visibility</p:attrName>
+                                        </p:attrNameLst>
+                                      </p:cBhvr>
+                                      <p:to>
+                                        <p:strVal val="visible"/>
+                                      </p:to>
+                                    </p:set>
+                                    <p:animEffect transition="in" filter="fade">
+                                      <p:cBhvr>
+                                        <p:cTn id="47" dur="500"/>
+                                        <p:tgtEl>
+                                          <p:spTgt spid="9"/>
+                                        </p:tgtEl>
+                                      </p:cBhvr>
+                                    </p:animEffect>
+                                  </p:childTnLst>
+                                </p:cTn>
+                              </p:par>
+                            </p:childTnLst>
+                          </p:cTn>
+                        </p:par>
+                      </p:childTnLst>
+                    </p:cTn>
+                  </p:par>
+                  <p:par>
+                    <p:cTn id="48" fill="hold">
+                      <p:stCondLst>
+                        <p:cond delay="indefinite"/>
+                      </p:stCondLst>
+                      <p:childTnLst>
+                        <p:par>
+                          <p:cTn id="49" fill="hold">
+                            <p:stCondLst>
+                              <p:cond delay="0"/>
+                            </p:stCondLst>
+                            <p:childTnLst>
+                              <p:par>
+                                <p:cTn id="50" presetID="10" presetClass="exit" presetSubtype="0" fill="hold" nodeType="clickEffect">
+                                  <p:stCondLst>
+                                    <p:cond delay="0"/>
+                                  </p:stCondLst>
+                                  <p:childTnLst>
+                                    <p:animEffect transition="out" filter="fade">
+                                      <p:cBhvr>
+                                        <p:cTn id="51" dur="500"/>
+                                        <p:tgtEl>
+                                          <p:spTgt spid="9"/>
+                                        </p:tgtEl>
+                                      </p:cBhvr>
+                                    </p:animEffect>
+                                    <p:set>
+                                      <p:cBhvr>
+                                        <p:cTn id="52" dur="1" fill="hold">
+                                          <p:stCondLst>
+                                            <p:cond delay="499"/>
+                                          </p:stCondLst>
+                                        </p:cTn>
+                                        <p:tgtEl>
+                                          <p:spTgt spid="9"/>
+                                        </p:tgtEl>
+                                        <p:attrNameLst>
+                                          <p:attrName>style.visibility</p:attrName>
+                                        </p:attrNameLst>
+                                      </p:cBhvr>
+                                      <p:to>
+                                        <p:strVal val="hidden"/>
+                                      </p:to>
+                                    </p:set>
+                                  </p:childTnLst>
+                                </p:cTn>
+                              </p:par>
+                            </p:childTnLst>
+                          </p:cTn>
+                        </p:par>
+                      </p:childTnLst>
+                    </p:cTn>
+                  </p:par>
+                </p:childTnLst>
+              </p:cTn>
+              <p:prevCondLst>
+                <p:cond evt="onPrev" delay="0">
+                  <p:tgtEl>
+                    <p:sldTgt/>
+                  </p:tgtEl>
+                </p:cond>
+              </p:prevCondLst>
+              <p:nextCondLst>
+                <p:cond evt="onNext" delay="0">
+                  <p:tgtEl>
+                    <p:sldTgt/>
+                  </p:tgtEl>
+                </p:cond>
+              </p:nextCondLst>
+            </p:seq>
+          </p:childTnLst>
+        </p:cTn>
+      </p:par>
+    </p:tnLst>
+  </p:timing>
+</p:sld>
+</file>
+
+<file path=ppt/slides/slide4.xml><?xml version="1.0" encoding="utf-8"?>
+<p:sld xmlns:a="http://schemas.openxmlformats.org/drawingml/2006/main" xmlns:r="http://schemas.openxmlformats.org/officeDocument/2006/relationships" xmlns:p="http://schemas.openxmlformats.org/presentationml/2006/main">
+  <p:cSld>
+    <p:spTree>
+      <p:nvGrpSpPr>
+        <p:cNvPr id="1" name=""/>
+        <p:cNvGrpSpPr/>
+        <p:nvPr/>
+      </p:nvGrpSpPr>
+      <p:grpSpPr>
+        <a:xfrm>
+          <a:off x="0" y="0"/>
+          <a:ext cx="0" cy="0"/>
+          <a:chOff x="0" y="0"/>
+          <a:chExt cx="0" cy="0"/>
+        </a:xfrm>
+      </p:grpSpPr>
+      <p:sp>
+        <p:nvSpPr>
+          <p:cNvPr id="2" name="Text Placeholder 1">
+            <a:extLst>
+              <a:ext uri="{FF2B5EF4-FFF2-40B4-BE49-F238E27FC236}">
+                <a16:creationId xmlns:a16="http://schemas.microsoft.com/office/drawing/2014/main" id="{70BA3967-673A-4F45-B3A8-D6C82F65BFC6}"/>
+              </a:ext>
+            </a:extLst>
+          </p:cNvPr>
+          <p:cNvSpPr>
+            <a:spLocks noGrp="1"/>
+          </p:cNvSpPr>
+          <p:nvPr>
+            <p:ph type="body" sz="quarter" idx="10"/>
+          </p:nvPr>
+        </p:nvSpPr>
+        <p:spPr/>
+        <p:txBody>
+          <a:bodyPr/>
+          <a:lstStyle/>
+          <a:p>
+            <a:r>
+              <a:rPr lang="en-US" dirty="0"/>
+              <a:t>/views/</a:t>
+            </a:r>
+            <a:r>
+              <a:rPr lang="en-US" dirty="0" err="1"/>
+              <a:t>login.ejs</a:t>
+            </a:r>
+            <a:endParaRPr lang="en-US" dirty="0"/>
+          </a:p>
+        </p:txBody>
+      </p:sp>
+      <p:sp>
+        <p:nvSpPr>
+          <p:cNvPr id="4" name="Rectangle 3">
+            <a:extLst>
+              <a:ext uri="{FF2B5EF4-FFF2-40B4-BE49-F238E27FC236}">
+                <a16:creationId xmlns:a16="http://schemas.microsoft.com/office/drawing/2014/main" id="{916CE252-CB60-4E72-B3A5-E9C309B9B204}"/>
+              </a:ext>
+            </a:extLst>
+          </p:cNvPr>
+          <p:cNvSpPr/>
+          <p:nvPr/>
+        </p:nvSpPr>
+        <p:spPr>
+          <a:xfrm>
+            <a:off x="152400" y="990600"/>
+            <a:ext cx="8839200" cy="5715000"/>
+          </a:xfrm>
+          <a:prstGeom prst="rect">
+            <a:avLst/>
+          </a:prstGeom>
+        </p:spPr>
+        <p:style>
+          <a:lnRef idx="2">
+            <a:schemeClr val="dk1"/>
+          </a:lnRef>
+          <a:fillRef idx="1">
+            <a:schemeClr val="lt1"/>
+          </a:fillRef>
+          <a:effectRef idx="0">
+            <a:schemeClr val="dk1"/>
+          </a:effectRef>
+          <a:fontRef idx="minor">
+            <a:schemeClr val="dk1"/>
+          </a:fontRef>
+        </p:style>
+        <p:txBody>
+          <a:bodyPr rtlCol="0" anchor="ctr"/>
+          <a:lstStyle/>
+          <a:p>
+            <a:pPr algn="ctr"/>
+            <a:endParaRPr lang="en-US"/>
+          </a:p>
+        </p:txBody>
+      </p:sp>
+      <p:pic>
+        <p:nvPicPr>
+          <p:cNvPr id="6" name="Picture 5">
+            <a:extLst>
+              <a:ext uri="{FF2B5EF4-FFF2-40B4-BE49-F238E27FC236}">
+                <a16:creationId xmlns:a16="http://schemas.microsoft.com/office/drawing/2014/main" id="{6535AB37-1FE0-4EFC-ABEB-3ECA868C0C44}"/>
+              </a:ext>
+            </a:extLst>
+          </p:cNvPr>
+          <p:cNvPicPr>
+            <a:picLocks noChangeAspect="1"/>
+          </p:cNvPicPr>
+          <p:nvPr/>
+        </p:nvPicPr>
+        <p:blipFill>
+          <a:blip r:embed="rId2"/>
+          <a:stretch>
+            <a:fillRect/>
+          </a:stretch>
+        </p:blipFill>
+        <p:spPr>
+          <a:xfrm>
+            <a:off x="457200" y="1161392"/>
+            <a:ext cx="3705225" cy="5373415"/>
+          </a:xfrm>
+          <a:prstGeom prst="rect">
+            <a:avLst/>
+          </a:prstGeom>
+        </p:spPr>
+      </p:pic>
+      <p:sp>
+        <p:nvSpPr>
+          <p:cNvPr id="5" name="Rectangle 4">
+            <a:extLst>
+              <a:ext uri="{FF2B5EF4-FFF2-40B4-BE49-F238E27FC236}">
+                <a16:creationId xmlns:a16="http://schemas.microsoft.com/office/drawing/2014/main" id="{AE39DF48-F6D8-4785-B113-E8E80CA9FC24}"/>
+              </a:ext>
+            </a:extLst>
+          </p:cNvPr>
+          <p:cNvSpPr/>
+          <p:nvPr/>
+        </p:nvSpPr>
+        <p:spPr>
+          <a:xfrm>
+            <a:off x="914400" y="3666836"/>
+            <a:ext cx="2667000" cy="371764"/>
+          </a:xfrm>
+          <a:prstGeom prst="rect">
+            <a:avLst/>
+          </a:prstGeom>
+          <a:noFill/>
+          <a:ln>
+            <a:solidFill>
+              <a:srgbClr val="FF0000"/>
+            </a:solidFill>
+          </a:ln>
+        </p:spPr>
+        <p:style>
+          <a:lnRef idx="2">
+            <a:schemeClr val="accent1">
+              <a:shade val="50000"/>
+            </a:schemeClr>
+          </a:lnRef>
+          <a:fillRef idx="1">
+            <a:schemeClr val="accent1"/>
+          </a:fillRef>
+          <a:effectRef idx="0">
+            <a:schemeClr val="accent1"/>
+          </a:effectRef>
+          <a:fontRef idx="minor">
+            <a:schemeClr val="lt1"/>
+          </a:fontRef>
+        </p:style>
+        <p:txBody>
+          <a:bodyPr rtlCol="0" anchor="ctr"/>
+          <a:lstStyle/>
+          <a:p>
+            <a:pPr algn="ctr"/>
+            <a:endParaRPr lang="en-US"/>
+          </a:p>
+        </p:txBody>
+      </p:sp>
+      <p:sp>
+        <p:nvSpPr>
+          <p:cNvPr id="7" name="Rectangle 6">
+            <a:extLst>
+              <a:ext uri="{FF2B5EF4-FFF2-40B4-BE49-F238E27FC236}">
+                <a16:creationId xmlns:a16="http://schemas.microsoft.com/office/drawing/2014/main" id="{D10F6F5B-F9DF-4804-9435-1B440CC24A17}"/>
+              </a:ext>
+            </a:extLst>
+          </p:cNvPr>
+          <p:cNvSpPr/>
+          <p:nvPr/>
+        </p:nvSpPr>
+        <p:spPr>
+          <a:xfrm>
+            <a:off x="914400" y="4209392"/>
+            <a:ext cx="2667000" cy="371764"/>
+          </a:xfrm>
+          <a:prstGeom prst="rect">
+            <a:avLst/>
+          </a:prstGeom>
+          <a:noFill/>
+          <a:ln>
+            <a:solidFill>
+              <a:srgbClr val="FF0000"/>
+            </a:solidFill>
+          </a:ln>
+        </p:spPr>
+        <p:style>
+          <a:lnRef idx="2">
+            <a:schemeClr val="accent1">
+              <a:shade val="50000"/>
+            </a:schemeClr>
+          </a:lnRef>
+          <a:fillRef idx="1">
+            <a:schemeClr val="accent1"/>
+          </a:fillRef>
+          <a:effectRef idx="0">
+            <a:schemeClr val="accent1"/>
+          </a:effectRef>
+          <a:fontRef idx="minor">
+            <a:schemeClr val="lt1"/>
+          </a:fontRef>
+        </p:style>
+        <p:txBody>
+          <a:bodyPr rtlCol="0" anchor="ctr"/>
+          <a:lstStyle/>
+          <a:p>
+            <a:pPr algn="ctr"/>
+            <a:endParaRPr lang="en-US"/>
+          </a:p>
+        </p:txBody>
+      </p:sp>
+      <p:sp>
+        <p:nvSpPr>
+          <p:cNvPr id="8" name="Rectangle 7">
+            <a:extLst>
+              <a:ext uri="{FF2B5EF4-FFF2-40B4-BE49-F238E27FC236}">
+                <a16:creationId xmlns:a16="http://schemas.microsoft.com/office/drawing/2014/main" id="{BD48009B-C4BB-4682-AAA4-589C64201F9E}"/>
+              </a:ext>
+            </a:extLst>
+          </p:cNvPr>
+          <p:cNvSpPr/>
+          <p:nvPr/>
+        </p:nvSpPr>
+        <p:spPr>
+          <a:xfrm>
+            <a:off x="976312" y="4876800"/>
+            <a:ext cx="2667000" cy="495299"/>
+          </a:xfrm>
+          <a:prstGeom prst="rect">
+            <a:avLst/>
+          </a:prstGeom>
+          <a:noFill/>
+          <a:ln>
+            <a:solidFill>
+              <a:srgbClr val="FF0000"/>
+            </a:solidFill>
+          </a:ln>
+        </p:spPr>
+        <p:style>
+          <a:lnRef idx="2">
+            <a:schemeClr val="accent1">
+              <a:shade val="50000"/>
+            </a:schemeClr>
+          </a:lnRef>
+          <a:fillRef idx="1">
+            <a:schemeClr val="accent1"/>
+          </a:fillRef>
+          <a:effectRef idx="0">
+            <a:schemeClr val="accent1"/>
+          </a:effectRef>
+          <a:fontRef idx="minor">
+            <a:schemeClr val="lt1"/>
+          </a:fontRef>
+        </p:style>
+        <p:txBody>
+          <a:bodyPr rtlCol="0" anchor="ctr"/>
+          <a:lstStyle/>
+          <a:p>
+            <a:pPr algn="ctr"/>
+            <a:endParaRPr lang="en-US"/>
+          </a:p>
+        </p:txBody>
+      </p:sp>
+      <p:sp>
+        <p:nvSpPr>
+          <p:cNvPr id="9" name="Rectangle 8">
+            <a:extLst>
+              <a:ext uri="{FF2B5EF4-FFF2-40B4-BE49-F238E27FC236}">
+                <a16:creationId xmlns:a16="http://schemas.microsoft.com/office/drawing/2014/main" id="{B3F7A649-8419-40DC-A45F-7E3DB9213909}"/>
+              </a:ext>
+            </a:extLst>
+          </p:cNvPr>
+          <p:cNvSpPr/>
+          <p:nvPr/>
+        </p:nvSpPr>
+        <p:spPr>
+          <a:xfrm>
+            <a:off x="1371600" y="6125391"/>
+            <a:ext cx="1790700" cy="332558"/>
+          </a:xfrm>
+          <a:prstGeom prst="rect">
+            <a:avLst/>
+          </a:prstGeom>
+          <a:noFill/>
+          <a:ln>
+            <a:solidFill>
+              <a:srgbClr val="FF0000"/>
+            </a:solidFill>
+          </a:ln>
+        </p:spPr>
+        <p:style>
+          <a:lnRef idx="2">
+            <a:schemeClr val="accent1">
+              <a:shade val="50000"/>
+            </a:schemeClr>
+          </a:lnRef>
+          <a:fillRef idx="1">
+            <a:schemeClr val="accent1"/>
+          </a:fillRef>
+          <a:effectRef idx="0">
+            <a:schemeClr val="accent1"/>
+          </a:effectRef>
+          <a:fontRef idx="minor">
+            <a:schemeClr val="lt1"/>
+          </a:fontRef>
+        </p:style>
+        <p:txBody>
+          <a:bodyPr rtlCol="0" anchor="ctr"/>
+          <a:lstStyle/>
+          <a:p>
+            <a:pPr algn="ctr"/>
+            <a:endParaRPr lang="en-US"/>
+          </a:p>
+        </p:txBody>
+      </p:sp>
+      <p:pic>
+        <p:nvPicPr>
+          <p:cNvPr id="10" name="Picture 9">
+            <a:extLst>
+              <a:ext uri="{FF2B5EF4-FFF2-40B4-BE49-F238E27FC236}">
+                <a16:creationId xmlns:a16="http://schemas.microsoft.com/office/drawing/2014/main" id="{CD31DDEC-6349-4179-A737-10A7644F69AC}"/>
+              </a:ext>
+            </a:extLst>
+          </p:cNvPr>
+          <p:cNvPicPr>
+            <a:picLocks noChangeAspect="1"/>
+          </p:cNvPicPr>
+          <p:nvPr/>
+        </p:nvPicPr>
+        <p:blipFill>
+          <a:blip r:embed="rId3"/>
+          <a:stretch>
+            <a:fillRect/>
+          </a:stretch>
+        </p:blipFill>
+        <p:spPr>
+          <a:xfrm>
+            <a:off x="4305300" y="1184252"/>
+            <a:ext cx="4543425" cy="647700"/>
+          </a:xfrm>
+          <a:prstGeom prst="rect">
+            <a:avLst/>
+          </a:prstGeom>
+        </p:spPr>
+      </p:pic>
+      <p:pic>
+        <p:nvPicPr>
+          <p:cNvPr id="12" name="Picture 11">
+            <a:extLst>
+              <a:ext uri="{FF2B5EF4-FFF2-40B4-BE49-F238E27FC236}">
+                <a16:creationId xmlns:a16="http://schemas.microsoft.com/office/drawing/2014/main" id="{7B326A0A-ADF6-40EB-A962-730B375D5F24}"/>
+              </a:ext>
+            </a:extLst>
+          </p:cNvPr>
+          <p:cNvPicPr>
+            <a:picLocks noChangeAspect="1"/>
+          </p:cNvPicPr>
+          <p:nvPr/>
+        </p:nvPicPr>
+        <p:blipFill>
+          <a:blip r:embed="rId4"/>
+          <a:stretch>
+            <a:fillRect/>
+          </a:stretch>
+        </p:blipFill>
+        <p:spPr>
+          <a:xfrm>
+            <a:off x="4305300" y="2026443"/>
+            <a:ext cx="4191000" cy="638175"/>
+          </a:xfrm>
+          <a:prstGeom prst="rect">
+            <a:avLst/>
+          </a:prstGeom>
+        </p:spPr>
+      </p:pic>
+      <p:pic>
+        <p:nvPicPr>
+          <p:cNvPr id="13" name="Picture 12">
+            <a:extLst>
+              <a:ext uri="{FF2B5EF4-FFF2-40B4-BE49-F238E27FC236}">
+                <a16:creationId xmlns:a16="http://schemas.microsoft.com/office/drawing/2014/main" id="{01CFE31E-DD97-4B11-A24F-FBB38389510E}"/>
+              </a:ext>
+            </a:extLst>
+          </p:cNvPr>
+          <p:cNvPicPr>
+            <a:picLocks noChangeAspect="1"/>
+          </p:cNvPicPr>
+          <p:nvPr/>
+        </p:nvPicPr>
+        <p:blipFill>
+          <a:blip r:embed="rId5"/>
+          <a:stretch>
+            <a:fillRect/>
+          </a:stretch>
+        </p:blipFill>
+        <p:spPr>
+          <a:xfrm>
+            <a:off x="4320540" y="2909468"/>
+            <a:ext cx="4648200" cy="628650"/>
+          </a:xfrm>
+          <a:prstGeom prst="rect">
+            <a:avLst/>
+          </a:prstGeom>
+        </p:spPr>
+      </p:pic>
     </p:spTree>
     <p:extLst>
       <p:ext uri="{BB962C8B-B14F-4D97-AF65-F5344CB8AC3E}">
@@ -4356,6 +6040,599 @@
   <p:clrMapOvr>
     <a:masterClrMapping/>
   </p:clrMapOvr>
+  <p:timing>
+    <p:tnLst>
+      <p:par>
+        <p:cTn id="1" dur="indefinite" restart="never" nodeType="tmRoot">
+          <p:childTnLst>
+            <p:seq concurrent="1" nextAc="seek">
+              <p:cTn id="2" dur="indefinite" nodeType="mainSeq">
+                <p:childTnLst>
+                  <p:par>
+                    <p:cTn id="3" fill="hold">
+                      <p:stCondLst>
+                        <p:cond delay="indefinite"/>
+                      </p:stCondLst>
+                      <p:childTnLst>
+                        <p:par>
+                          <p:cTn id="4" fill="hold">
+                            <p:stCondLst>
+                              <p:cond delay="0"/>
+                            </p:stCondLst>
+                            <p:childTnLst>
+                              <p:par>
+                                <p:cTn id="5" presetID="10" presetClass="entr" presetSubtype="0" fill="hold" grpId="0" nodeType="clickEffect">
+                                  <p:stCondLst>
+                                    <p:cond delay="0"/>
+                                  </p:stCondLst>
+                                  <p:childTnLst>
+                                    <p:set>
+                                      <p:cBhvr>
+                                        <p:cTn id="6" dur="1" fill="hold">
+                                          <p:stCondLst>
+                                            <p:cond delay="0"/>
+                                          </p:stCondLst>
+                                        </p:cTn>
+                                        <p:tgtEl>
+                                          <p:spTgt spid="5"/>
+                                        </p:tgtEl>
+                                        <p:attrNameLst>
+                                          <p:attrName>style.visibility</p:attrName>
+                                        </p:attrNameLst>
+                                      </p:cBhvr>
+                                      <p:to>
+                                        <p:strVal val="visible"/>
+                                      </p:to>
+                                    </p:set>
+                                    <p:animEffect transition="in" filter="fade">
+                                      <p:cBhvr>
+                                        <p:cTn id="7" dur="500"/>
+                                        <p:tgtEl>
+                                          <p:spTgt spid="5"/>
+                                        </p:tgtEl>
+                                      </p:cBhvr>
+                                    </p:animEffect>
+                                  </p:childTnLst>
+                                </p:cTn>
+                              </p:par>
+                              <p:par>
+                                <p:cTn id="8" presetID="10" presetClass="entr" presetSubtype="0" fill="hold" nodeType="withEffect">
+                                  <p:stCondLst>
+                                    <p:cond delay="0"/>
+                                  </p:stCondLst>
+                                  <p:childTnLst>
+                                    <p:set>
+                                      <p:cBhvr>
+                                        <p:cTn id="9" dur="1" fill="hold">
+                                          <p:stCondLst>
+                                            <p:cond delay="0"/>
+                                          </p:stCondLst>
+                                        </p:cTn>
+                                        <p:tgtEl>
+                                          <p:spTgt spid="10"/>
+                                        </p:tgtEl>
+                                        <p:attrNameLst>
+                                          <p:attrName>style.visibility</p:attrName>
+                                        </p:attrNameLst>
+                                      </p:cBhvr>
+                                      <p:to>
+                                        <p:strVal val="visible"/>
+                                      </p:to>
+                                    </p:set>
+                                    <p:animEffect transition="in" filter="fade">
+                                      <p:cBhvr>
+                                        <p:cTn id="10" dur="500"/>
+                                        <p:tgtEl>
+                                          <p:spTgt spid="10"/>
+                                        </p:tgtEl>
+                                      </p:cBhvr>
+                                    </p:animEffect>
+                                  </p:childTnLst>
+                                </p:cTn>
+                              </p:par>
+                            </p:childTnLst>
+                          </p:cTn>
+                        </p:par>
+                      </p:childTnLst>
+                    </p:cTn>
+                  </p:par>
+                  <p:par>
+                    <p:cTn id="11" fill="hold">
+                      <p:stCondLst>
+                        <p:cond delay="indefinite"/>
+                      </p:stCondLst>
+                      <p:childTnLst>
+                        <p:par>
+                          <p:cTn id="12" fill="hold">
+                            <p:stCondLst>
+                              <p:cond delay="0"/>
+                            </p:stCondLst>
+                            <p:childTnLst>
+                              <p:par>
+                                <p:cTn id="13" presetID="10" presetClass="exit" presetSubtype="0" fill="hold" grpId="1" nodeType="clickEffect">
+                                  <p:stCondLst>
+                                    <p:cond delay="0"/>
+                                  </p:stCondLst>
+                                  <p:childTnLst>
+                                    <p:animEffect transition="out" filter="fade">
+                                      <p:cBhvr>
+                                        <p:cTn id="14" dur="500"/>
+                                        <p:tgtEl>
+                                          <p:spTgt spid="5"/>
+                                        </p:tgtEl>
+                                      </p:cBhvr>
+                                    </p:animEffect>
+                                    <p:set>
+                                      <p:cBhvr>
+                                        <p:cTn id="15" dur="1" fill="hold">
+                                          <p:stCondLst>
+                                            <p:cond delay="499"/>
+                                          </p:stCondLst>
+                                        </p:cTn>
+                                        <p:tgtEl>
+                                          <p:spTgt spid="5"/>
+                                        </p:tgtEl>
+                                        <p:attrNameLst>
+                                          <p:attrName>style.visibility</p:attrName>
+                                        </p:attrNameLst>
+                                      </p:cBhvr>
+                                      <p:to>
+                                        <p:strVal val="hidden"/>
+                                      </p:to>
+                                    </p:set>
+                                  </p:childTnLst>
+                                </p:cTn>
+                              </p:par>
+                              <p:par>
+                                <p:cTn id="16" presetID="10" presetClass="exit" presetSubtype="0" fill="hold" nodeType="withEffect">
+                                  <p:stCondLst>
+                                    <p:cond delay="0"/>
+                                  </p:stCondLst>
+                                  <p:childTnLst>
+                                    <p:animEffect transition="out" filter="fade">
+                                      <p:cBhvr>
+                                        <p:cTn id="17" dur="500"/>
+                                        <p:tgtEl>
+                                          <p:spTgt spid="10"/>
+                                        </p:tgtEl>
+                                      </p:cBhvr>
+                                    </p:animEffect>
+                                    <p:set>
+                                      <p:cBhvr>
+                                        <p:cTn id="18" dur="1" fill="hold">
+                                          <p:stCondLst>
+                                            <p:cond delay="499"/>
+                                          </p:stCondLst>
+                                        </p:cTn>
+                                        <p:tgtEl>
+                                          <p:spTgt spid="10"/>
+                                        </p:tgtEl>
+                                        <p:attrNameLst>
+                                          <p:attrName>style.visibility</p:attrName>
+                                        </p:attrNameLst>
+                                      </p:cBhvr>
+                                      <p:to>
+                                        <p:strVal val="hidden"/>
+                                      </p:to>
+                                    </p:set>
+                                  </p:childTnLst>
+                                </p:cTn>
+                              </p:par>
+                            </p:childTnLst>
+                          </p:cTn>
+                        </p:par>
+                        <p:par>
+                          <p:cTn id="19" fill="hold">
+                            <p:stCondLst>
+                              <p:cond delay="500"/>
+                            </p:stCondLst>
+                            <p:childTnLst>
+                              <p:par>
+                                <p:cTn id="20" presetID="10" presetClass="entr" presetSubtype="0" fill="hold" grpId="0" nodeType="afterEffect">
+                                  <p:stCondLst>
+                                    <p:cond delay="0"/>
+                                  </p:stCondLst>
+                                  <p:childTnLst>
+                                    <p:set>
+                                      <p:cBhvr>
+                                        <p:cTn id="21" dur="1" fill="hold">
+                                          <p:stCondLst>
+                                            <p:cond delay="0"/>
+                                          </p:stCondLst>
+                                        </p:cTn>
+                                        <p:tgtEl>
+                                          <p:spTgt spid="7"/>
+                                        </p:tgtEl>
+                                        <p:attrNameLst>
+                                          <p:attrName>style.visibility</p:attrName>
+                                        </p:attrNameLst>
+                                      </p:cBhvr>
+                                      <p:to>
+                                        <p:strVal val="visible"/>
+                                      </p:to>
+                                    </p:set>
+                                    <p:animEffect transition="in" filter="fade">
+                                      <p:cBhvr>
+                                        <p:cTn id="22" dur="500"/>
+                                        <p:tgtEl>
+                                          <p:spTgt spid="7"/>
+                                        </p:tgtEl>
+                                      </p:cBhvr>
+                                    </p:animEffect>
+                                  </p:childTnLst>
+                                </p:cTn>
+                              </p:par>
+                              <p:par>
+                                <p:cTn id="23" presetID="10" presetClass="entr" presetSubtype="0" fill="hold" nodeType="withEffect">
+                                  <p:stCondLst>
+                                    <p:cond delay="0"/>
+                                  </p:stCondLst>
+                                  <p:childTnLst>
+                                    <p:set>
+                                      <p:cBhvr>
+                                        <p:cTn id="24" dur="1" fill="hold">
+                                          <p:stCondLst>
+                                            <p:cond delay="0"/>
+                                          </p:stCondLst>
+                                        </p:cTn>
+                                        <p:tgtEl>
+                                          <p:spTgt spid="12"/>
+                                        </p:tgtEl>
+                                        <p:attrNameLst>
+                                          <p:attrName>style.visibility</p:attrName>
+                                        </p:attrNameLst>
+                                      </p:cBhvr>
+                                      <p:to>
+                                        <p:strVal val="visible"/>
+                                      </p:to>
+                                    </p:set>
+                                    <p:animEffect transition="in" filter="fade">
+                                      <p:cBhvr>
+                                        <p:cTn id="25" dur="500"/>
+                                        <p:tgtEl>
+                                          <p:spTgt spid="12"/>
+                                        </p:tgtEl>
+                                      </p:cBhvr>
+                                    </p:animEffect>
+                                  </p:childTnLst>
+                                </p:cTn>
+                              </p:par>
+                            </p:childTnLst>
+                          </p:cTn>
+                        </p:par>
+                      </p:childTnLst>
+                    </p:cTn>
+                  </p:par>
+                  <p:par>
+                    <p:cTn id="26" fill="hold">
+                      <p:stCondLst>
+                        <p:cond delay="indefinite"/>
+                      </p:stCondLst>
+                      <p:childTnLst>
+                        <p:par>
+                          <p:cTn id="27" fill="hold">
+                            <p:stCondLst>
+                              <p:cond delay="0"/>
+                            </p:stCondLst>
+                            <p:childTnLst>
+                              <p:par>
+                                <p:cTn id="28" presetID="10" presetClass="exit" presetSubtype="0" fill="hold" grpId="1" nodeType="clickEffect">
+                                  <p:stCondLst>
+                                    <p:cond delay="0"/>
+                                  </p:stCondLst>
+                                  <p:childTnLst>
+                                    <p:animEffect transition="out" filter="fade">
+                                      <p:cBhvr>
+                                        <p:cTn id="29" dur="500"/>
+                                        <p:tgtEl>
+                                          <p:spTgt spid="7"/>
+                                        </p:tgtEl>
+                                      </p:cBhvr>
+                                    </p:animEffect>
+                                    <p:set>
+                                      <p:cBhvr>
+                                        <p:cTn id="30" dur="1" fill="hold">
+                                          <p:stCondLst>
+                                            <p:cond delay="499"/>
+                                          </p:stCondLst>
+                                        </p:cTn>
+                                        <p:tgtEl>
+                                          <p:spTgt spid="7"/>
+                                        </p:tgtEl>
+                                        <p:attrNameLst>
+                                          <p:attrName>style.visibility</p:attrName>
+                                        </p:attrNameLst>
+                                      </p:cBhvr>
+                                      <p:to>
+                                        <p:strVal val="hidden"/>
+                                      </p:to>
+                                    </p:set>
+                                  </p:childTnLst>
+                                </p:cTn>
+                              </p:par>
+                              <p:par>
+                                <p:cTn id="31" presetID="10" presetClass="exit" presetSubtype="0" fill="hold" nodeType="withEffect">
+                                  <p:stCondLst>
+                                    <p:cond delay="0"/>
+                                  </p:stCondLst>
+                                  <p:childTnLst>
+                                    <p:animEffect transition="out" filter="fade">
+                                      <p:cBhvr>
+                                        <p:cTn id="32" dur="500"/>
+                                        <p:tgtEl>
+                                          <p:spTgt spid="12"/>
+                                        </p:tgtEl>
+                                      </p:cBhvr>
+                                    </p:animEffect>
+                                    <p:set>
+                                      <p:cBhvr>
+                                        <p:cTn id="33" dur="1" fill="hold">
+                                          <p:stCondLst>
+                                            <p:cond delay="499"/>
+                                          </p:stCondLst>
+                                        </p:cTn>
+                                        <p:tgtEl>
+                                          <p:spTgt spid="12"/>
+                                        </p:tgtEl>
+                                        <p:attrNameLst>
+                                          <p:attrName>style.visibility</p:attrName>
+                                        </p:attrNameLst>
+                                      </p:cBhvr>
+                                      <p:to>
+                                        <p:strVal val="hidden"/>
+                                      </p:to>
+                                    </p:set>
+                                  </p:childTnLst>
+                                </p:cTn>
+                              </p:par>
+                            </p:childTnLst>
+                          </p:cTn>
+                        </p:par>
+                        <p:par>
+                          <p:cTn id="34" fill="hold">
+                            <p:stCondLst>
+                              <p:cond delay="500"/>
+                            </p:stCondLst>
+                            <p:childTnLst>
+                              <p:par>
+                                <p:cTn id="35" presetID="10" presetClass="entr" presetSubtype="0" fill="hold" nodeType="afterEffect">
+                                  <p:stCondLst>
+                                    <p:cond delay="0"/>
+                                  </p:stCondLst>
+                                  <p:childTnLst>
+                                    <p:set>
+                                      <p:cBhvr>
+                                        <p:cTn id="36" dur="1" fill="hold">
+                                          <p:stCondLst>
+                                            <p:cond delay="0"/>
+                                          </p:stCondLst>
+                                        </p:cTn>
+                                        <p:tgtEl>
+                                          <p:spTgt spid="13"/>
+                                        </p:tgtEl>
+                                        <p:attrNameLst>
+                                          <p:attrName>style.visibility</p:attrName>
+                                        </p:attrNameLst>
+                                      </p:cBhvr>
+                                      <p:to>
+                                        <p:strVal val="visible"/>
+                                      </p:to>
+                                    </p:set>
+                                    <p:animEffect transition="in" filter="fade">
+                                      <p:cBhvr>
+                                        <p:cTn id="37" dur="500"/>
+                                        <p:tgtEl>
+                                          <p:spTgt spid="13"/>
+                                        </p:tgtEl>
+                                      </p:cBhvr>
+                                    </p:animEffect>
+                                  </p:childTnLst>
+                                </p:cTn>
+                              </p:par>
+                              <p:par>
+                                <p:cTn id="38" presetID="10" presetClass="entr" presetSubtype="0" fill="hold" grpId="0" nodeType="withEffect">
+                                  <p:stCondLst>
+                                    <p:cond delay="0"/>
+                                  </p:stCondLst>
+                                  <p:childTnLst>
+                                    <p:set>
+                                      <p:cBhvr>
+                                        <p:cTn id="39" dur="1" fill="hold">
+                                          <p:stCondLst>
+                                            <p:cond delay="0"/>
+                                          </p:stCondLst>
+                                        </p:cTn>
+                                        <p:tgtEl>
+                                          <p:spTgt spid="8"/>
+                                        </p:tgtEl>
+                                        <p:attrNameLst>
+                                          <p:attrName>style.visibility</p:attrName>
+                                        </p:attrNameLst>
+                                      </p:cBhvr>
+                                      <p:to>
+                                        <p:strVal val="visible"/>
+                                      </p:to>
+                                    </p:set>
+                                    <p:animEffect transition="in" filter="fade">
+                                      <p:cBhvr>
+                                        <p:cTn id="40" dur="500"/>
+                                        <p:tgtEl>
+                                          <p:spTgt spid="8"/>
+                                        </p:tgtEl>
+                                      </p:cBhvr>
+                                    </p:animEffect>
+                                  </p:childTnLst>
+                                </p:cTn>
+                              </p:par>
+                            </p:childTnLst>
+                          </p:cTn>
+                        </p:par>
+                      </p:childTnLst>
+                    </p:cTn>
+                  </p:par>
+                  <p:par>
+                    <p:cTn id="41" fill="hold">
+                      <p:stCondLst>
+                        <p:cond delay="indefinite"/>
+                      </p:stCondLst>
+                      <p:childTnLst>
+                        <p:par>
+                          <p:cTn id="42" fill="hold">
+                            <p:stCondLst>
+                              <p:cond delay="0"/>
+                            </p:stCondLst>
+                            <p:childTnLst>
+                              <p:par>
+                                <p:cTn id="43" presetID="10" presetClass="exit" presetSubtype="0" fill="hold" nodeType="clickEffect">
+                                  <p:stCondLst>
+                                    <p:cond delay="0"/>
+                                  </p:stCondLst>
+                                  <p:childTnLst>
+                                    <p:animEffect transition="out" filter="fade">
+                                      <p:cBhvr>
+                                        <p:cTn id="44" dur="500"/>
+                                        <p:tgtEl>
+                                          <p:spTgt spid="13"/>
+                                        </p:tgtEl>
+                                      </p:cBhvr>
+                                    </p:animEffect>
+                                    <p:set>
+                                      <p:cBhvr>
+                                        <p:cTn id="45" dur="1" fill="hold">
+                                          <p:stCondLst>
+                                            <p:cond delay="499"/>
+                                          </p:stCondLst>
+                                        </p:cTn>
+                                        <p:tgtEl>
+                                          <p:spTgt spid="13"/>
+                                        </p:tgtEl>
+                                        <p:attrNameLst>
+                                          <p:attrName>style.visibility</p:attrName>
+                                        </p:attrNameLst>
+                                      </p:cBhvr>
+                                      <p:to>
+                                        <p:strVal val="hidden"/>
+                                      </p:to>
+                                    </p:set>
+                                  </p:childTnLst>
+                                </p:cTn>
+                              </p:par>
+                              <p:par>
+                                <p:cTn id="46" presetID="10" presetClass="exit" presetSubtype="0" fill="hold" grpId="1" nodeType="withEffect">
+                                  <p:stCondLst>
+                                    <p:cond delay="0"/>
+                                  </p:stCondLst>
+                                  <p:childTnLst>
+                                    <p:animEffect transition="out" filter="fade">
+                                      <p:cBhvr>
+                                        <p:cTn id="47" dur="500"/>
+                                        <p:tgtEl>
+                                          <p:spTgt spid="8"/>
+                                        </p:tgtEl>
+                                      </p:cBhvr>
+                                    </p:animEffect>
+                                    <p:set>
+                                      <p:cBhvr>
+                                        <p:cTn id="48" dur="1" fill="hold">
+                                          <p:stCondLst>
+                                            <p:cond delay="499"/>
+                                          </p:stCondLst>
+                                        </p:cTn>
+                                        <p:tgtEl>
+                                          <p:spTgt spid="8"/>
+                                        </p:tgtEl>
+                                        <p:attrNameLst>
+                                          <p:attrName>style.visibility</p:attrName>
+                                        </p:attrNameLst>
+                                      </p:cBhvr>
+                                      <p:to>
+                                        <p:strVal val="hidden"/>
+                                      </p:to>
+                                    </p:set>
+                                  </p:childTnLst>
+                                </p:cTn>
+                              </p:par>
+                            </p:childTnLst>
+                          </p:cTn>
+                        </p:par>
+                        <p:par>
+                          <p:cTn id="49" fill="hold">
+                            <p:stCondLst>
+                              <p:cond delay="500"/>
+                            </p:stCondLst>
+                            <p:childTnLst>
+                              <p:par>
+                                <p:cTn id="50" presetID="10" presetClass="entr" presetSubtype="0" fill="hold" grpId="0" nodeType="afterEffect">
+                                  <p:stCondLst>
+                                    <p:cond delay="0"/>
+                                  </p:stCondLst>
+                                  <p:childTnLst>
+                                    <p:set>
+                                      <p:cBhvr>
+                                        <p:cTn id="51" dur="1" fill="hold">
+                                          <p:stCondLst>
+                                            <p:cond delay="0"/>
+                                          </p:stCondLst>
+                                        </p:cTn>
+                                        <p:tgtEl>
+                                          <p:spTgt spid="9"/>
+                                        </p:tgtEl>
+                                        <p:attrNameLst>
+                                          <p:attrName>style.visibility</p:attrName>
+                                        </p:attrNameLst>
+                                      </p:cBhvr>
+                                      <p:to>
+                                        <p:strVal val="visible"/>
+                                      </p:to>
+                                    </p:set>
+                                    <p:animEffect transition="in" filter="fade">
+                                      <p:cBhvr>
+                                        <p:cTn id="52" dur="500"/>
+                                        <p:tgtEl>
+                                          <p:spTgt spid="9"/>
+                                        </p:tgtEl>
+                                      </p:cBhvr>
+                                    </p:animEffect>
+                                  </p:childTnLst>
+                                </p:cTn>
+                              </p:par>
+                            </p:childTnLst>
+                          </p:cTn>
+                        </p:par>
+                      </p:childTnLst>
+                    </p:cTn>
+                  </p:par>
+                </p:childTnLst>
+              </p:cTn>
+              <p:prevCondLst>
+                <p:cond evt="onPrev" delay="0">
+                  <p:tgtEl>
+                    <p:sldTgt/>
+                  </p:tgtEl>
+                </p:cond>
+              </p:prevCondLst>
+              <p:nextCondLst>
+                <p:cond evt="onNext" delay="0">
+                  <p:tgtEl>
+                    <p:sldTgt/>
+                  </p:tgtEl>
+                </p:cond>
+              </p:nextCondLst>
+            </p:seq>
+          </p:childTnLst>
+        </p:cTn>
+      </p:par>
+    </p:tnLst>
+    <p:bldLst>
+      <p:bldP spid="5" grpId="0" animBg="1"/>
+      <p:bldP spid="5" grpId="1" animBg="1"/>
+      <p:bldP spid="7" grpId="0" animBg="1"/>
+      <p:bldP spid="7" grpId="1" animBg="1"/>
+      <p:bldP spid="8" grpId="0" animBg="1"/>
+      <p:bldP spid="8" grpId="1" animBg="1"/>
+      <p:bldP spid="9" grpId="0" animBg="1"/>
+    </p:bldLst>
+  </p:timing>
 </p:sld>
 </file>
 
@@ -4445,16 +6722,673 @@
           </a:p>
         </p:txBody>
       </p:sp>
+      <p:pic>
+        <p:nvPicPr>
+          <p:cNvPr id="3" name="Picture 2">
+            <a:extLst>
+              <a:ext uri="{FF2B5EF4-FFF2-40B4-BE49-F238E27FC236}">
+                <a16:creationId xmlns:a16="http://schemas.microsoft.com/office/drawing/2014/main" id="{1B20E0B0-2F1C-4A45-84A2-C9EF191380B6}"/>
+              </a:ext>
+            </a:extLst>
+          </p:cNvPr>
+          <p:cNvPicPr>
+            <a:picLocks noChangeAspect="1"/>
+          </p:cNvPicPr>
+          <p:nvPr/>
+        </p:nvPicPr>
+        <p:blipFill>
+          <a:blip r:embed="rId2"/>
+          <a:stretch>
+            <a:fillRect/>
+          </a:stretch>
+        </p:blipFill>
+        <p:spPr>
+          <a:xfrm>
+            <a:off x="990600" y="2514600"/>
+            <a:ext cx="7342322" cy="2286000"/>
+          </a:xfrm>
+          <a:prstGeom prst="rect">
+            <a:avLst/>
+          </a:prstGeom>
+        </p:spPr>
+      </p:pic>
+      <p:pic>
+        <p:nvPicPr>
+          <p:cNvPr id="5" name="Picture 4">
+            <a:extLst>
+              <a:ext uri="{FF2B5EF4-FFF2-40B4-BE49-F238E27FC236}">
+                <a16:creationId xmlns:a16="http://schemas.microsoft.com/office/drawing/2014/main" id="{970AC8E6-145D-4782-BAE9-53A182E29408}"/>
+              </a:ext>
+            </a:extLst>
+          </p:cNvPr>
+          <p:cNvPicPr>
+            <a:picLocks noChangeAspect="1"/>
+          </p:cNvPicPr>
+          <p:nvPr/>
+        </p:nvPicPr>
+        <p:blipFill>
+          <a:blip r:embed="rId3"/>
+          <a:stretch>
+            <a:fillRect/>
+          </a:stretch>
+        </p:blipFill>
+        <p:spPr>
+          <a:xfrm>
+            <a:off x="911414" y="1295400"/>
+            <a:ext cx="7421508" cy="5105400"/>
+          </a:xfrm>
+          <a:prstGeom prst="rect">
+            <a:avLst/>
+          </a:prstGeom>
+        </p:spPr>
+      </p:pic>
+      <p:pic>
+        <p:nvPicPr>
+          <p:cNvPr id="6" name="Picture 5">
+            <a:extLst>
+              <a:ext uri="{FF2B5EF4-FFF2-40B4-BE49-F238E27FC236}">
+                <a16:creationId xmlns:a16="http://schemas.microsoft.com/office/drawing/2014/main" id="{58FF7FC4-B5EC-40E8-8056-6116C85C8FFD}"/>
+              </a:ext>
+            </a:extLst>
+          </p:cNvPr>
+          <p:cNvPicPr>
+            <a:picLocks noChangeAspect="1"/>
+          </p:cNvPicPr>
+          <p:nvPr/>
+        </p:nvPicPr>
+        <p:blipFill>
+          <a:blip r:embed="rId4"/>
+          <a:stretch>
+            <a:fillRect/>
+          </a:stretch>
+        </p:blipFill>
+        <p:spPr>
+          <a:xfrm>
+            <a:off x="962025" y="2590800"/>
+            <a:ext cx="7302062" cy="2133600"/>
+          </a:xfrm>
+          <a:prstGeom prst="rect">
+            <a:avLst/>
+          </a:prstGeom>
+        </p:spPr>
+      </p:pic>
+      <p:pic>
+        <p:nvPicPr>
+          <p:cNvPr id="7" name="Picture 6">
+            <a:extLst>
+              <a:ext uri="{FF2B5EF4-FFF2-40B4-BE49-F238E27FC236}">
+                <a16:creationId xmlns:a16="http://schemas.microsoft.com/office/drawing/2014/main" id="{040DBF49-677E-4FF2-A17F-98A372871547}"/>
+              </a:ext>
+            </a:extLst>
+          </p:cNvPr>
+          <p:cNvPicPr>
+            <a:picLocks noChangeAspect="1"/>
+          </p:cNvPicPr>
+          <p:nvPr/>
+        </p:nvPicPr>
+        <p:blipFill>
+          <a:blip r:embed="rId5"/>
+          <a:stretch>
+            <a:fillRect/>
+          </a:stretch>
+        </p:blipFill>
+        <p:spPr>
+          <a:xfrm>
+            <a:off x="1676400" y="1276350"/>
+            <a:ext cx="6019800" cy="5356078"/>
+          </a:xfrm>
+          <a:prstGeom prst="rect">
+            <a:avLst/>
+          </a:prstGeom>
+        </p:spPr>
+      </p:pic>
+      <p:pic>
+        <p:nvPicPr>
+          <p:cNvPr id="8" name="Picture 7">
+            <a:extLst>
+              <a:ext uri="{FF2B5EF4-FFF2-40B4-BE49-F238E27FC236}">
+                <a16:creationId xmlns:a16="http://schemas.microsoft.com/office/drawing/2014/main" id="{7376E939-09F4-44D1-AB8B-AC87684D3573}"/>
+              </a:ext>
+            </a:extLst>
+          </p:cNvPr>
+          <p:cNvPicPr>
+            <a:picLocks noChangeAspect="1"/>
+          </p:cNvPicPr>
+          <p:nvPr/>
+        </p:nvPicPr>
+        <p:blipFill>
+          <a:blip r:embed="rId6"/>
+          <a:stretch>
+            <a:fillRect/>
+          </a:stretch>
+        </p:blipFill>
+        <p:spPr>
+          <a:xfrm>
+            <a:off x="1885950" y="1268296"/>
+            <a:ext cx="5610225" cy="5328974"/>
+          </a:xfrm>
+          <a:prstGeom prst="rect">
+            <a:avLst/>
+          </a:prstGeom>
+        </p:spPr>
+      </p:pic>
     </p:spTree>
     <p:extLst>
       <p:ext uri="{BB962C8B-B14F-4D97-AF65-F5344CB8AC3E}">
-        <p14:creationId xmlns:p14="http://schemas.microsoft.com/office/powerpoint/2010/main" val="3200100021"/>
+        <p14:creationId xmlns:p14="http://schemas.microsoft.com/office/powerpoint/2010/main" val="2292523653"/>
       </p:ext>
     </p:extLst>
   </p:cSld>
   <p:clrMapOvr>
     <a:masterClrMapping/>
   </p:clrMapOvr>
+  <p:timing>
+    <p:tnLst>
+      <p:par>
+        <p:cTn id="1" dur="indefinite" restart="never" nodeType="tmRoot">
+          <p:childTnLst>
+            <p:seq concurrent="1" nextAc="seek">
+              <p:cTn id="2" dur="indefinite" nodeType="mainSeq">
+                <p:childTnLst>
+                  <p:par>
+                    <p:cTn id="3" fill="hold">
+                      <p:stCondLst>
+                        <p:cond delay="indefinite"/>
+                      </p:stCondLst>
+                      <p:childTnLst>
+                        <p:par>
+                          <p:cTn id="4" fill="hold">
+                            <p:stCondLst>
+                              <p:cond delay="0"/>
+                            </p:stCondLst>
+                            <p:childTnLst>
+                              <p:par>
+                                <p:cTn id="5" presetID="10" presetClass="exit" presetSubtype="0" fill="hold" nodeType="clickEffect">
+                                  <p:stCondLst>
+                                    <p:cond delay="0"/>
+                                  </p:stCondLst>
+                                  <p:childTnLst>
+                                    <p:animEffect transition="out" filter="fade">
+                                      <p:cBhvr>
+                                        <p:cTn id="6" dur="500"/>
+                                        <p:tgtEl>
+                                          <p:spTgt spid="3"/>
+                                        </p:tgtEl>
+                                      </p:cBhvr>
+                                    </p:animEffect>
+                                    <p:set>
+                                      <p:cBhvr>
+                                        <p:cTn id="7" dur="1" fill="hold">
+                                          <p:stCondLst>
+                                            <p:cond delay="499"/>
+                                          </p:stCondLst>
+                                        </p:cTn>
+                                        <p:tgtEl>
+                                          <p:spTgt spid="3"/>
+                                        </p:tgtEl>
+                                        <p:attrNameLst>
+                                          <p:attrName>style.visibility</p:attrName>
+                                        </p:attrNameLst>
+                                      </p:cBhvr>
+                                      <p:to>
+                                        <p:strVal val="hidden"/>
+                                      </p:to>
+                                    </p:set>
+                                  </p:childTnLst>
+                                </p:cTn>
+                              </p:par>
+                            </p:childTnLst>
+                          </p:cTn>
+                        </p:par>
+                      </p:childTnLst>
+                    </p:cTn>
+                  </p:par>
+                  <p:par>
+                    <p:cTn id="8" fill="hold">
+                      <p:stCondLst>
+                        <p:cond delay="indefinite"/>
+                      </p:stCondLst>
+                      <p:childTnLst>
+                        <p:par>
+                          <p:cTn id="9" fill="hold">
+                            <p:stCondLst>
+                              <p:cond delay="0"/>
+                            </p:stCondLst>
+                            <p:childTnLst>
+                              <p:par>
+                                <p:cTn id="10" presetID="10" presetClass="entr" presetSubtype="0" fill="hold" nodeType="clickEffect">
+                                  <p:stCondLst>
+                                    <p:cond delay="0"/>
+                                  </p:stCondLst>
+                                  <p:childTnLst>
+                                    <p:set>
+                                      <p:cBhvr>
+                                        <p:cTn id="11" dur="1" fill="hold">
+                                          <p:stCondLst>
+                                            <p:cond delay="0"/>
+                                          </p:stCondLst>
+                                        </p:cTn>
+                                        <p:tgtEl>
+                                          <p:spTgt spid="5"/>
+                                        </p:tgtEl>
+                                        <p:attrNameLst>
+                                          <p:attrName>style.visibility</p:attrName>
+                                        </p:attrNameLst>
+                                      </p:cBhvr>
+                                      <p:to>
+                                        <p:strVal val="visible"/>
+                                      </p:to>
+                                    </p:set>
+                                    <p:animEffect transition="in" filter="fade">
+                                      <p:cBhvr>
+                                        <p:cTn id="12" dur="500"/>
+                                        <p:tgtEl>
+                                          <p:spTgt spid="5"/>
+                                        </p:tgtEl>
+                                      </p:cBhvr>
+                                    </p:animEffect>
+                                  </p:childTnLst>
+                                </p:cTn>
+                              </p:par>
+                            </p:childTnLst>
+                          </p:cTn>
+                        </p:par>
+                      </p:childTnLst>
+                    </p:cTn>
+                  </p:par>
+                  <p:par>
+                    <p:cTn id="13" fill="hold">
+                      <p:stCondLst>
+                        <p:cond delay="indefinite"/>
+                      </p:stCondLst>
+                      <p:childTnLst>
+                        <p:par>
+                          <p:cTn id="14" fill="hold">
+                            <p:stCondLst>
+                              <p:cond delay="0"/>
+                            </p:stCondLst>
+                            <p:childTnLst>
+                              <p:par>
+                                <p:cTn id="15" presetID="10" presetClass="exit" presetSubtype="0" fill="hold" nodeType="clickEffect">
+                                  <p:stCondLst>
+                                    <p:cond delay="0"/>
+                                  </p:stCondLst>
+                                  <p:childTnLst>
+                                    <p:animEffect transition="out" filter="fade">
+                                      <p:cBhvr>
+                                        <p:cTn id="16" dur="500"/>
+                                        <p:tgtEl>
+                                          <p:spTgt spid="5"/>
+                                        </p:tgtEl>
+                                      </p:cBhvr>
+                                    </p:animEffect>
+                                    <p:set>
+                                      <p:cBhvr>
+                                        <p:cTn id="17" dur="1" fill="hold">
+                                          <p:stCondLst>
+                                            <p:cond delay="499"/>
+                                          </p:stCondLst>
+                                        </p:cTn>
+                                        <p:tgtEl>
+                                          <p:spTgt spid="5"/>
+                                        </p:tgtEl>
+                                        <p:attrNameLst>
+                                          <p:attrName>style.visibility</p:attrName>
+                                        </p:attrNameLst>
+                                      </p:cBhvr>
+                                      <p:to>
+                                        <p:strVal val="hidden"/>
+                                      </p:to>
+                                    </p:set>
+                                  </p:childTnLst>
+                                </p:cTn>
+                              </p:par>
+                            </p:childTnLst>
+                          </p:cTn>
+                        </p:par>
+                      </p:childTnLst>
+                    </p:cTn>
+                  </p:par>
+                  <p:par>
+                    <p:cTn id="18" fill="hold">
+                      <p:stCondLst>
+                        <p:cond delay="indefinite"/>
+                      </p:stCondLst>
+                      <p:childTnLst>
+                        <p:par>
+                          <p:cTn id="19" fill="hold">
+                            <p:stCondLst>
+                              <p:cond delay="0"/>
+                            </p:stCondLst>
+                            <p:childTnLst>
+                              <p:par>
+                                <p:cTn id="20" presetID="10" presetClass="entr" presetSubtype="0" fill="hold" nodeType="clickEffect">
+                                  <p:stCondLst>
+                                    <p:cond delay="0"/>
+                                  </p:stCondLst>
+                                  <p:childTnLst>
+                                    <p:set>
+                                      <p:cBhvr>
+                                        <p:cTn id="21" dur="1" fill="hold">
+                                          <p:stCondLst>
+                                            <p:cond delay="0"/>
+                                          </p:stCondLst>
+                                        </p:cTn>
+                                        <p:tgtEl>
+                                          <p:spTgt spid="6"/>
+                                        </p:tgtEl>
+                                        <p:attrNameLst>
+                                          <p:attrName>style.visibility</p:attrName>
+                                        </p:attrNameLst>
+                                      </p:cBhvr>
+                                      <p:to>
+                                        <p:strVal val="visible"/>
+                                      </p:to>
+                                    </p:set>
+                                    <p:animEffect transition="in" filter="fade">
+                                      <p:cBhvr>
+                                        <p:cTn id="22" dur="500"/>
+                                        <p:tgtEl>
+                                          <p:spTgt spid="6"/>
+                                        </p:tgtEl>
+                                      </p:cBhvr>
+                                    </p:animEffect>
+                                  </p:childTnLst>
+                                </p:cTn>
+                              </p:par>
+                            </p:childTnLst>
+                          </p:cTn>
+                        </p:par>
+                      </p:childTnLst>
+                    </p:cTn>
+                  </p:par>
+                  <p:par>
+                    <p:cTn id="23" fill="hold">
+                      <p:stCondLst>
+                        <p:cond delay="indefinite"/>
+                      </p:stCondLst>
+                      <p:childTnLst>
+                        <p:par>
+                          <p:cTn id="24" fill="hold">
+                            <p:stCondLst>
+                              <p:cond delay="0"/>
+                            </p:stCondLst>
+                            <p:childTnLst>
+                              <p:par>
+                                <p:cTn id="25" presetID="10" presetClass="exit" presetSubtype="0" fill="hold" nodeType="clickEffect">
+                                  <p:stCondLst>
+                                    <p:cond delay="0"/>
+                                  </p:stCondLst>
+                                  <p:childTnLst>
+                                    <p:animEffect transition="out" filter="fade">
+                                      <p:cBhvr>
+                                        <p:cTn id="26" dur="500"/>
+                                        <p:tgtEl>
+                                          <p:spTgt spid="6"/>
+                                        </p:tgtEl>
+                                      </p:cBhvr>
+                                    </p:animEffect>
+                                    <p:set>
+                                      <p:cBhvr>
+                                        <p:cTn id="27" dur="1" fill="hold">
+                                          <p:stCondLst>
+                                            <p:cond delay="499"/>
+                                          </p:stCondLst>
+                                        </p:cTn>
+                                        <p:tgtEl>
+                                          <p:spTgt spid="6"/>
+                                        </p:tgtEl>
+                                        <p:attrNameLst>
+                                          <p:attrName>style.visibility</p:attrName>
+                                        </p:attrNameLst>
+                                      </p:cBhvr>
+                                      <p:to>
+                                        <p:strVal val="hidden"/>
+                                      </p:to>
+                                    </p:set>
+                                  </p:childTnLst>
+                                </p:cTn>
+                              </p:par>
+                            </p:childTnLst>
+                          </p:cTn>
+                        </p:par>
+                      </p:childTnLst>
+                    </p:cTn>
+                  </p:par>
+                  <p:par>
+                    <p:cTn id="28" fill="hold">
+                      <p:stCondLst>
+                        <p:cond delay="indefinite"/>
+                      </p:stCondLst>
+                      <p:childTnLst>
+                        <p:par>
+                          <p:cTn id="29" fill="hold">
+                            <p:stCondLst>
+                              <p:cond delay="0"/>
+                            </p:stCondLst>
+                            <p:childTnLst>
+                              <p:par>
+                                <p:cTn id="30" presetID="10" presetClass="entr" presetSubtype="0" fill="hold" nodeType="clickEffect">
+                                  <p:stCondLst>
+                                    <p:cond delay="0"/>
+                                  </p:stCondLst>
+                                  <p:childTnLst>
+                                    <p:set>
+                                      <p:cBhvr>
+                                        <p:cTn id="31" dur="1" fill="hold">
+                                          <p:stCondLst>
+                                            <p:cond delay="0"/>
+                                          </p:stCondLst>
+                                        </p:cTn>
+                                        <p:tgtEl>
+                                          <p:spTgt spid="7"/>
+                                        </p:tgtEl>
+                                        <p:attrNameLst>
+                                          <p:attrName>style.visibility</p:attrName>
+                                        </p:attrNameLst>
+                                      </p:cBhvr>
+                                      <p:to>
+                                        <p:strVal val="visible"/>
+                                      </p:to>
+                                    </p:set>
+                                    <p:animEffect transition="in" filter="fade">
+                                      <p:cBhvr>
+                                        <p:cTn id="32" dur="500"/>
+                                        <p:tgtEl>
+                                          <p:spTgt spid="7"/>
+                                        </p:tgtEl>
+                                      </p:cBhvr>
+                                    </p:animEffect>
+                                  </p:childTnLst>
+                                </p:cTn>
+                              </p:par>
+                            </p:childTnLst>
+                          </p:cTn>
+                        </p:par>
+                      </p:childTnLst>
+                    </p:cTn>
+                  </p:par>
+                  <p:par>
+                    <p:cTn id="33" fill="hold">
+                      <p:stCondLst>
+                        <p:cond delay="indefinite"/>
+                      </p:stCondLst>
+                      <p:childTnLst>
+                        <p:par>
+                          <p:cTn id="34" fill="hold">
+                            <p:stCondLst>
+                              <p:cond delay="0"/>
+                            </p:stCondLst>
+                            <p:childTnLst>
+                              <p:par>
+                                <p:cTn id="35" presetID="10" presetClass="exit" presetSubtype="0" fill="hold" nodeType="clickEffect">
+                                  <p:stCondLst>
+                                    <p:cond delay="0"/>
+                                  </p:stCondLst>
+                                  <p:childTnLst>
+                                    <p:animEffect transition="out" filter="fade">
+                                      <p:cBhvr>
+                                        <p:cTn id="36" dur="500"/>
+                                        <p:tgtEl>
+                                          <p:spTgt spid="7"/>
+                                        </p:tgtEl>
+                                      </p:cBhvr>
+                                    </p:animEffect>
+                                    <p:set>
+                                      <p:cBhvr>
+                                        <p:cTn id="37" dur="1" fill="hold">
+                                          <p:stCondLst>
+                                            <p:cond delay="499"/>
+                                          </p:stCondLst>
+                                        </p:cTn>
+                                        <p:tgtEl>
+                                          <p:spTgt spid="7"/>
+                                        </p:tgtEl>
+                                        <p:attrNameLst>
+                                          <p:attrName>style.visibility</p:attrName>
+                                        </p:attrNameLst>
+                                      </p:cBhvr>
+                                      <p:to>
+                                        <p:strVal val="hidden"/>
+                                      </p:to>
+                                    </p:set>
+                                  </p:childTnLst>
+                                </p:cTn>
+                              </p:par>
+                            </p:childTnLst>
+                          </p:cTn>
+                        </p:par>
+                      </p:childTnLst>
+                    </p:cTn>
+                  </p:par>
+                  <p:par>
+                    <p:cTn id="38" fill="hold">
+                      <p:stCondLst>
+                        <p:cond delay="indefinite"/>
+                      </p:stCondLst>
+                      <p:childTnLst>
+                        <p:par>
+                          <p:cTn id="39" fill="hold">
+                            <p:stCondLst>
+                              <p:cond delay="0"/>
+                            </p:stCondLst>
+                            <p:childTnLst>
+                              <p:par>
+                                <p:cTn id="40" presetID="10" presetClass="entr" presetSubtype="0" fill="hold" nodeType="clickEffect">
+                                  <p:stCondLst>
+                                    <p:cond delay="0"/>
+                                  </p:stCondLst>
+                                  <p:childTnLst>
+                                    <p:set>
+                                      <p:cBhvr>
+                                        <p:cTn id="41" dur="1" fill="hold">
+                                          <p:stCondLst>
+                                            <p:cond delay="0"/>
+                                          </p:stCondLst>
+                                        </p:cTn>
+                                        <p:tgtEl>
+                                          <p:spTgt spid="8"/>
+                                        </p:tgtEl>
+                                        <p:attrNameLst>
+                                          <p:attrName>style.visibility</p:attrName>
+                                        </p:attrNameLst>
+                                      </p:cBhvr>
+                                      <p:to>
+                                        <p:strVal val="visible"/>
+                                      </p:to>
+                                    </p:set>
+                                    <p:animEffect transition="in" filter="fade">
+                                      <p:cBhvr>
+                                        <p:cTn id="42" dur="500"/>
+                                        <p:tgtEl>
+                                          <p:spTgt spid="8"/>
+                                        </p:tgtEl>
+                                      </p:cBhvr>
+                                    </p:animEffect>
+                                  </p:childTnLst>
+                                </p:cTn>
+                              </p:par>
+                            </p:childTnLst>
+                          </p:cTn>
+                        </p:par>
+                      </p:childTnLst>
+                    </p:cTn>
+                  </p:par>
+                  <p:par>
+                    <p:cTn id="43" fill="hold">
+                      <p:stCondLst>
+                        <p:cond delay="indefinite"/>
+                      </p:stCondLst>
+                      <p:childTnLst>
+                        <p:par>
+                          <p:cTn id="44" fill="hold">
+                            <p:stCondLst>
+                              <p:cond delay="0"/>
+                            </p:stCondLst>
+                            <p:childTnLst>
+                              <p:par>
+                                <p:cTn id="45" presetID="10" presetClass="exit" presetSubtype="0" fill="hold" nodeType="clickEffect">
+                                  <p:stCondLst>
+                                    <p:cond delay="0"/>
+                                  </p:stCondLst>
+                                  <p:childTnLst>
+                                    <p:animEffect transition="out" filter="fade">
+                                      <p:cBhvr>
+                                        <p:cTn id="46" dur="500"/>
+                                        <p:tgtEl>
+                                          <p:spTgt spid="8"/>
+                                        </p:tgtEl>
+                                      </p:cBhvr>
+                                    </p:animEffect>
+                                    <p:set>
+                                      <p:cBhvr>
+                                        <p:cTn id="47" dur="1" fill="hold">
+                                          <p:stCondLst>
+                                            <p:cond delay="499"/>
+                                          </p:stCondLst>
+                                        </p:cTn>
+                                        <p:tgtEl>
+                                          <p:spTgt spid="8"/>
+                                        </p:tgtEl>
+                                        <p:attrNameLst>
+                                          <p:attrName>style.visibility</p:attrName>
+                                        </p:attrNameLst>
+                                      </p:cBhvr>
+                                      <p:to>
+                                        <p:strVal val="hidden"/>
+                                      </p:to>
+                                    </p:set>
+                                  </p:childTnLst>
+                                </p:cTn>
+                              </p:par>
+                            </p:childTnLst>
+                          </p:cTn>
+                        </p:par>
+                      </p:childTnLst>
+                    </p:cTn>
+                  </p:par>
+                </p:childTnLst>
+              </p:cTn>
+              <p:prevCondLst>
+                <p:cond evt="onPrev" delay="0">
+                  <p:tgtEl>
+                    <p:sldTgt/>
+                  </p:tgtEl>
+                </p:cond>
+              </p:prevCondLst>
+              <p:nextCondLst>
+                <p:cond evt="onNext" delay="0">
+                  <p:tgtEl>
+                    <p:sldTgt/>
+                  </p:tgtEl>
+                </p:cond>
+              </p:nextCondLst>
+            </p:seq>
+          </p:childTnLst>
+        </p:cTn>
+      </p:par>
+    </p:tnLst>
+  </p:timing>
 </p:sld>
 </file>
 
@@ -4544,16 +7478,401 @@
           </a:p>
         </p:txBody>
       </p:sp>
+      <p:pic>
+        <p:nvPicPr>
+          <p:cNvPr id="3" name="Picture 2">
+            <a:extLst>
+              <a:ext uri="{FF2B5EF4-FFF2-40B4-BE49-F238E27FC236}">
+                <a16:creationId xmlns:a16="http://schemas.microsoft.com/office/drawing/2014/main" id="{94F76FC5-6B3D-4A4A-8F19-01B08F934A10}"/>
+              </a:ext>
+            </a:extLst>
+          </p:cNvPr>
+          <p:cNvPicPr>
+            <a:picLocks noChangeAspect="1"/>
+          </p:cNvPicPr>
+          <p:nvPr/>
+        </p:nvPicPr>
+        <p:blipFill>
+          <a:blip r:embed="rId2"/>
+          <a:stretch>
+            <a:fillRect/>
+          </a:stretch>
+        </p:blipFill>
+        <p:spPr>
+          <a:xfrm>
+            <a:off x="1676400" y="1600200"/>
+            <a:ext cx="5791200" cy="4154221"/>
+          </a:xfrm>
+          <a:prstGeom prst="rect">
+            <a:avLst/>
+          </a:prstGeom>
+        </p:spPr>
+      </p:pic>
+      <p:pic>
+        <p:nvPicPr>
+          <p:cNvPr id="7" name="Picture 6">
+            <a:extLst>
+              <a:ext uri="{FF2B5EF4-FFF2-40B4-BE49-F238E27FC236}">
+                <a16:creationId xmlns:a16="http://schemas.microsoft.com/office/drawing/2014/main" id="{3E6E42A3-AAE2-4649-A94C-9A92D3410B60}"/>
+              </a:ext>
+            </a:extLst>
+          </p:cNvPr>
+          <p:cNvPicPr>
+            <a:picLocks noChangeAspect="1"/>
+          </p:cNvPicPr>
+          <p:nvPr/>
+        </p:nvPicPr>
+        <p:blipFill>
+          <a:blip r:embed="rId3"/>
+          <a:stretch>
+            <a:fillRect/>
+          </a:stretch>
+        </p:blipFill>
+        <p:spPr>
+          <a:xfrm>
+            <a:off x="471927" y="2705100"/>
+            <a:ext cx="8200145" cy="1447800"/>
+          </a:xfrm>
+          <a:prstGeom prst="rect">
+            <a:avLst/>
+          </a:prstGeom>
+        </p:spPr>
+      </p:pic>
+      <p:pic>
+        <p:nvPicPr>
+          <p:cNvPr id="9" name="Picture 8">
+            <a:extLst>
+              <a:ext uri="{FF2B5EF4-FFF2-40B4-BE49-F238E27FC236}">
+                <a16:creationId xmlns:a16="http://schemas.microsoft.com/office/drawing/2014/main" id="{6E0BA9F8-29DC-4BDE-B7D4-D2FF88FD2A9E}"/>
+              </a:ext>
+            </a:extLst>
+          </p:cNvPr>
+          <p:cNvPicPr>
+            <a:picLocks noChangeAspect="1"/>
+          </p:cNvPicPr>
+          <p:nvPr/>
+        </p:nvPicPr>
+        <p:blipFill>
+          <a:blip r:embed="rId4"/>
+          <a:stretch>
+            <a:fillRect/>
+          </a:stretch>
+        </p:blipFill>
+        <p:spPr>
+          <a:xfrm>
+            <a:off x="672977" y="1676400"/>
+            <a:ext cx="7999095" cy="4343400"/>
+          </a:xfrm>
+          <a:prstGeom prst="rect">
+            <a:avLst/>
+          </a:prstGeom>
+        </p:spPr>
+      </p:pic>
     </p:spTree>
     <p:extLst>
       <p:ext uri="{BB962C8B-B14F-4D97-AF65-F5344CB8AC3E}">
-        <p14:creationId xmlns:p14="http://schemas.microsoft.com/office/powerpoint/2010/main" val="1782479808"/>
+        <p14:creationId xmlns:p14="http://schemas.microsoft.com/office/powerpoint/2010/main" val="1950134034"/>
       </p:ext>
     </p:extLst>
   </p:cSld>
   <p:clrMapOvr>
     <a:masterClrMapping/>
   </p:clrMapOvr>
+  <p:timing>
+    <p:tnLst>
+      <p:par>
+        <p:cTn id="1" dur="indefinite" restart="never" nodeType="tmRoot">
+          <p:childTnLst>
+            <p:seq concurrent="1" nextAc="seek">
+              <p:cTn id="2" dur="indefinite" nodeType="mainSeq">
+                <p:childTnLst>
+                  <p:par>
+                    <p:cTn id="3" fill="hold">
+                      <p:stCondLst>
+                        <p:cond delay="indefinite"/>
+                      </p:stCondLst>
+                      <p:childTnLst>
+                        <p:par>
+                          <p:cTn id="4" fill="hold">
+                            <p:stCondLst>
+                              <p:cond delay="0"/>
+                            </p:stCondLst>
+                            <p:childTnLst>
+                              <p:par>
+                                <p:cTn id="5" presetID="10" presetClass="exit" presetSubtype="0" fill="hold" nodeType="clickEffect">
+                                  <p:stCondLst>
+                                    <p:cond delay="0"/>
+                                  </p:stCondLst>
+                                  <p:childTnLst>
+                                    <p:animEffect transition="out" filter="fade">
+                                      <p:cBhvr>
+                                        <p:cTn id="6" dur="500"/>
+                                        <p:tgtEl>
+                                          <p:spTgt spid="3"/>
+                                        </p:tgtEl>
+                                      </p:cBhvr>
+                                    </p:animEffect>
+                                    <p:set>
+                                      <p:cBhvr>
+                                        <p:cTn id="7" dur="1" fill="hold">
+                                          <p:stCondLst>
+                                            <p:cond delay="499"/>
+                                          </p:stCondLst>
+                                        </p:cTn>
+                                        <p:tgtEl>
+                                          <p:spTgt spid="3"/>
+                                        </p:tgtEl>
+                                        <p:attrNameLst>
+                                          <p:attrName>style.visibility</p:attrName>
+                                        </p:attrNameLst>
+                                      </p:cBhvr>
+                                      <p:to>
+                                        <p:strVal val="hidden"/>
+                                      </p:to>
+                                    </p:set>
+                                  </p:childTnLst>
+                                </p:cTn>
+                              </p:par>
+                            </p:childTnLst>
+                          </p:cTn>
+                        </p:par>
+                      </p:childTnLst>
+                    </p:cTn>
+                  </p:par>
+                  <p:par>
+                    <p:cTn id="8" fill="hold">
+                      <p:stCondLst>
+                        <p:cond delay="indefinite"/>
+                      </p:stCondLst>
+                      <p:childTnLst>
+                        <p:par>
+                          <p:cTn id="9" fill="hold">
+                            <p:stCondLst>
+                              <p:cond delay="0"/>
+                            </p:stCondLst>
+                            <p:childTnLst>
+                              <p:par>
+                                <p:cTn id="10" presetID="10" presetClass="entr" presetSubtype="0" fill="hold" nodeType="clickEffect">
+                                  <p:stCondLst>
+                                    <p:cond delay="0"/>
+                                  </p:stCondLst>
+                                  <p:childTnLst>
+                                    <p:set>
+                                      <p:cBhvr>
+                                        <p:cTn id="11" dur="1" fill="hold">
+                                          <p:stCondLst>
+                                            <p:cond delay="0"/>
+                                          </p:stCondLst>
+                                        </p:cTn>
+                                        <p:tgtEl>
+                                          <p:spTgt spid="7"/>
+                                        </p:tgtEl>
+                                        <p:attrNameLst>
+                                          <p:attrName>style.visibility</p:attrName>
+                                        </p:attrNameLst>
+                                      </p:cBhvr>
+                                      <p:to>
+                                        <p:strVal val="visible"/>
+                                      </p:to>
+                                    </p:set>
+                                    <p:animEffect transition="in" filter="fade">
+                                      <p:cBhvr>
+                                        <p:cTn id="12" dur="500"/>
+                                        <p:tgtEl>
+                                          <p:spTgt spid="7"/>
+                                        </p:tgtEl>
+                                      </p:cBhvr>
+                                    </p:animEffect>
+                                  </p:childTnLst>
+                                </p:cTn>
+                              </p:par>
+                            </p:childTnLst>
+                          </p:cTn>
+                        </p:par>
+                      </p:childTnLst>
+                    </p:cTn>
+                  </p:par>
+                  <p:par>
+                    <p:cTn id="13" fill="hold">
+                      <p:stCondLst>
+                        <p:cond delay="indefinite"/>
+                      </p:stCondLst>
+                      <p:childTnLst>
+                        <p:par>
+                          <p:cTn id="14" fill="hold">
+                            <p:stCondLst>
+                              <p:cond delay="0"/>
+                            </p:stCondLst>
+                            <p:childTnLst>
+                              <p:par>
+                                <p:cTn id="15" presetID="10" presetClass="exit" presetSubtype="0" fill="hold" nodeType="clickEffect">
+                                  <p:stCondLst>
+                                    <p:cond delay="0"/>
+                                  </p:stCondLst>
+                                  <p:childTnLst>
+                                    <p:animEffect transition="out" filter="fade">
+                                      <p:cBhvr>
+                                        <p:cTn id="16" dur="500"/>
+                                        <p:tgtEl>
+                                          <p:spTgt spid="7"/>
+                                        </p:tgtEl>
+                                      </p:cBhvr>
+                                    </p:animEffect>
+                                    <p:set>
+                                      <p:cBhvr>
+                                        <p:cTn id="17" dur="1" fill="hold">
+                                          <p:stCondLst>
+                                            <p:cond delay="499"/>
+                                          </p:stCondLst>
+                                        </p:cTn>
+                                        <p:tgtEl>
+                                          <p:spTgt spid="7"/>
+                                        </p:tgtEl>
+                                        <p:attrNameLst>
+                                          <p:attrName>style.visibility</p:attrName>
+                                        </p:attrNameLst>
+                                      </p:cBhvr>
+                                      <p:to>
+                                        <p:strVal val="hidden"/>
+                                      </p:to>
+                                    </p:set>
+                                  </p:childTnLst>
+                                </p:cTn>
+                              </p:par>
+                            </p:childTnLst>
+                          </p:cTn>
+                        </p:par>
+                      </p:childTnLst>
+                    </p:cTn>
+                  </p:par>
+                  <p:par>
+                    <p:cTn id="18" fill="hold">
+                      <p:stCondLst>
+                        <p:cond delay="indefinite"/>
+                      </p:stCondLst>
+                      <p:childTnLst>
+                        <p:par>
+                          <p:cTn id="19" fill="hold">
+                            <p:stCondLst>
+                              <p:cond delay="0"/>
+                            </p:stCondLst>
+                            <p:childTnLst>
+                              <p:par>
+                                <p:cTn id="20" presetID="10" presetClass="entr" presetSubtype="0" fill="hold" nodeType="clickEffect">
+                                  <p:stCondLst>
+                                    <p:cond delay="0"/>
+                                  </p:stCondLst>
+                                  <p:childTnLst>
+                                    <p:set>
+                                      <p:cBhvr>
+                                        <p:cTn id="21" dur="1" fill="hold">
+                                          <p:stCondLst>
+                                            <p:cond delay="0"/>
+                                          </p:stCondLst>
+                                        </p:cTn>
+                                        <p:tgtEl>
+                                          <p:spTgt spid="9"/>
+                                        </p:tgtEl>
+                                        <p:attrNameLst>
+                                          <p:attrName>style.visibility</p:attrName>
+                                        </p:attrNameLst>
+                                      </p:cBhvr>
+                                      <p:to>
+                                        <p:strVal val="visible"/>
+                                      </p:to>
+                                    </p:set>
+                                    <p:animEffect transition="in" filter="fade">
+                                      <p:cBhvr>
+                                        <p:cTn id="22" dur="500"/>
+                                        <p:tgtEl>
+                                          <p:spTgt spid="9"/>
+                                        </p:tgtEl>
+                                      </p:cBhvr>
+                                    </p:animEffect>
+                                  </p:childTnLst>
+                                </p:cTn>
+                              </p:par>
+                            </p:childTnLst>
+                          </p:cTn>
+                        </p:par>
+                      </p:childTnLst>
+                    </p:cTn>
+                  </p:par>
+                  <p:par>
+                    <p:cTn id="23" fill="hold">
+                      <p:stCondLst>
+                        <p:cond delay="indefinite"/>
+                      </p:stCondLst>
+                      <p:childTnLst>
+                        <p:par>
+                          <p:cTn id="24" fill="hold">
+                            <p:stCondLst>
+                              <p:cond delay="0"/>
+                            </p:stCondLst>
+                            <p:childTnLst>
+                              <p:par>
+                                <p:cTn id="25" presetID="10" presetClass="exit" presetSubtype="0" fill="hold" nodeType="clickEffect">
+                                  <p:stCondLst>
+                                    <p:cond delay="0"/>
+                                  </p:stCondLst>
+                                  <p:childTnLst>
+                                    <p:animEffect transition="out" filter="fade">
+                                      <p:cBhvr>
+                                        <p:cTn id="26" dur="500"/>
+                                        <p:tgtEl>
+                                          <p:spTgt spid="9"/>
+                                        </p:tgtEl>
+                                      </p:cBhvr>
+                                    </p:animEffect>
+                                    <p:set>
+                                      <p:cBhvr>
+                                        <p:cTn id="27" dur="1" fill="hold">
+                                          <p:stCondLst>
+                                            <p:cond delay="499"/>
+                                          </p:stCondLst>
+                                        </p:cTn>
+                                        <p:tgtEl>
+                                          <p:spTgt spid="9"/>
+                                        </p:tgtEl>
+                                        <p:attrNameLst>
+                                          <p:attrName>style.visibility</p:attrName>
+                                        </p:attrNameLst>
+                                      </p:cBhvr>
+                                      <p:to>
+                                        <p:strVal val="hidden"/>
+                                      </p:to>
+                                    </p:set>
+                                  </p:childTnLst>
+                                </p:cTn>
+                              </p:par>
+                            </p:childTnLst>
+                          </p:cTn>
+                        </p:par>
+                      </p:childTnLst>
+                    </p:cTn>
+                  </p:par>
+                </p:childTnLst>
+              </p:cTn>
+              <p:prevCondLst>
+                <p:cond evt="onPrev" delay="0">
+                  <p:tgtEl>
+                    <p:sldTgt/>
+                  </p:tgtEl>
+                </p:cond>
+              </p:prevCondLst>
+              <p:nextCondLst>
+                <p:cond evt="onNext" delay="0">
+                  <p:tgtEl>
+                    <p:sldTgt/>
+                  </p:tgtEl>
+                </p:cond>
+              </p:nextCondLst>
+            </p:seq>
+          </p:childTnLst>
+        </p:cTn>
+      </p:par>
+    </p:tnLst>
+  </p:timing>
 </p:sld>
 </file>
 
@@ -4595,7 +7914,15 @@
           <a:bodyPr/>
           <a:lstStyle/>
           <a:p>
-            <a:endParaRPr lang="en-US"/>
+            <a:r>
+              <a:rPr lang="en-US" dirty="0"/>
+              <a:t>/views/</a:t>
+            </a:r>
+            <a:r>
+              <a:rPr lang="en-US" dirty="0" err="1"/>
+              <a:t>register.ejs</a:t>
+            </a:r>
+            <a:endParaRPr lang="en-US" dirty="0"/>
           </a:p>
         </p:txBody>
       </p:sp>
@@ -4643,16 +7970,1844 @@
           </a:p>
         </p:txBody>
       </p:sp>
+      <p:pic>
+        <p:nvPicPr>
+          <p:cNvPr id="3" name="Picture 2">
+            <a:extLst>
+              <a:ext uri="{FF2B5EF4-FFF2-40B4-BE49-F238E27FC236}">
+                <a16:creationId xmlns:a16="http://schemas.microsoft.com/office/drawing/2014/main" id="{6DC13A4E-CD0A-4417-BD91-4272F21989D0}"/>
+              </a:ext>
+            </a:extLst>
+          </p:cNvPr>
+          <p:cNvPicPr>
+            <a:picLocks noChangeAspect="1"/>
+          </p:cNvPicPr>
+          <p:nvPr/>
+        </p:nvPicPr>
+        <p:blipFill>
+          <a:blip r:embed="rId2"/>
+          <a:stretch>
+            <a:fillRect/>
+          </a:stretch>
+        </p:blipFill>
+        <p:spPr>
+          <a:xfrm>
+            <a:off x="381000" y="1219199"/>
+            <a:ext cx="3124200" cy="5303875"/>
+          </a:xfrm>
+          <a:prstGeom prst="rect">
+            <a:avLst/>
+          </a:prstGeom>
+        </p:spPr>
+      </p:pic>
+      <p:sp>
+        <p:nvSpPr>
+          <p:cNvPr id="5" name="Rectangle 4">
+            <a:extLst>
+              <a:ext uri="{FF2B5EF4-FFF2-40B4-BE49-F238E27FC236}">
+                <a16:creationId xmlns:a16="http://schemas.microsoft.com/office/drawing/2014/main" id="{EAEE4088-1215-4823-885F-7F227C047FB0}"/>
+              </a:ext>
+            </a:extLst>
+          </p:cNvPr>
+          <p:cNvSpPr/>
+          <p:nvPr/>
+        </p:nvSpPr>
+        <p:spPr>
+          <a:xfrm>
+            <a:off x="609600" y="2514600"/>
+            <a:ext cx="2667000" cy="304800"/>
+          </a:xfrm>
+          <a:prstGeom prst="rect">
+            <a:avLst/>
+          </a:prstGeom>
+          <a:noFill/>
+          <a:ln>
+            <a:solidFill>
+              <a:srgbClr val="FF0000"/>
+            </a:solidFill>
+          </a:ln>
+        </p:spPr>
+        <p:style>
+          <a:lnRef idx="2">
+            <a:schemeClr val="accent1">
+              <a:shade val="50000"/>
+            </a:schemeClr>
+          </a:lnRef>
+          <a:fillRef idx="1">
+            <a:schemeClr val="accent1"/>
+          </a:fillRef>
+          <a:effectRef idx="0">
+            <a:schemeClr val="accent1"/>
+          </a:effectRef>
+          <a:fontRef idx="minor">
+            <a:schemeClr val="lt1"/>
+          </a:fontRef>
+        </p:style>
+        <p:txBody>
+          <a:bodyPr rtlCol="0" anchor="ctr"/>
+          <a:lstStyle/>
+          <a:p>
+            <a:pPr algn="ctr"/>
+            <a:endParaRPr lang="en-US"/>
+          </a:p>
+        </p:txBody>
+      </p:sp>
+      <p:sp>
+        <p:nvSpPr>
+          <p:cNvPr id="6" name="Rectangle 5">
+            <a:extLst>
+              <a:ext uri="{FF2B5EF4-FFF2-40B4-BE49-F238E27FC236}">
+                <a16:creationId xmlns:a16="http://schemas.microsoft.com/office/drawing/2014/main" id="{AF4B923C-C9DC-40CF-A6D3-AEC23855C29A}"/>
+              </a:ext>
+            </a:extLst>
+          </p:cNvPr>
+          <p:cNvSpPr/>
+          <p:nvPr/>
+        </p:nvSpPr>
+        <p:spPr>
+          <a:xfrm>
+            <a:off x="609600" y="3047999"/>
+            <a:ext cx="2667000" cy="304800"/>
+          </a:xfrm>
+          <a:prstGeom prst="rect">
+            <a:avLst/>
+          </a:prstGeom>
+          <a:noFill/>
+          <a:ln>
+            <a:solidFill>
+              <a:srgbClr val="FF0000"/>
+            </a:solidFill>
+          </a:ln>
+        </p:spPr>
+        <p:style>
+          <a:lnRef idx="2">
+            <a:schemeClr val="accent1">
+              <a:shade val="50000"/>
+            </a:schemeClr>
+          </a:lnRef>
+          <a:fillRef idx="1">
+            <a:schemeClr val="accent1"/>
+          </a:fillRef>
+          <a:effectRef idx="0">
+            <a:schemeClr val="accent1"/>
+          </a:effectRef>
+          <a:fontRef idx="minor">
+            <a:schemeClr val="lt1"/>
+          </a:fontRef>
+        </p:style>
+        <p:txBody>
+          <a:bodyPr rtlCol="0" anchor="ctr"/>
+          <a:lstStyle/>
+          <a:p>
+            <a:pPr algn="ctr"/>
+            <a:endParaRPr lang="en-US"/>
+          </a:p>
+        </p:txBody>
+      </p:sp>
+      <p:sp>
+        <p:nvSpPr>
+          <p:cNvPr id="7" name="Rectangle 6">
+            <a:extLst>
+              <a:ext uri="{FF2B5EF4-FFF2-40B4-BE49-F238E27FC236}">
+                <a16:creationId xmlns:a16="http://schemas.microsoft.com/office/drawing/2014/main" id="{7EC83045-E408-472A-B648-A531BE355304}"/>
+              </a:ext>
+            </a:extLst>
+          </p:cNvPr>
+          <p:cNvSpPr/>
+          <p:nvPr/>
+        </p:nvSpPr>
+        <p:spPr>
+          <a:xfrm>
+            <a:off x="609600" y="3581400"/>
+            <a:ext cx="2667000" cy="304800"/>
+          </a:xfrm>
+          <a:prstGeom prst="rect">
+            <a:avLst/>
+          </a:prstGeom>
+          <a:noFill/>
+          <a:ln>
+            <a:solidFill>
+              <a:srgbClr val="FF0000"/>
+            </a:solidFill>
+          </a:ln>
+        </p:spPr>
+        <p:style>
+          <a:lnRef idx="2">
+            <a:schemeClr val="accent1">
+              <a:shade val="50000"/>
+            </a:schemeClr>
+          </a:lnRef>
+          <a:fillRef idx="1">
+            <a:schemeClr val="accent1"/>
+          </a:fillRef>
+          <a:effectRef idx="0">
+            <a:schemeClr val="accent1"/>
+          </a:effectRef>
+          <a:fontRef idx="minor">
+            <a:schemeClr val="lt1"/>
+          </a:fontRef>
+        </p:style>
+        <p:txBody>
+          <a:bodyPr rtlCol="0" anchor="ctr"/>
+          <a:lstStyle/>
+          <a:p>
+            <a:pPr algn="ctr"/>
+            <a:endParaRPr lang="en-US"/>
+          </a:p>
+        </p:txBody>
+      </p:sp>
+      <p:sp>
+        <p:nvSpPr>
+          <p:cNvPr id="8" name="Rectangle 7">
+            <a:extLst>
+              <a:ext uri="{FF2B5EF4-FFF2-40B4-BE49-F238E27FC236}">
+                <a16:creationId xmlns:a16="http://schemas.microsoft.com/office/drawing/2014/main" id="{7D10C603-2467-41CE-8A1E-13195F084CFE}"/>
+              </a:ext>
+            </a:extLst>
+          </p:cNvPr>
+          <p:cNvSpPr/>
+          <p:nvPr/>
+        </p:nvSpPr>
+        <p:spPr>
+          <a:xfrm>
+            <a:off x="624840" y="4206417"/>
+            <a:ext cx="2667000" cy="304800"/>
+          </a:xfrm>
+          <a:prstGeom prst="rect">
+            <a:avLst/>
+          </a:prstGeom>
+          <a:noFill/>
+          <a:ln>
+            <a:solidFill>
+              <a:srgbClr val="FF0000"/>
+            </a:solidFill>
+          </a:ln>
+        </p:spPr>
+        <p:style>
+          <a:lnRef idx="2">
+            <a:schemeClr val="accent1">
+              <a:shade val="50000"/>
+            </a:schemeClr>
+          </a:lnRef>
+          <a:fillRef idx="1">
+            <a:schemeClr val="accent1"/>
+          </a:fillRef>
+          <a:effectRef idx="0">
+            <a:schemeClr val="accent1"/>
+          </a:effectRef>
+          <a:fontRef idx="minor">
+            <a:schemeClr val="lt1"/>
+          </a:fontRef>
+        </p:style>
+        <p:txBody>
+          <a:bodyPr rtlCol="0" anchor="ctr"/>
+          <a:lstStyle/>
+          <a:p>
+            <a:pPr algn="ctr"/>
+            <a:endParaRPr lang="en-US"/>
+          </a:p>
+        </p:txBody>
+      </p:sp>
+      <p:sp>
+        <p:nvSpPr>
+          <p:cNvPr id="9" name="Rectangle 8">
+            <a:extLst>
+              <a:ext uri="{FF2B5EF4-FFF2-40B4-BE49-F238E27FC236}">
+                <a16:creationId xmlns:a16="http://schemas.microsoft.com/office/drawing/2014/main" id="{741A6ABC-B4F0-4C40-A1E2-6CAD415AD2C6}"/>
+              </a:ext>
+            </a:extLst>
+          </p:cNvPr>
+          <p:cNvSpPr/>
+          <p:nvPr/>
+        </p:nvSpPr>
+        <p:spPr>
+          <a:xfrm>
+            <a:off x="624840" y="4831434"/>
+            <a:ext cx="2667000" cy="304800"/>
+          </a:xfrm>
+          <a:prstGeom prst="rect">
+            <a:avLst/>
+          </a:prstGeom>
+          <a:noFill/>
+          <a:ln>
+            <a:solidFill>
+              <a:srgbClr val="FF0000"/>
+            </a:solidFill>
+          </a:ln>
+        </p:spPr>
+        <p:style>
+          <a:lnRef idx="2">
+            <a:schemeClr val="accent1">
+              <a:shade val="50000"/>
+            </a:schemeClr>
+          </a:lnRef>
+          <a:fillRef idx="1">
+            <a:schemeClr val="accent1"/>
+          </a:fillRef>
+          <a:effectRef idx="0">
+            <a:schemeClr val="accent1"/>
+          </a:effectRef>
+          <a:fontRef idx="minor">
+            <a:schemeClr val="lt1"/>
+          </a:fontRef>
+        </p:style>
+        <p:txBody>
+          <a:bodyPr rtlCol="0" anchor="ctr"/>
+          <a:lstStyle/>
+          <a:p>
+            <a:pPr algn="ctr"/>
+            <a:endParaRPr lang="en-US"/>
+          </a:p>
+        </p:txBody>
+      </p:sp>
+      <p:sp>
+        <p:nvSpPr>
+          <p:cNvPr id="10" name="Rectangle 9">
+            <a:extLst>
+              <a:ext uri="{FF2B5EF4-FFF2-40B4-BE49-F238E27FC236}">
+                <a16:creationId xmlns:a16="http://schemas.microsoft.com/office/drawing/2014/main" id="{39EFBC74-306C-4C42-A16D-1E0B8E71E5A8}"/>
+              </a:ext>
+            </a:extLst>
+          </p:cNvPr>
+          <p:cNvSpPr/>
+          <p:nvPr/>
+        </p:nvSpPr>
+        <p:spPr>
+          <a:xfrm>
+            <a:off x="624840" y="5372454"/>
+            <a:ext cx="2667000" cy="304800"/>
+          </a:xfrm>
+          <a:prstGeom prst="rect">
+            <a:avLst/>
+          </a:prstGeom>
+          <a:noFill/>
+          <a:ln>
+            <a:solidFill>
+              <a:srgbClr val="FF0000"/>
+            </a:solidFill>
+          </a:ln>
+        </p:spPr>
+        <p:style>
+          <a:lnRef idx="2">
+            <a:schemeClr val="accent1">
+              <a:shade val="50000"/>
+            </a:schemeClr>
+          </a:lnRef>
+          <a:fillRef idx="1">
+            <a:schemeClr val="accent1"/>
+          </a:fillRef>
+          <a:effectRef idx="0">
+            <a:schemeClr val="accent1"/>
+          </a:effectRef>
+          <a:fontRef idx="minor">
+            <a:schemeClr val="lt1"/>
+          </a:fontRef>
+        </p:style>
+        <p:txBody>
+          <a:bodyPr rtlCol="0" anchor="ctr"/>
+          <a:lstStyle/>
+          <a:p>
+            <a:pPr algn="ctr"/>
+            <a:endParaRPr lang="en-US"/>
+          </a:p>
+        </p:txBody>
+      </p:sp>
+      <p:sp>
+        <p:nvSpPr>
+          <p:cNvPr id="11" name="Rectangle 10">
+            <a:extLst>
+              <a:ext uri="{FF2B5EF4-FFF2-40B4-BE49-F238E27FC236}">
+                <a16:creationId xmlns:a16="http://schemas.microsoft.com/office/drawing/2014/main" id="{3FDCD4D3-C902-4F0B-9019-6D787CAD6BD7}"/>
+              </a:ext>
+            </a:extLst>
+          </p:cNvPr>
+          <p:cNvSpPr/>
+          <p:nvPr/>
+        </p:nvSpPr>
+        <p:spPr>
+          <a:xfrm>
+            <a:off x="609600" y="5867401"/>
+            <a:ext cx="2667000" cy="472616"/>
+          </a:xfrm>
+          <a:prstGeom prst="rect">
+            <a:avLst/>
+          </a:prstGeom>
+          <a:noFill/>
+          <a:ln>
+            <a:solidFill>
+              <a:srgbClr val="FF0000"/>
+            </a:solidFill>
+          </a:ln>
+        </p:spPr>
+        <p:style>
+          <a:lnRef idx="2">
+            <a:schemeClr val="accent1">
+              <a:shade val="50000"/>
+            </a:schemeClr>
+          </a:lnRef>
+          <a:fillRef idx="1">
+            <a:schemeClr val="accent1"/>
+          </a:fillRef>
+          <a:effectRef idx="0">
+            <a:schemeClr val="accent1"/>
+          </a:effectRef>
+          <a:fontRef idx="minor">
+            <a:schemeClr val="lt1"/>
+          </a:fontRef>
+        </p:style>
+        <p:txBody>
+          <a:bodyPr rtlCol="0" anchor="ctr"/>
+          <a:lstStyle/>
+          <a:p>
+            <a:pPr algn="ctr"/>
+            <a:endParaRPr lang="en-US"/>
+          </a:p>
+        </p:txBody>
+      </p:sp>
+      <p:pic>
+        <p:nvPicPr>
+          <p:cNvPr id="12" name="Picture 11">
+            <a:extLst>
+              <a:ext uri="{FF2B5EF4-FFF2-40B4-BE49-F238E27FC236}">
+                <a16:creationId xmlns:a16="http://schemas.microsoft.com/office/drawing/2014/main" id="{FF0A8982-DAF7-4440-A624-9898F9DA3589}"/>
+              </a:ext>
+            </a:extLst>
+          </p:cNvPr>
+          <p:cNvPicPr>
+            <a:picLocks noChangeAspect="1"/>
+          </p:cNvPicPr>
+          <p:nvPr/>
+        </p:nvPicPr>
+        <p:blipFill>
+          <a:blip r:embed="rId3"/>
+          <a:stretch>
+            <a:fillRect/>
+          </a:stretch>
+        </p:blipFill>
+        <p:spPr>
+          <a:xfrm>
+            <a:off x="3695700" y="1143000"/>
+            <a:ext cx="3695700" cy="695325"/>
+          </a:xfrm>
+          <a:prstGeom prst="rect">
+            <a:avLst/>
+          </a:prstGeom>
+        </p:spPr>
+      </p:pic>
+      <p:pic>
+        <p:nvPicPr>
+          <p:cNvPr id="13" name="Picture 12">
+            <a:extLst>
+              <a:ext uri="{FF2B5EF4-FFF2-40B4-BE49-F238E27FC236}">
+                <a16:creationId xmlns:a16="http://schemas.microsoft.com/office/drawing/2014/main" id="{4014A372-B5DF-495E-9559-626E1B8FF2B2}"/>
+              </a:ext>
+            </a:extLst>
+          </p:cNvPr>
+          <p:cNvPicPr>
+            <a:picLocks noChangeAspect="1"/>
+          </p:cNvPicPr>
+          <p:nvPr/>
+        </p:nvPicPr>
+        <p:blipFill>
+          <a:blip r:embed="rId4"/>
+          <a:stretch>
+            <a:fillRect/>
+          </a:stretch>
+        </p:blipFill>
+        <p:spPr>
+          <a:xfrm>
+            <a:off x="3676650" y="2077966"/>
+            <a:ext cx="4095750" cy="704850"/>
+          </a:xfrm>
+          <a:prstGeom prst="rect">
+            <a:avLst/>
+          </a:prstGeom>
+        </p:spPr>
+      </p:pic>
+      <p:pic>
+        <p:nvPicPr>
+          <p:cNvPr id="14" name="Picture 13">
+            <a:extLst>
+              <a:ext uri="{FF2B5EF4-FFF2-40B4-BE49-F238E27FC236}">
+                <a16:creationId xmlns:a16="http://schemas.microsoft.com/office/drawing/2014/main" id="{971D1C8B-7617-47E8-B349-79BDF4EBEBA4}"/>
+              </a:ext>
+            </a:extLst>
+          </p:cNvPr>
+          <p:cNvPicPr>
+            <a:picLocks noChangeAspect="1"/>
+          </p:cNvPicPr>
+          <p:nvPr/>
+        </p:nvPicPr>
+        <p:blipFill>
+          <a:blip r:embed="rId5"/>
+          <a:stretch>
+            <a:fillRect/>
+          </a:stretch>
+        </p:blipFill>
+        <p:spPr>
+          <a:xfrm>
+            <a:off x="3676650" y="3024187"/>
+            <a:ext cx="3905250" cy="476250"/>
+          </a:xfrm>
+          <a:prstGeom prst="rect">
+            <a:avLst/>
+          </a:prstGeom>
+        </p:spPr>
+      </p:pic>
+      <p:pic>
+        <p:nvPicPr>
+          <p:cNvPr id="15" name="Picture 14">
+            <a:extLst>
+              <a:ext uri="{FF2B5EF4-FFF2-40B4-BE49-F238E27FC236}">
+                <a16:creationId xmlns:a16="http://schemas.microsoft.com/office/drawing/2014/main" id="{D326D182-A716-4804-B891-5DEEEBB9008C}"/>
+              </a:ext>
+            </a:extLst>
+          </p:cNvPr>
+          <p:cNvPicPr>
+            <a:picLocks noChangeAspect="1"/>
+          </p:cNvPicPr>
+          <p:nvPr/>
+        </p:nvPicPr>
+        <p:blipFill>
+          <a:blip r:embed="rId6"/>
+          <a:stretch>
+            <a:fillRect/>
+          </a:stretch>
+        </p:blipFill>
+        <p:spPr>
+          <a:xfrm>
+            <a:off x="3667125" y="3681412"/>
+            <a:ext cx="3629025" cy="2924175"/>
+          </a:xfrm>
+          <a:prstGeom prst="rect">
+            <a:avLst/>
+          </a:prstGeom>
+        </p:spPr>
+      </p:pic>
+      <p:pic>
+        <p:nvPicPr>
+          <p:cNvPr id="16" name="Picture 15">
+            <a:extLst>
+              <a:ext uri="{FF2B5EF4-FFF2-40B4-BE49-F238E27FC236}">
+                <a16:creationId xmlns:a16="http://schemas.microsoft.com/office/drawing/2014/main" id="{54681205-E7BA-4449-9DE2-7DA6A66FE166}"/>
+              </a:ext>
+            </a:extLst>
+          </p:cNvPr>
+          <p:cNvPicPr>
+            <a:picLocks noChangeAspect="1"/>
+          </p:cNvPicPr>
+          <p:nvPr/>
+        </p:nvPicPr>
+        <p:blipFill>
+          <a:blip r:embed="rId7"/>
+          <a:stretch>
+            <a:fillRect/>
+          </a:stretch>
+        </p:blipFill>
+        <p:spPr>
+          <a:xfrm>
+            <a:off x="3667125" y="4275174"/>
+            <a:ext cx="3733800" cy="628650"/>
+          </a:xfrm>
+          <a:prstGeom prst="rect">
+            <a:avLst/>
+          </a:prstGeom>
+        </p:spPr>
+      </p:pic>
+      <p:pic>
+        <p:nvPicPr>
+          <p:cNvPr id="17" name="Picture 16">
+            <a:extLst>
+              <a:ext uri="{FF2B5EF4-FFF2-40B4-BE49-F238E27FC236}">
+                <a16:creationId xmlns:a16="http://schemas.microsoft.com/office/drawing/2014/main" id="{6A761B56-4698-40C6-9C6F-049F13A7A4EE}"/>
+              </a:ext>
+            </a:extLst>
+          </p:cNvPr>
+          <p:cNvPicPr>
+            <a:picLocks noChangeAspect="1"/>
+          </p:cNvPicPr>
+          <p:nvPr/>
+        </p:nvPicPr>
+        <p:blipFill>
+          <a:blip r:embed="rId8"/>
+          <a:stretch>
+            <a:fillRect/>
+          </a:stretch>
+        </p:blipFill>
+        <p:spPr>
+          <a:xfrm>
+            <a:off x="3676650" y="5143500"/>
+            <a:ext cx="4381500" cy="476250"/>
+          </a:xfrm>
+          <a:prstGeom prst="rect">
+            <a:avLst/>
+          </a:prstGeom>
+        </p:spPr>
+      </p:pic>
+      <p:pic>
+        <p:nvPicPr>
+          <p:cNvPr id="18" name="Picture 17">
+            <a:extLst>
+              <a:ext uri="{FF2B5EF4-FFF2-40B4-BE49-F238E27FC236}">
+                <a16:creationId xmlns:a16="http://schemas.microsoft.com/office/drawing/2014/main" id="{F4E119D9-4086-42E2-A2FF-DCD82AC6FDC4}"/>
+              </a:ext>
+            </a:extLst>
+          </p:cNvPr>
+          <p:cNvPicPr>
+            <a:picLocks noChangeAspect="1"/>
+          </p:cNvPicPr>
+          <p:nvPr/>
+        </p:nvPicPr>
+        <p:blipFill>
+          <a:blip r:embed="rId9"/>
+          <a:stretch>
+            <a:fillRect/>
+          </a:stretch>
+        </p:blipFill>
+        <p:spPr>
+          <a:xfrm>
+            <a:off x="3676650" y="5859005"/>
+            <a:ext cx="4810125" cy="600075"/>
+          </a:xfrm>
+          <a:prstGeom prst="rect">
+            <a:avLst/>
+          </a:prstGeom>
+        </p:spPr>
+      </p:pic>
     </p:spTree>
     <p:extLst>
       <p:ext uri="{BB962C8B-B14F-4D97-AF65-F5344CB8AC3E}">
-        <p14:creationId xmlns:p14="http://schemas.microsoft.com/office/powerpoint/2010/main" val="2292523653"/>
+        <p14:creationId xmlns:p14="http://schemas.microsoft.com/office/powerpoint/2010/main" val="3200100021"/>
       </p:ext>
     </p:extLst>
   </p:cSld>
   <p:clrMapOvr>
     <a:masterClrMapping/>
   </p:clrMapOvr>
+  <p:timing>
+    <p:tnLst>
+      <p:par>
+        <p:cTn id="1" dur="indefinite" restart="never" nodeType="tmRoot">
+          <p:childTnLst>
+            <p:seq concurrent="1" nextAc="seek">
+              <p:cTn id="2" dur="indefinite" nodeType="mainSeq">
+                <p:childTnLst>
+                  <p:par>
+                    <p:cTn id="3" fill="hold">
+                      <p:stCondLst>
+                        <p:cond delay="indefinite"/>
+                      </p:stCondLst>
+                      <p:childTnLst>
+                        <p:par>
+                          <p:cTn id="4" fill="hold">
+                            <p:stCondLst>
+                              <p:cond delay="0"/>
+                            </p:stCondLst>
+                            <p:childTnLst>
+                              <p:par>
+                                <p:cTn id="5" presetID="10" presetClass="entr" presetSubtype="0" fill="hold" grpId="0" nodeType="clickEffect">
+                                  <p:stCondLst>
+                                    <p:cond delay="0"/>
+                                  </p:stCondLst>
+                                  <p:childTnLst>
+                                    <p:set>
+                                      <p:cBhvr>
+                                        <p:cTn id="6" dur="1" fill="hold">
+                                          <p:stCondLst>
+                                            <p:cond delay="0"/>
+                                          </p:stCondLst>
+                                        </p:cTn>
+                                        <p:tgtEl>
+                                          <p:spTgt spid="5"/>
+                                        </p:tgtEl>
+                                        <p:attrNameLst>
+                                          <p:attrName>style.visibility</p:attrName>
+                                        </p:attrNameLst>
+                                      </p:cBhvr>
+                                      <p:to>
+                                        <p:strVal val="visible"/>
+                                      </p:to>
+                                    </p:set>
+                                    <p:animEffect transition="in" filter="fade">
+                                      <p:cBhvr>
+                                        <p:cTn id="7" dur="500"/>
+                                        <p:tgtEl>
+                                          <p:spTgt spid="5"/>
+                                        </p:tgtEl>
+                                      </p:cBhvr>
+                                    </p:animEffect>
+                                  </p:childTnLst>
+                                </p:cTn>
+                              </p:par>
+                              <p:par>
+                                <p:cTn id="8" presetID="10" presetClass="entr" presetSubtype="0" fill="hold" nodeType="withEffect">
+                                  <p:stCondLst>
+                                    <p:cond delay="0"/>
+                                  </p:stCondLst>
+                                  <p:childTnLst>
+                                    <p:set>
+                                      <p:cBhvr>
+                                        <p:cTn id="9" dur="1" fill="hold">
+                                          <p:stCondLst>
+                                            <p:cond delay="0"/>
+                                          </p:stCondLst>
+                                        </p:cTn>
+                                        <p:tgtEl>
+                                          <p:spTgt spid="12"/>
+                                        </p:tgtEl>
+                                        <p:attrNameLst>
+                                          <p:attrName>style.visibility</p:attrName>
+                                        </p:attrNameLst>
+                                      </p:cBhvr>
+                                      <p:to>
+                                        <p:strVal val="visible"/>
+                                      </p:to>
+                                    </p:set>
+                                    <p:animEffect transition="in" filter="fade">
+                                      <p:cBhvr>
+                                        <p:cTn id="10" dur="500"/>
+                                        <p:tgtEl>
+                                          <p:spTgt spid="12"/>
+                                        </p:tgtEl>
+                                      </p:cBhvr>
+                                    </p:animEffect>
+                                  </p:childTnLst>
+                                </p:cTn>
+                              </p:par>
+                            </p:childTnLst>
+                          </p:cTn>
+                        </p:par>
+                      </p:childTnLst>
+                    </p:cTn>
+                  </p:par>
+                  <p:par>
+                    <p:cTn id="11" fill="hold">
+                      <p:stCondLst>
+                        <p:cond delay="indefinite"/>
+                      </p:stCondLst>
+                      <p:childTnLst>
+                        <p:par>
+                          <p:cTn id="12" fill="hold">
+                            <p:stCondLst>
+                              <p:cond delay="0"/>
+                            </p:stCondLst>
+                            <p:childTnLst>
+                              <p:par>
+                                <p:cTn id="13" presetID="10" presetClass="exit" presetSubtype="0" fill="hold" grpId="1" nodeType="clickEffect">
+                                  <p:stCondLst>
+                                    <p:cond delay="0"/>
+                                  </p:stCondLst>
+                                  <p:childTnLst>
+                                    <p:animEffect transition="out" filter="fade">
+                                      <p:cBhvr>
+                                        <p:cTn id="14" dur="500"/>
+                                        <p:tgtEl>
+                                          <p:spTgt spid="5"/>
+                                        </p:tgtEl>
+                                      </p:cBhvr>
+                                    </p:animEffect>
+                                    <p:set>
+                                      <p:cBhvr>
+                                        <p:cTn id="15" dur="1" fill="hold">
+                                          <p:stCondLst>
+                                            <p:cond delay="499"/>
+                                          </p:stCondLst>
+                                        </p:cTn>
+                                        <p:tgtEl>
+                                          <p:spTgt spid="5"/>
+                                        </p:tgtEl>
+                                        <p:attrNameLst>
+                                          <p:attrName>style.visibility</p:attrName>
+                                        </p:attrNameLst>
+                                      </p:cBhvr>
+                                      <p:to>
+                                        <p:strVal val="hidden"/>
+                                      </p:to>
+                                    </p:set>
+                                  </p:childTnLst>
+                                </p:cTn>
+                              </p:par>
+                              <p:par>
+                                <p:cTn id="16" presetID="10" presetClass="exit" presetSubtype="0" fill="hold" nodeType="withEffect">
+                                  <p:stCondLst>
+                                    <p:cond delay="0"/>
+                                  </p:stCondLst>
+                                  <p:childTnLst>
+                                    <p:animEffect transition="out" filter="fade">
+                                      <p:cBhvr>
+                                        <p:cTn id="17" dur="500"/>
+                                        <p:tgtEl>
+                                          <p:spTgt spid="12"/>
+                                        </p:tgtEl>
+                                      </p:cBhvr>
+                                    </p:animEffect>
+                                    <p:set>
+                                      <p:cBhvr>
+                                        <p:cTn id="18" dur="1" fill="hold">
+                                          <p:stCondLst>
+                                            <p:cond delay="499"/>
+                                          </p:stCondLst>
+                                        </p:cTn>
+                                        <p:tgtEl>
+                                          <p:spTgt spid="12"/>
+                                        </p:tgtEl>
+                                        <p:attrNameLst>
+                                          <p:attrName>style.visibility</p:attrName>
+                                        </p:attrNameLst>
+                                      </p:cBhvr>
+                                      <p:to>
+                                        <p:strVal val="hidden"/>
+                                      </p:to>
+                                    </p:set>
+                                  </p:childTnLst>
+                                </p:cTn>
+                              </p:par>
+                            </p:childTnLst>
+                          </p:cTn>
+                        </p:par>
+                        <p:par>
+                          <p:cTn id="19" fill="hold">
+                            <p:stCondLst>
+                              <p:cond delay="500"/>
+                            </p:stCondLst>
+                            <p:childTnLst>
+                              <p:par>
+                                <p:cTn id="20" presetID="10" presetClass="entr" presetSubtype="0" fill="hold" grpId="0" nodeType="afterEffect">
+                                  <p:stCondLst>
+                                    <p:cond delay="0"/>
+                                  </p:stCondLst>
+                                  <p:childTnLst>
+                                    <p:set>
+                                      <p:cBhvr>
+                                        <p:cTn id="21" dur="1" fill="hold">
+                                          <p:stCondLst>
+                                            <p:cond delay="0"/>
+                                          </p:stCondLst>
+                                        </p:cTn>
+                                        <p:tgtEl>
+                                          <p:spTgt spid="6"/>
+                                        </p:tgtEl>
+                                        <p:attrNameLst>
+                                          <p:attrName>style.visibility</p:attrName>
+                                        </p:attrNameLst>
+                                      </p:cBhvr>
+                                      <p:to>
+                                        <p:strVal val="visible"/>
+                                      </p:to>
+                                    </p:set>
+                                    <p:animEffect transition="in" filter="fade">
+                                      <p:cBhvr>
+                                        <p:cTn id="22" dur="500"/>
+                                        <p:tgtEl>
+                                          <p:spTgt spid="6"/>
+                                        </p:tgtEl>
+                                      </p:cBhvr>
+                                    </p:animEffect>
+                                  </p:childTnLst>
+                                </p:cTn>
+                              </p:par>
+                              <p:par>
+                                <p:cTn id="23" presetID="10" presetClass="entr" presetSubtype="0" fill="hold" nodeType="withEffect">
+                                  <p:stCondLst>
+                                    <p:cond delay="0"/>
+                                  </p:stCondLst>
+                                  <p:childTnLst>
+                                    <p:set>
+                                      <p:cBhvr>
+                                        <p:cTn id="24" dur="1" fill="hold">
+                                          <p:stCondLst>
+                                            <p:cond delay="0"/>
+                                          </p:stCondLst>
+                                        </p:cTn>
+                                        <p:tgtEl>
+                                          <p:spTgt spid="13"/>
+                                        </p:tgtEl>
+                                        <p:attrNameLst>
+                                          <p:attrName>style.visibility</p:attrName>
+                                        </p:attrNameLst>
+                                      </p:cBhvr>
+                                      <p:to>
+                                        <p:strVal val="visible"/>
+                                      </p:to>
+                                    </p:set>
+                                    <p:animEffect transition="in" filter="fade">
+                                      <p:cBhvr>
+                                        <p:cTn id="25" dur="500"/>
+                                        <p:tgtEl>
+                                          <p:spTgt spid="13"/>
+                                        </p:tgtEl>
+                                      </p:cBhvr>
+                                    </p:animEffect>
+                                  </p:childTnLst>
+                                </p:cTn>
+                              </p:par>
+                            </p:childTnLst>
+                          </p:cTn>
+                        </p:par>
+                      </p:childTnLst>
+                    </p:cTn>
+                  </p:par>
+                  <p:par>
+                    <p:cTn id="26" fill="hold">
+                      <p:stCondLst>
+                        <p:cond delay="indefinite"/>
+                      </p:stCondLst>
+                      <p:childTnLst>
+                        <p:par>
+                          <p:cTn id="27" fill="hold">
+                            <p:stCondLst>
+                              <p:cond delay="0"/>
+                            </p:stCondLst>
+                            <p:childTnLst>
+                              <p:par>
+                                <p:cTn id="28" presetID="10" presetClass="exit" presetSubtype="0" fill="hold" grpId="1" nodeType="clickEffect">
+                                  <p:stCondLst>
+                                    <p:cond delay="0"/>
+                                  </p:stCondLst>
+                                  <p:childTnLst>
+                                    <p:animEffect transition="out" filter="fade">
+                                      <p:cBhvr>
+                                        <p:cTn id="29" dur="500"/>
+                                        <p:tgtEl>
+                                          <p:spTgt spid="6"/>
+                                        </p:tgtEl>
+                                      </p:cBhvr>
+                                    </p:animEffect>
+                                    <p:set>
+                                      <p:cBhvr>
+                                        <p:cTn id="30" dur="1" fill="hold">
+                                          <p:stCondLst>
+                                            <p:cond delay="499"/>
+                                          </p:stCondLst>
+                                        </p:cTn>
+                                        <p:tgtEl>
+                                          <p:spTgt spid="6"/>
+                                        </p:tgtEl>
+                                        <p:attrNameLst>
+                                          <p:attrName>style.visibility</p:attrName>
+                                        </p:attrNameLst>
+                                      </p:cBhvr>
+                                      <p:to>
+                                        <p:strVal val="hidden"/>
+                                      </p:to>
+                                    </p:set>
+                                  </p:childTnLst>
+                                </p:cTn>
+                              </p:par>
+                              <p:par>
+                                <p:cTn id="31" presetID="10" presetClass="exit" presetSubtype="0" fill="hold" nodeType="withEffect">
+                                  <p:stCondLst>
+                                    <p:cond delay="0"/>
+                                  </p:stCondLst>
+                                  <p:childTnLst>
+                                    <p:animEffect transition="out" filter="fade">
+                                      <p:cBhvr>
+                                        <p:cTn id="32" dur="500"/>
+                                        <p:tgtEl>
+                                          <p:spTgt spid="13"/>
+                                        </p:tgtEl>
+                                      </p:cBhvr>
+                                    </p:animEffect>
+                                    <p:set>
+                                      <p:cBhvr>
+                                        <p:cTn id="33" dur="1" fill="hold">
+                                          <p:stCondLst>
+                                            <p:cond delay="499"/>
+                                          </p:stCondLst>
+                                        </p:cTn>
+                                        <p:tgtEl>
+                                          <p:spTgt spid="13"/>
+                                        </p:tgtEl>
+                                        <p:attrNameLst>
+                                          <p:attrName>style.visibility</p:attrName>
+                                        </p:attrNameLst>
+                                      </p:cBhvr>
+                                      <p:to>
+                                        <p:strVal val="hidden"/>
+                                      </p:to>
+                                    </p:set>
+                                  </p:childTnLst>
+                                </p:cTn>
+                              </p:par>
+                            </p:childTnLst>
+                          </p:cTn>
+                        </p:par>
+                        <p:par>
+                          <p:cTn id="34" fill="hold">
+                            <p:stCondLst>
+                              <p:cond delay="500"/>
+                            </p:stCondLst>
+                            <p:childTnLst>
+                              <p:par>
+                                <p:cTn id="35" presetID="10" presetClass="entr" presetSubtype="0" fill="hold" grpId="0" nodeType="afterEffect">
+                                  <p:stCondLst>
+                                    <p:cond delay="0"/>
+                                  </p:stCondLst>
+                                  <p:childTnLst>
+                                    <p:set>
+                                      <p:cBhvr>
+                                        <p:cTn id="36" dur="1" fill="hold">
+                                          <p:stCondLst>
+                                            <p:cond delay="0"/>
+                                          </p:stCondLst>
+                                        </p:cTn>
+                                        <p:tgtEl>
+                                          <p:spTgt spid="7"/>
+                                        </p:tgtEl>
+                                        <p:attrNameLst>
+                                          <p:attrName>style.visibility</p:attrName>
+                                        </p:attrNameLst>
+                                      </p:cBhvr>
+                                      <p:to>
+                                        <p:strVal val="visible"/>
+                                      </p:to>
+                                    </p:set>
+                                    <p:animEffect transition="in" filter="fade">
+                                      <p:cBhvr>
+                                        <p:cTn id="37" dur="500"/>
+                                        <p:tgtEl>
+                                          <p:spTgt spid="7"/>
+                                        </p:tgtEl>
+                                      </p:cBhvr>
+                                    </p:animEffect>
+                                  </p:childTnLst>
+                                </p:cTn>
+                              </p:par>
+                              <p:par>
+                                <p:cTn id="38" presetID="10" presetClass="entr" presetSubtype="0" fill="hold" nodeType="withEffect">
+                                  <p:stCondLst>
+                                    <p:cond delay="0"/>
+                                  </p:stCondLst>
+                                  <p:childTnLst>
+                                    <p:set>
+                                      <p:cBhvr>
+                                        <p:cTn id="39" dur="1" fill="hold">
+                                          <p:stCondLst>
+                                            <p:cond delay="0"/>
+                                          </p:stCondLst>
+                                        </p:cTn>
+                                        <p:tgtEl>
+                                          <p:spTgt spid="14"/>
+                                        </p:tgtEl>
+                                        <p:attrNameLst>
+                                          <p:attrName>style.visibility</p:attrName>
+                                        </p:attrNameLst>
+                                      </p:cBhvr>
+                                      <p:to>
+                                        <p:strVal val="visible"/>
+                                      </p:to>
+                                    </p:set>
+                                    <p:animEffect transition="in" filter="fade">
+                                      <p:cBhvr>
+                                        <p:cTn id="40" dur="500"/>
+                                        <p:tgtEl>
+                                          <p:spTgt spid="14"/>
+                                        </p:tgtEl>
+                                      </p:cBhvr>
+                                    </p:animEffect>
+                                  </p:childTnLst>
+                                </p:cTn>
+                              </p:par>
+                            </p:childTnLst>
+                          </p:cTn>
+                        </p:par>
+                      </p:childTnLst>
+                    </p:cTn>
+                  </p:par>
+                  <p:par>
+                    <p:cTn id="41" fill="hold">
+                      <p:stCondLst>
+                        <p:cond delay="indefinite"/>
+                      </p:stCondLst>
+                      <p:childTnLst>
+                        <p:par>
+                          <p:cTn id="42" fill="hold">
+                            <p:stCondLst>
+                              <p:cond delay="0"/>
+                            </p:stCondLst>
+                            <p:childTnLst>
+                              <p:par>
+                                <p:cTn id="43" presetID="10" presetClass="exit" presetSubtype="0" fill="hold" grpId="1" nodeType="clickEffect">
+                                  <p:stCondLst>
+                                    <p:cond delay="0"/>
+                                  </p:stCondLst>
+                                  <p:childTnLst>
+                                    <p:animEffect transition="out" filter="fade">
+                                      <p:cBhvr>
+                                        <p:cTn id="44" dur="500"/>
+                                        <p:tgtEl>
+                                          <p:spTgt spid="7"/>
+                                        </p:tgtEl>
+                                      </p:cBhvr>
+                                    </p:animEffect>
+                                    <p:set>
+                                      <p:cBhvr>
+                                        <p:cTn id="45" dur="1" fill="hold">
+                                          <p:stCondLst>
+                                            <p:cond delay="499"/>
+                                          </p:stCondLst>
+                                        </p:cTn>
+                                        <p:tgtEl>
+                                          <p:spTgt spid="7"/>
+                                        </p:tgtEl>
+                                        <p:attrNameLst>
+                                          <p:attrName>style.visibility</p:attrName>
+                                        </p:attrNameLst>
+                                      </p:cBhvr>
+                                      <p:to>
+                                        <p:strVal val="hidden"/>
+                                      </p:to>
+                                    </p:set>
+                                  </p:childTnLst>
+                                </p:cTn>
+                              </p:par>
+                              <p:par>
+                                <p:cTn id="46" presetID="10" presetClass="exit" presetSubtype="0" fill="hold" nodeType="withEffect">
+                                  <p:stCondLst>
+                                    <p:cond delay="0"/>
+                                  </p:stCondLst>
+                                  <p:childTnLst>
+                                    <p:animEffect transition="out" filter="fade">
+                                      <p:cBhvr>
+                                        <p:cTn id="47" dur="500"/>
+                                        <p:tgtEl>
+                                          <p:spTgt spid="14"/>
+                                        </p:tgtEl>
+                                      </p:cBhvr>
+                                    </p:animEffect>
+                                    <p:set>
+                                      <p:cBhvr>
+                                        <p:cTn id="48" dur="1" fill="hold">
+                                          <p:stCondLst>
+                                            <p:cond delay="499"/>
+                                          </p:stCondLst>
+                                        </p:cTn>
+                                        <p:tgtEl>
+                                          <p:spTgt spid="14"/>
+                                        </p:tgtEl>
+                                        <p:attrNameLst>
+                                          <p:attrName>style.visibility</p:attrName>
+                                        </p:attrNameLst>
+                                      </p:cBhvr>
+                                      <p:to>
+                                        <p:strVal val="hidden"/>
+                                      </p:to>
+                                    </p:set>
+                                  </p:childTnLst>
+                                </p:cTn>
+                              </p:par>
+                            </p:childTnLst>
+                          </p:cTn>
+                        </p:par>
+                        <p:par>
+                          <p:cTn id="49" fill="hold">
+                            <p:stCondLst>
+                              <p:cond delay="500"/>
+                            </p:stCondLst>
+                            <p:childTnLst>
+                              <p:par>
+                                <p:cTn id="50" presetID="10" presetClass="entr" presetSubtype="0" fill="hold" grpId="0" nodeType="afterEffect">
+                                  <p:stCondLst>
+                                    <p:cond delay="0"/>
+                                  </p:stCondLst>
+                                  <p:childTnLst>
+                                    <p:set>
+                                      <p:cBhvr>
+                                        <p:cTn id="51" dur="1" fill="hold">
+                                          <p:stCondLst>
+                                            <p:cond delay="0"/>
+                                          </p:stCondLst>
+                                        </p:cTn>
+                                        <p:tgtEl>
+                                          <p:spTgt spid="8"/>
+                                        </p:tgtEl>
+                                        <p:attrNameLst>
+                                          <p:attrName>style.visibility</p:attrName>
+                                        </p:attrNameLst>
+                                      </p:cBhvr>
+                                      <p:to>
+                                        <p:strVal val="visible"/>
+                                      </p:to>
+                                    </p:set>
+                                    <p:animEffect transition="in" filter="fade">
+                                      <p:cBhvr>
+                                        <p:cTn id="52" dur="500"/>
+                                        <p:tgtEl>
+                                          <p:spTgt spid="8"/>
+                                        </p:tgtEl>
+                                      </p:cBhvr>
+                                    </p:animEffect>
+                                  </p:childTnLst>
+                                </p:cTn>
+                              </p:par>
+                              <p:par>
+                                <p:cTn id="53" presetID="10" presetClass="entr" presetSubtype="0" fill="hold" nodeType="withEffect">
+                                  <p:stCondLst>
+                                    <p:cond delay="0"/>
+                                  </p:stCondLst>
+                                  <p:childTnLst>
+                                    <p:set>
+                                      <p:cBhvr>
+                                        <p:cTn id="54" dur="1" fill="hold">
+                                          <p:stCondLst>
+                                            <p:cond delay="0"/>
+                                          </p:stCondLst>
+                                        </p:cTn>
+                                        <p:tgtEl>
+                                          <p:spTgt spid="15"/>
+                                        </p:tgtEl>
+                                        <p:attrNameLst>
+                                          <p:attrName>style.visibility</p:attrName>
+                                        </p:attrNameLst>
+                                      </p:cBhvr>
+                                      <p:to>
+                                        <p:strVal val="visible"/>
+                                      </p:to>
+                                    </p:set>
+                                    <p:animEffect transition="in" filter="fade">
+                                      <p:cBhvr>
+                                        <p:cTn id="55" dur="500"/>
+                                        <p:tgtEl>
+                                          <p:spTgt spid="15"/>
+                                        </p:tgtEl>
+                                      </p:cBhvr>
+                                    </p:animEffect>
+                                  </p:childTnLst>
+                                </p:cTn>
+                              </p:par>
+                            </p:childTnLst>
+                          </p:cTn>
+                        </p:par>
+                      </p:childTnLst>
+                    </p:cTn>
+                  </p:par>
+                  <p:par>
+                    <p:cTn id="56" fill="hold">
+                      <p:stCondLst>
+                        <p:cond delay="indefinite"/>
+                      </p:stCondLst>
+                      <p:childTnLst>
+                        <p:par>
+                          <p:cTn id="57" fill="hold">
+                            <p:stCondLst>
+                              <p:cond delay="0"/>
+                            </p:stCondLst>
+                            <p:childTnLst>
+                              <p:par>
+                                <p:cTn id="58" presetID="10" presetClass="exit" presetSubtype="0" fill="hold" grpId="1" nodeType="clickEffect">
+                                  <p:stCondLst>
+                                    <p:cond delay="0"/>
+                                  </p:stCondLst>
+                                  <p:childTnLst>
+                                    <p:animEffect transition="out" filter="fade">
+                                      <p:cBhvr>
+                                        <p:cTn id="59" dur="500"/>
+                                        <p:tgtEl>
+                                          <p:spTgt spid="8"/>
+                                        </p:tgtEl>
+                                      </p:cBhvr>
+                                    </p:animEffect>
+                                    <p:set>
+                                      <p:cBhvr>
+                                        <p:cTn id="60" dur="1" fill="hold">
+                                          <p:stCondLst>
+                                            <p:cond delay="499"/>
+                                          </p:stCondLst>
+                                        </p:cTn>
+                                        <p:tgtEl>
+                                          <p:spTgt spid="8"/>
+                                        </p:tgtEl>
+                                        <p:attrNameLst>
+                                          <p:attrName>style.visibility</p:attrName>
+                                        </p:attrNameLst>
+                                      </p:cBhvr>
+                                      <p:to>
+                                        <p:strVal val="hidden"/>
+                                      </p:to>
+                                    </p:set>
+                                  </p:childTnLst>
+                                </p:cTn>
+                              </p:par>
+                              <p:par>
+                                <p:cTn id="61" presetID="10" presetClass="exit" presetSubtype="0" fill="hold" nodeType="withEffect">
+                                  <p:stCondLst>
+                                    <p:cond delay="0"/>
+                                  </p:stCondLst>
+                                  <p:childTnLst>
+                                    <p:animEffect transition="out" filter="fade">
+                                      <p:cBhvr>
+                                        <p:cTn id="62" dur="500"/>
+                                        <p:tgtEl>
+                                          <p:spTgt spid="15"/>
+                                        </p:tgtEl>
+                                      </p:cBhvr>
+                                    </p:animEffect>
+                                    <p:set>
+                                      <p:cBhvr>
+                                        <p:cTn id="63" dur="1" fill="hold">
+                                          <p:stCondLst>
+                                            <p:cond delay="499"/>
+                                          </p:stCondLst>
+                                        </p:cTn>
+                                        <p:tgtEl>
+                                          <p:spTgt spid="15"/>
+                                        </p:tgtEl>
+                                        <p:attrNameLst>
+                                          <p:attrName>style.visibility</p:attrName>
+                                        </p:attrNameLst>
+                                      </p:cBhvr>
+                                      <p:to>
+                                        <p:strVal val="hidden"/>
+                                      </p:to>
+                                    </p:set>
+                                  </p:childTnLst>
+                                </p:cTn>
+                              </p:par>
+                            </p:childTnLst>
+                          </p:cTn>
+                        </p:par>
+                        <p:par>
+                          <p:cTn id="64" fill="hold">
+                            <p:stCondLst>
+                              <p:cond delay="500"/>
+                            </p:stCondLst>
+                            <p:childTnLst>
+                              <p:par>
+                                <p:cTn id="65" presetID="10" presetClass="entr" presetSubtype="0" fill="hold" grpId="0" nodeType="afterEffect">
+                                  <p:stCondLst>
+                                    <p:cond delay="0"/>
+                                  </p:stCondLst>
+                                  <p:childTnLst>
+                                    <p:set>
+                                      <p:cBhvr>
+                                        <p:cTn id="66" dur="1" fill="hold">
+                                          <p:stCondLst>
+                                            <p:cond delay="0"/>
+                                          </p:stCondLst>
+                                        </p:cTn>
+                                        <p:tgtEl>
+                                          <p:spTgt spid="9"/>
+                                        </p:tgtEl>
+                                        <p:attrNameLst>
+                                          <p:attrName>style.visibility</p:attrName>
+                                        </p:attrNameLst>
+                                      </p:cBhvr>
+                                      <p:to>
+                                        <p:strVal val="visible"/>
+                                      </p:to>
+                                    </p:set>
+                                    <p:animEffect transition="in" filter="fade">
+                                      <p:cBhvr>
+                                        <p:cTn id="67" dur="500"/>
+                                        <p:tgtEl>
+                                          <p:spTgt spid="9"/>
+                                        </p:tgtEl>
+                                      </p:cBhvr>
+                                    </p:animEffect>
+                                  </p:childTnLst>
+                                </p:cTn>
+                              </p:par>
+                              <p:par>
+                                <p:cTn id="68" presetID="10" presetClass="entr" presetSubtype="0" fill="hold" nodeType="withEffect">
+                                  <p:stCondLst>
+                                    <p:cond delay="0"/>
+                                  </p:stCondLst>
+                                  <p:childTnLst>
+                                    <p:set>
+                                      <p:cBhvr>
+                                        <p:cTn id="69" dur="1" fill="hold">
+                                          <p:stCondLst>
+                                            <p:cond delay="0"/>
+                                          </p:stCondLst>
+                                        </p:cTn>
+                                        <p:tgtEl>
+                                          <p:spTgt spid="16"/>
+                                        </p:tgtEl>
+                                        <p:attrNameLst>
+                                          <p:attrName>style.visibility</p:attrName>
+                                        </p:attrNameLst>
+                                      </p:cBhvr>
+                                      <p:to>
+                                        <p:strVal val="visible"/>
+                                      </p:to>
+                                    </p:set>
+                                    <p:animEffect transition="in" filter="fade">
+                                      <p:cBhvr>
+                                        <p:cTn id="70" dur="500"/>
+                                        <p:tgtEl>
+                                          <p:spTgt spid="16"/>
+                                        </p:tgtEl>
+                                      </p:cBhvr>
+                                    </p:animEffect>
+                                  </p:childTnLst>
+                                </p:cTn>
+                              </p:par>
+                            </p:childTnLst>
+                          </p:cTn>
+                        </p:par>
+                      </p:childTnLst>
+                    </p:cTn>
+                  </p:par>
+                  <p:par>
+                    <p:cTn id="71" fill="hold">
+                      <p:stCondLst>
+                        <p:cond delay="indefinite"/>
+                      </p:stCondLst>
+                      <p:childTnLst>
+                        <p:par>
+                          <p:cTn id="72" fill="hold">
+                            <p:stCondLst>
+                              <p:cond delay="0"/>
+                            </p:stCondLst>
+                            <p:childTnLst>
+                              <p:par>
+                                <p:cTn id="73" presetID="10" presetClass="exit" presetSubtype="0" fill="hold" grpId="1" nodeType="clickEffect">
+                                  <p:stCondLst>
+                                    <p:cond delay="0"/>
+                                  </p:stCondLst>
+                                  <p:childTnLst>
+                                    <p:animEffect transition="out" filter="fade">
+                                      <p:cBhvr>
+                                        <p:cTn id="74" dur="500"/>
+                                        <p:tgtEl>
+                                          <p:spTgt spid="9"/>
+                                        </p:tgtEl>
+                                      </p:cBhvr>
+                                    </p:animEffect>
+                                    <p:set>
+                                      <p:cBhvr>
+                                        <p:cTn id="75" dur="1" fill="hold">
+                                          <p:stCondLst>
+                                            <p:cond delay="499"/>
+                                          </p:stCondLst>
+                                        </p:cTn>
+                                        <p:tgtEl>
+                                          <p:spTgt spid="9"/>
+                                        </p:tgtEl>
+                                        <p:attrNameLst>
+                                          <p:attrName>style.visibility</p:attrName>
+                                        </p:attrNameLst>
+                                      </p:cBhvr>
+                                      <p:to>
+                                        <p:strVal val="hidden"/>
+                                      </p:to>
+                                    </p:set>
+                                  </p:childTnLst>
+                                </p:cTn>
+                              </p:par>
+                              <p:par>
+                                <p:cTn id="76" presetID="10" presetClass="exit" presetSubtype="0" fill="hold" nodeType="withEffect">
+                                  <p:stCondLst>
+                                    <p:cond delay="0"/>
+                                  </p:stCondLst>
+                                  <p:childTnLst>
+                                    <p:animEffect transition="out" filter="fade">
+                                      <p:cBhvr>
+                                        <p:cTn id="77" dur="500"/>
+                                        <p:tgtEl>
+                                          <p:spTgt spid="16"/>
+                                        </p:tgtEl>
+                                      </p:cBhvr>
+                                    </p:animEffect>
+                                    <p:set>
+                                      <p:cBhvr>
+                                        <p:cTn id="78" dur="1" fill="hold">
+                                          <p:stCondLst>
+                                            <p:cond delay="499"/>
+                                          </p:stCondLst>
+                                        </p:cTn>
+                                        <p:tgtEl>
+                                          <p:spTgt spid="16"/>
+                                        </p:tgtEl>
+                                        <p:attrNameLst>
+                                          <p:attrName>style.visibility</p:attrName>
+                                        </p:attrNameLst>
+                                      </p:cBhvr>
+                                      <p:to>
+                                        <p:strVal val="hidden"/>
+                                      </p:to>
+                                    </p:set>
+                                  </p:childTnLst>
+                                </p:cTn>
+                              </p:par>
+                            </p:childTnLst>
+                          </p:cTn>
+                        </p:par>
+                        <p:par>
+                          <p:cTn id="79" fill="hold">
+                            <p:stCondLst>
+                              <p:cond delay="500"/>
+                            </p:stCondLst>
+                            <p:childTnLst>
+                              <p:par>
+                                <p:cTn id="80" presetID="10" presetClass="entr" presetSubtype="0" fill="hold" grpId="0" nodeType="afterEffect">
+                                  <p:stCondLst>
+                                    <p:cond delay="0"/>
+                                  </p:stCondLst>
+                                  <p:childTnLst>
+                                    <p:set>
+                                      <p:cBhvr>
+                                        <p:cTn id="81" dur="1" fill="hold">
+                                          <p:stCondLst>
+                                            <p:cond delay="0"/>
+                                          </p:stCondLst>
+                                        </p:cTn>
+                                        <p:tgtEl>
+                                          <p:spTgt spid="10"/>
+                                        </p:tgtEl>
+                                        <p:attrNameLst>
+                                          <p:attrName>style.visibility</p:attrName>
+                                        </p:attrNameLst>
+                                      </p:cBhvr>
+                                      <p:to>
+                                        <p:strVal val="visible"/>
+                                      </p:to>
+                                    </p:set>
+                                    <p:animEffect transition="in" filter="fade">
+                                      <p:cBhvr>
+                                        <p:cTn id="82" dur="500"/>
+                                        <p:tgtEl>
+                                          <p:spTgt spid="10"/>
+                                        </p:tgtEl>
+                                      </p:cBhvr>
+                                    </p:animEffect>
+                                  </p:childTnLst>
+                                </p:cTn>
+                              </p:par>
+                              <p:par>
+                                <p:cTn id="83" presetID="10" presetClass="entr" presetSubtype="0" fill="hold" nodeType="withEffect">
+                                  <p:stCondLst>
+                                    <p:cond delay="0"/>
+                                  </p:stCondLst>
+                                  <p:childTnLst>
+                                    <p:set>
+                                      <p:cBhvr>
+                                        <p:cTn id="84" dur="1" fill="hold">
+                                          <p:stCondLst>
+                                            <p:cond delay="0"/>
+                                          </p:stCondLst>
+                                        </p:cTn>
+                                        <p:tgtEl>
+                                          <p:spTgt spid="17"/>
+                                        </p:tgtEl>
+                                        <p:attrNameLst>
+                                          <p:attrName>style.visibility</p:attrName>
+                                        </p:attrNameLst>
+                                      </p:cBhvr>
+                                      <p:to>
+                                        <p:strVal val="visible"/>
+                                      </p:to>
+                                    </p:set>
+                                    <p:animEffect transition="in" filter="fade">
+                                      <p:cBhvr>
+                                        <p:cTn id="85" dur="500"/>
+                                        <p:tgtEl>
+                                          <p:spTgt spid="17"/>
+                                        </p:tgtEl>
+                                      </p:cBhvr>
+                                    </p:animEffect>
+                                  </p:childTnLst>
+                                </p:cTn>
+                              </p:par>
+                            </p:childTnLst>
+                          </p:cTn>
+                        </p:par>
+                      </p:childTnLst>
+                    </p:cTn>
+                  </p:par>
+                  <p:par>
+                    <p:cTn id="86" fill="hold">
+                      <p:stCondLst>
+                        <p:cond delay="indefinite"/>
+                      </p:stCondLst>
+                      <p:childTnLst>
+                        <p:par>
+                          <p:cTn id="87" fill="hold">
+                            <p:stCondLst>
+                              <p:cond delay="0"/>
+                            </p:stCondLst>
+                            <p:childTnLst>
+                              <p:par>
+                                <p:cTn id="88" presetID="10" presetClass="exit" presetSubtype="0" fill="hold" grpId="1" nodeType="clickEffect">
+                                  <p:stCondLst>
+                                    <p:cond delay="0"/>
+                                  </p:stCondLst>
+                                  <p:childTnLst>
+                                    <p:animEffect transition="out" filter="fade">
+                                      <p:cBhvr>
+                                        <p:cTn id="89" dur="500"/>
+                                        <p:tgtEl>
+                                          <p:spTgt spid="10"/>
+                                        </p:tgtEl>
+                                      </p:cBhvr>
+                                    </p:animEffect>
+                                    <p:set>
+                                      <p:cBhvr>
+                                        <p:cTn id="90" dur="1" fill="hold">
+                                          <p:stCondLst>
+                                            <p:cond delay="499"/>
+                                          </p:stCondLst>
+                                        </p:cTn>
+                                        <p:tgtEl>
+                                          <p:spTgt spid="10"/>
+                                        </p:tgtEl>
+                                        <p:attrNameLst>
+                                          <p:attrName>style.visibility</p:attrName>
+                                        </p:attrNameLst>
+                                      </p:cBhvr>
+                                      <p:to>
+                                        <p:strVal val="hidden"/>
+                                      </p:to>
+                                    </p:set>
+                                  </p:childTnLst>
+                                </p:cTn>
+                              </p:par>
+                              <p:par>
+                                <p:cTn id="91" presetID="10" presetClass="exit" presetSubtype="0" fill="hold" nodeType="withEffect">
+                                  <p:stCondLst>
+                                    <p:cond delay="0"/>
+                                  </p:stCondLst>
+                                  <p:childTnLst>
+                                    <p:animEffect transition="out" filter="fade">
+                                      <p:cBhvr>
+                                        <p:cTn id="92" dur="500"/>
+                                        <p:tgtEl>
+                                          <p:spTgt spid="17"/>
+                                        </p:tgtEl>
+                                      </p:cBhvr>
+                                    </p:animEffect>
+                                    <p:set>
+                                      <p:cBhvr>
+                                        <p:cTn id="93" dur="1" fill="hold">
+                                          <p:stCondLst>
+                                            <p:cond delay="499"/>
+                                          </p:stCondLst>
+                                        </p:cTn>
+                                        <p:tgtEl>
+                                          <p:spTgt spid="17"/>
+                                        </p:tgtEl>
+                                        <p:attrNameLst>
+                                          <p:attrName>style.visibility</p:attrName>
+                                        </p:attrNameLst>
+                                      </p:cBhvr>
+                                      <p:to>
+                                        <p:strVal val="hidden"/>
+                                      </p:to>
+                                    </p:set>
+                                  </p:childTnLst>
+                                </p:cTn>
+                              </p:par>
+                            </p:childTnLst>
+                          </p:cTn>
+                        </p:par>
+                        <p:par>
+                          <p:cTn id="94" fill="hold">
+                            <p:stCondLst>
+                              <p:cond delay="500"/>
+                            </p:stCondLst>
+                            <p:childTnLst>
+                              <p:par>
+                                <p:cTn id="95" presetID="10" presetClass="entr" presetSubtype="0" fill="hold" grpId="0" nodeType="afterEffect">
+                                  <p:stCondLst>
+                                    <p:cond delay="0"/>
+                                  </p:stCondLst>
+                                  <p:childTnLst>
+                                    <p:set>
+                                      <p:cBhvr>
+                                        <p:cTn id="96" dur="1" fill="hold">
+                                          <p:stCondLst>
+                                            <p:cond delay="0"/>
+                                          </p:stCondLst>
+                                        </p:cTn>
+                                        <p:tgtEl>
+                                          <p:spTgt spid="11"/>
+                                        </p:tgtEl>
+                                        <p:attrNameLst>
+                                          <p:attrName>style.visibility</p:attrName>
+                                        </p:attrNameLst>
+                                      </p:cBhvr>
+                                      <p:to>
+                                        <p:strVal val="visible"/>
+                                      </p:to>
+                                    </p:set>
+                                    <p:animEffect transition="in" filter="fade">
+                                      <p:cBhvr>
+                                        <p:cTn id="97" dur="500"/>
+                                        <p:tgtEl>
+                                          <p:spTgt spid="11"/>
+                                        </p:tgtEl>
+                                      </p:cBhvr>
+                                    </p:animEffect>
+                                  </p:childTnLst>
+                                </p:cTn>
+                              </p:par>
+                              <p:par>
+                                <p:cTn id="98" presetID="10" presetClass="entr" presetSubtype="0" fill="hold" nodeType="withEffect">
+                                  <p:stCondLst>
+                                    <p:cond delay="0"/>
+                                  </p:stCondLst>
+                                  <p:childTnLst>
+                                    <p:set>
+                                      <p:cBhvr>
+                                        <p:cTn id="99" dur="1" fill="hold">
+                                          <p:stCondLst>
+                                            <p:cond delay="0"/>
+                                          </p:stCondLst>
+                                        </p:cTn>
+                                        <p:tgtEl>
+                                          <p:spTgt spid="18"/>
+                                        </p:tgtEl>
+                                        <p:attrNameLst>
+                                          <p:attrName>style.visibility</p:attrName>
+                                        </p:attrNameLst>
+                                      </p:cBhvr>
+                                      <p:to>
+                                        <p:strVal val="visible"/>
+                                      </p:to>
+                                    </p:set>
+                                    <p:animEffect transition="in" filter="fade">
+                                      <p:cBhvr>
+                                        <p:cTn id="100" dur="500"/>
+                                        <p:tgtEl>
+                                          <p:spTgt spid="18"/>
+                                        </p:tgtEl>
+                                      </p:cBhvr>
+                                    </p:animEffect>
+                                  </p:childTnLst>
+                                </p:cTn>
+                              </p:par>
+                            </p:childTnLst>
+                          </p:cTn>
+                        </p:par>
+                      </p:childTnLst>
+                    </p:cTn>
+                  </p:par>
+                  <p:par>
+                    <p:cTn id="101" fill="hold">
+                      <p:stCondLst>
+                        <p:cond delay="indefinite"/>
+                      </p:stCondLst>
+                      <p:childTnLst>
+                        <p:par>
+                          <p:cTn id="102" fill="hold">
+                            <p:stCondLst>
+                              <p:cond delay="0"/>
+                            </p:stCondLst>
+                            <p:childTnLst>
+                              <p:par>
+                                <p:cTn id="103" presetID="10" presetClass="exit" presetSubtype="0" fill="hold" grpId="1" nodeType="clickEffect">
+                                  <p:stCondLst>
+                                    <p:cond delay="0"/>
+                                  </p:stCondLst>
+                                  <p:childTnLst>
+                                    <p:animEffect transition="out" filter="fade">
+                                      <p:cBhvr>
+                                        <p:cTn id="104" dur="500"/>
+                                        <p:tgtEl>
+                                          <p:spTgt spid="11"/>
+                                        </p:tgtEl>
+                                      </p:cBhvr>
+                                    </p:animEffect>
+                                    <p:set>
+                                      <p:cBhvr>
+                                        <p:cTn id="105" dur="1" fill="hold">
+                                          <p:stCondLst>
+                                            <p:cond delay="499"/>
+                                          </p:stCondLst>
+                                        </p:cTn>
+                                        <p:tgtEl>
+                                          <p:spTgt spid="11"/>
+                                        </p:tgtEl>
+                                        <p:attrNameLst>
+                                          <p:attrName>style.visibility</p:attrName>
+                                        </p:attrNameLst>
+                                      </p:cBhvr>
+                                      <p:to>
+                                        <p:strVal val="hidden"/>
+                                      </p:to>
+                                    </p:set>
+                                  </p:childTnLst>
+                                </p:cTn>
+                              </p:par>
+                              <p:par>
+                                <p:cTn id="106" presetID="10" presetClass="exit" presetSubtype="0" fill="hold" nodeType="withEffect">
+                                  <p:stCondLst>
+                                    <p:cond delay="0"/>
+                                  </p:stCondLst>
+                                  <p:childTnLst>
+                                    <p:animEffect transition="out" filter="fade">
+                                      <p:cBhvr>
+                                        <p:cTn id="107" dur="500"/>
+                                        <p:tgtEl>
+                                          <p:spTgt spid="18"/>
+                                        </p:tgtEl>
+                                      </p:cBhvr>
+                                    </p:animEffect>
+                                    <p:set>
+                                      <p:cBhvr>
+                                        <p:cTn id="108" dur="1" fill="hold">
+                                          <p:stCondLst>
+                                            <p:cond delay="499"/>
+                                          </p:stCondLst>
+                                        </p:cTn>
+                                        <p:tgtEl>
+                                          <p:spTgt spid="18"/>
+                                        </p:tgtEl>
+                                        <p:attrNameLst>
+                                          <p:attrName>style.visibility</p:attrName>
+                                        </p:attrNameLst>
+                                      </p:cBhvr>
+                                      <p:to>
+                                        <p:strVal val="hidden"/>
+                                      </p:to>
+                                    </p:set>
+                                  </p:childTnLst>
+                                </p:cTn>
+                              </p:par>
+                            </p:childTnLst>
+                          </p:cTn>
+                        </p:par>
+                      </p:childTnLst>
+                    </p:cTn>
+                  </p:par>
+                </p:childTnLst>
+              </p:cTn>
+              <p:prevCondLst>
+                <p:cond evt="onPrev" delay="0">
+                  <p:tgtEl>
+                    <p:sldTgt/>
+                  </p:tgtEl>
+                </p:cond>
+              </p:prevCondLst>
+              <p:nextCondLst>
+                <p:cond evt="onNext" delay="0">
+                  <p:tgtEl>
+                    <p:sldTgt/>
+                  </p:tgtEl>
+                </p:cond>
+              </p:nextCondLst>
+            </p:seq>
+          </p:childTnLst>
+        </p:cTn>
+      </p:par>
+    </p:tnLst>
+    <p:bldLst>
+      <p:bldP spid="5" grpId="0" animBg="1"/>
+      <p:bldP spid="5" grpId="1" animBg="1"/>
+      <p:bldP spid="6" grpId="0" animBg="1"/>
+      <p:bldP spid="6" grpId="1" animBg="1"/>
+      <p:bldP spid="7" grpId="0" animBg="1"/>
+      <p:bldP spid="7" grpId="1" animBg="1"/>
+      <p:bldP spid="8" grpId="0" animBg="1"/>
+      <p:bldP spid="8" grpId="1" animBg="1"/>
+      <p:bldP spid="9" grpId="0" animBg="1"/>
+      <p:bldP spid="9" grpId="1" animBg="1"/>
+      <p:bldP spid="10" grpId="0" animBg="1"/>
+      <p:bldP spid="10" grpId="1" animBg="1"/>
+      <p:bldP spid="11" grpId="0" animBg="1"/>
+      <p:bldP spid="11" grpId="1" animBg="1"/>
+    </p:bldLst>
+  </p:timing>
 </p:sld>
 </file>
 
@@ -4742,16 +9897,1145 @@
           </a:p>
         </p:txBody>
       </p:sp>
+      <p:pic>
+        <p:nvPicPr>
+          <p:cNvPr id="3" name="Picture 2">
+            <a:extLst>
+              <a:ext uri="{FF2B5EF4-FFF2-40B4-BE49-F238E27FC236}">
+                <a16:creationId xmlns:a16="http://schemas.microsoft.com/office/drawing/2014/main" id="{8B953EE0-6700-4F84-BA25-47EBC2D86A87}"/>
+              </a:ext>
+            </a:extLst>
+          </p:cNvPr>
+          <p:cNvPicPr>
+            <a:picLocks noChangeAspect="1"/>
+          </p:cNvPicPr>
+          <p:nvPr/>
+        </p:nvPicPr>
+        <p:blipFill>
+          <a:blip r:embed="rId2"/>
+          <a:stretch>
+            <a:fillRect/>
+          </a:stretch>
+        </p:blipFill>
+        <p:spPr>
+          <a:xfrm>
+            <a:off x="1045122" y="2438400"/>
+            <a:ext cx="7053755" cy="1981200"/>
+          </a:xfrm>
+          <a:prstGeom prst="rect">
+            <a:avLst/>
+          </a:prstGeom>
+        </p:spPr>
+      </p:pic>
+      <p:pic>
+        <p:nvPicPr>
+          <p:cNvPr id="6" name="Picture 5">
+            <a:extLst>
+              <a:ext uri="{FF2B5EF4-FFF2-40B4-BE49-F238E27FC236}">
+                <a16:creationId xmlns:a16="http://schemas.microsoft.com/office/drawing/2014/main" id="{4F6B397A-9C5E-45EB-8691-A27109373922}"/>
+              </a:ext>
+            </a:extLst>
+          </p:cNvPr>
+          <p:cNvPicPr>
+            <a:picLocks noChangeAspect="1"/>
+          </p:cNvPicPr>
+          <p:nvPr/>
+        </p:nvPicPr>
+        <p:blipFill>
+          <a:blip r:embed="rId3"/>
+          <a:stretch>
+            <a:fillRect/>
+          </a:stretch>
+        </p:blipFill>
+        <p:spPr>
+          <a:xfrm>
+            <a:off x="669282" y="2409825"/>
+            <a:ext cx="7805433" cy="2819400"/>
+          </a:xfrm>
+          <a:prstGeom prst="rect">
+            <a:avLst/>
+          </a:prstGeom>
+        </p:spPr>
+      </p:pic>
+      <p:pic>
+        <p:nvPicPr>
+          <p:cNvPr id="7" name="Picture 6">
+            <a:extLst>
+              <a:ext uri="{FF2B5EF4-FFF2-40B4-BE49-F238E27FC236}">
+                <a16:creationId xmlns:a16="http://schemas.microsoft.com/office/drawing/2014/main" id="{D2689E49-EA2D-4069-9E7F-AD1BDCA49A30}"/>
+              </a:ext>
+            </a:extLst>
+          </p:cNvPr>
+          <p:cNvPicPr>
+            <a:picLocks noChangeAspect="1"/>
+          </p:cNvPicPr>
+          <p:nvPr/>
+        </p:nvPicPr>
+        <p:blipFill>
+          <a:blip r:embed="rId4"/>
+          <a:stretch>
+            <a:fillRect/>
+          </a:stretch>
+        </p:blipFill>
+        <p:spPr>
+          <a:xfrm>
+            <a:off x="756406" y="1143000"/>
+            <a:ext cx="7799839" cy="5334000"/>
+          </a:xfrm>
+          <a:prstGeom prst="rect">
+            <a:avLst/>
+          </a:prstGeom>
+        </p:spPr>
+      </p:pic>
+      <p:pic>
+        <p:nvPicPr>
+          <p:cNvPr id="8" name="Picture 7">
+            <a:extLst>
+              <a:ext uri="{FF2B5EF4-FFF2-40B4-BE49-F238E27FC236}">
+                <a16:creationId xmlns:a16="http://schemas.microsoft.com/office/drawing/2014/main" id="{99029D10-A779-425B-97F3-678E7AC75EE4}"/>
+              </a:ext>
+            </a:extLst>
+          </p:cNvPr>
+          <p:cNvPicPr>
+            <a:picLocks noChangeAspect="1"/>
+          </p:cNvPicPr>
+          <p:nvPr/>
+        </p:nvPicPr>
+        <p:blipFill>
+          <a:blip r:embed="rId5"/>
+          <a:stretch>
+            <a:fillRect/>
+          </a:stretch>
+        </p:blipFill>
+        <p:spPr>
+          <a:xfrm>
+            <a:off x="1371600" y="1447800"/>
+            <a:ext cx="6611750" cy="4883879"/>
+          </a:xfrm>
+          <a:prstGeom prst="rect">
+            <a:avLst/>
+          </a:prstGeom>
+        </p:spPr>
+      </p:pic>
+      <p:pic>
+        <p:nvPicPr>
+          <p:cNvPr id="9" name="Picture 8">
+            <a:extLst>
+              <a:ext uri="{FF2B5EF4-FFF2-40B4-BE49-F238E27FC236}">
+                <a16:creationId xmlns:a16="http://schemas.microsoft.com/office/drawing/2014/main" id="{D3277858-CF1C-4DCA-A6C5-8E5EE9858A90}"/>
+              </a:ext>
+            </a:extLst>
+          </p:cNvPr>
+          <p:cNvPicPr>
+            <a:picLocks noChangeAspect="1"/>
+          </p:cNvPicPr>
+          <p:nvPr/>
+        </p:nvPicPr>
+        <p:blipFill>
+          <a:blip r:embed="rId6"/>
+          <a:stretch>
+            <a:fillRect/>
+          </a:stretch>
+        </p:blipFill>
+        <p:spPr>
+          <a:xfrm>
+            <a:off x="1204565" y="2333625"/>
+            <a:ext cx="6894312" cy="2819399"/>
+          </a:xfrm>
+          <a:prstGeom prst="rect">
+            <a:avLst/>
+          </a:prstGeom>
+        </p:spPr>
+      </p:pic>
+      <p:pic>
+        <p:nvPicPr>
+          <p:cNvPr id="10" name="Picture 9">
+            <a:extLst>
+              <a:ext uri="{FF2B5EF4-FFF2-40B4-BE49-F238E27FC236}">
+                <a16:creationId xmlns:a16="http://schemas.microsoft.com/office/drawing/2014/main" id="{848A0CAB-5AA2-4B00-A41B-9871457BD012}"/>
+              </a:ext>
+            </a:extLst>
+          </p:cNvPr>
+          <p:cNvPicPr>
+            <a:picLocks noChangeAspect="1"/>
+          </p:cNvPicPr>
+          <p:nvPr/>
+        </p:nvPicPr>
+        <p:blipFill>
+          <a:blip r:embed="rId7"/>
+          <a:stretch>
+            <a:fillRect/>
+          </a:stretch>
+        </p:blipFill>
+        <p:spPr>
+          <a:xfrm>
+            <a:off x="422852" y="1771650"/>
+            <a:ext cx="8298296" cy="3943350"/>
+          </a:xfrm>
+          <a:prstGeom prst="rect">
+            <a:avLst/>
+          </a:prstGeom>
+        </p:spPr>
+      </p:pic>
+      <p:pic>
+        <p:nvPicPr>
+          <p:cNvPr id="11" name="Picture 10">
+            <a:extLst>
+              <a:ext uri="{FF2B5EF4-FFF2-40B4-BE49-F238E27FC236}">
+                <a16:creationId xmlns:a16="http://schemas.microsoft.com/office/drawing/2014/main" id="{00F1757E-4910-4490-B5D1-239AF1C32455}"/>
+              </a:ext>
+            </a:extLst>
+          </p:cNvPr>
+          <p:cNvPicPr>
+            <a:picLocks noChangeAspect="1"/>
+          </p:cNvPicPr>
+          <p:nvPr/>
+        </p:nvPicPr>
+        <p:blipFill>
+          <a:blip r:embed="rId8"/>
+          <a:stretch>
+            <a:fillRect/>
+          </a:stretch>
+        </p:blipFill>
+        <p:spPr>
+          <a:xfrm>
+            <a:off x="742859" y="2891930"/>
+            <a:ext cx="7658277" cy="1745521"/>
+          </a:xfrm>
+          <a:prstGeom prst="rect">
+            <a:avLst/>
+          </a:prstGeom>
+        </p:spPr>
+      </p:pic>
+      <p:pic>
+        <p:nvPicPr>
+          <p:cNvPr id="12" name="Picture 11">
+            <a:extLst>
+              <a:ext uri="{FF2B5EF4-FFF2-40B4-BE49-F238E27FC236}">
+                <a16:creationId xmlns:a16="http://schemas.microsoft.com/office/drawing/2014/main" id="{A9E290CB-4F44-40A9-892A-9D5E79545F50}"/>
+              </a:ext>
+            </a:extLst>
+          </p:cNvPr>
+          <p:cNvPicPr>
+            <a:picLocks noChangeAspect="1"/>
+          </p:cNvPicPr>
+          <p:nvPr/>
+        </p:nvPicPr>
+        <p:blipFill>
+          <a:blip r:embed="rId9"/>
+          <a:stretch>
+            <a:fillRect/>
+          </a:stretch>
+        </p:blipFill>
+        <p:spPr>
+          <a:xfrm>
+            <a:off x="1638297" y="1310585"/>
+            <a:ext cx="5867400" cy="5158307"/>
+          </a:xfrm>
+          <a:prstGeom prst="rect">
+            <a:avLst/>
+          </a:prstGeom>
+        </p:spPr>
+      </p:pic>
+      <p:pic>
+        <p:nvPicPr>
+          <p:cNvPr id="13" name="Picture 12">
+            <a:extLst>
+              <a:ext uri="{FF2B5EF4-FFF2-40B4-BE49-F238E27FC236}">
+                <a16:creationId xmlns:a16="http://schemas.microsoft.com/office/drawing/2014/main" id="{A3A4FC5A-ECD4-4C05-B7EA-F5475D0201A4}"/>
+              </a:ext>
+            </a:extLst>
+          </p:cNvPr>
+          <p:cNvPicPr>
+            <a:picLocks noChangeAspect="1"/>
+          </p:cNvPicPr>
+          <p:nvPr/>
+        </p:nvPicPr>
+        <p:blipFill>
+          <a:blip r:embed="rId10"/>
+          <a:stretch>
+            <a:fillRect/>
+          </a:stretch>
+        </p:blipFill>
+        <p:spPr>
+          <a:xfrm>
+            <a:off x="2048573" y="1291104"/>
+            <a:ext cx="4800600" cy="5113992"/>
+          </a:xfrm>
+          <a:prstGeom prst="rect">
+            <a:avLst/>
+          </a:prstGeom>
+        </p:spPr>
+      </p:pic>
     </p:spTree>
     <p:extLst>
       <p:ext uri="{BB962C8B-B14F-4D97-AF65-F5344CB8AC3E}">
-        <p14:creationId xmlns:p14="http://schemas.microsoft.com/office/powerpoint/2010/main" val="1950134034"/>
+        <p14:creationId xmlns:p14="http://schemas.microsoft.com/office/powerpoint/2010/main" val="1782479808"/>
       </p:ext>
     </p:extLst>
   </p:cSld>
   <p:clrMapOvr>
     <a:masterClrMapping/>
   </p:clrMapOvr>
+  <p:timing>
+    <p:tnLst>
+      <p:par>
+        <p:cTn id="1" dur="indefinite" restart="never" nodeType="tmRoot">
+          <p:childTnLst>
+            <p:seq concurrent="1" nextAc="seek">
+              <p:cTn id="2" dur="indefinite" nodeType="mainSeq">
+                <p:childTnLst>
+                  <p:par>
+                    <p:cTn id="3" fill="hold">
+                      <p:stCondLst>
+                        <p:cond delay="indefinite"/>
+                      </p:stCondLst>
+                      <p:childTnLst>
+                        <p:par>
+                          <p:cTn id="4" fill="hold">
+                            <p:stCondLst>
+                              <p:cond delay="0"/>
+                            </p:stCondLst>
+                            <p:childTnLst>
+                              <p:par>
+                                <p:cTn id="5" presetID="10" presetClass="exit" presetSubtype="0" fill="hold" nodeType="clickEffect">
+                                  <p:stCondLst>
+                                    <p:cond delay="0"/>
+                                  </p:stCondLst>
+                                  <p:childTnLst>
+                                    <p:animEffect transition="out" filter="fade">
+                                      <p:cBhvr>
+                                        <p:cTn id="6" dur="500"/>
+                                        <p:tgtEl>
+                                          <p:spTgt spid="3"/>
+                                        </p:tgtEl>
+                                      </p:cBhvr>
+                                    </p:animEffect>
+                                    <p:set>
+                                      <p:cBhvr>
+                                        <p:cTn id="7" dur="1" fill="hold">
+                                          <p:stCondLst>
+                                            <p:cond delay="499"/>
+                                          </p:stCondLst>
+                                        </p:cTn>
+                                        <p:tgtEl>
+                                          <p:spTgt spid="3"/>
+                                        </p:tgtEl>
+                                        <p:attrNameLst>
+                                          <p:attrName>style.visibility</p:attrName>
+                                        </p:attrNameLst>
+                                      </p:cBhvr>
+                                      <p:to>
+                                        <p:strVal val="hidden"/>
+                                      </p:to>
+                                    </p:set>
+                                  </p:childTnLst>
+                                </p:cTn>
+                              </p:par>
+                            </p:childTnLst>
+                          </p:cTn>
+                        </p:par>
+                        <p:par>
+                          <p:cTn id="8" fill="hold">
+                            <p:stCondLst>
+                              <p:cond delay="500"/>
+                            </p:stCondLst>
+                            <p:childTnLst>
+                              <p:par>
+                                <p:cTn id="9" presetID="10" presetClass="entr" presetSubtype="0" fill="hold" nodeType="afterEffect">
+                                  <p:stCondLst>
+                                    <p:cond delay="0"/>
+                                  </p:stCondLst>
+                                  <p:childTnLst>
+                                    <p:set>
+                                      <p:cBhvr>
+                                        <p:cTn id="10" dur="1" fill="hold">
+                                          <p:stCondLst>
+                                            <p:cond delay="0"/>
+                                          </p:stCondLst>
+                                        </p:cTn>
+                                        <p:tgtEl>
+                                          <p:spTgt spid="6"/>
+                                        </p:tgtEl>
+                                        <p:attrNameLst>
+                                          <p:attrName>style.visibility</p:attrName>
+                                        </p:attrNameLst>
+                                      </p:cBhvr>
+                                      <p:to>
+                                        <p:strVal val="visible"/>
+                                      </p:to>
+                                    </p:set>
+                                    <p:animEffect transition="in" filter="fade">
+                                      <p:cBhvr>
+                                        <p:cTn id="11" dur="500"/>
+                                        <p:tgtEl>
+                                          <p:spTgt spid="6"/>
+                                        </p:tgtEl>
+                                      </p:cBhvr>
+                                    </p:animEffect>
+                                  </p:childTnLst>
+                                </p:cTn>
+                              </p:par>
+                            </p:childTnLst>
+                          </p:cTn>
+                        </p:par>
+                      </p:childTnLst>
+                    </p:cTn>
+                  </p:par>
+                  <p:par>
+                    <p:cTn id="12" fill="hold">
+                      <p:stCondLst>
+                        <p:cond delay="indefinite"/>
+                      </p:stCondLst>
+                      <p:childTnLst>
+                        <p:par>
+                          <p:cTn id="13" fill="hold">
+                            <p:stCondLst>
+                              <p:cond delay="0"/>
+                            </p:stCondLst>
+                            <p:childTnLst>
+                              <p:par>
+                                <p:cTn id="14" presetID="10" presetClass="exit" presetSubtype="0" fill="hold" nodeType="clickEffect">
+                                  <p:stCondLst>
+                                    <p:cond delay="0"/>
+                                  </p:stCondLst>
+                                  <p:childTnLst>
+                                    <p:animEffect transition="out" filter="fade">
+                                      <p:cBhvr>
+                                        <p:cTn id="15" dur="500"/>
+                                        <p:tgtEl>
+                                          <p:spTgt spid="6"/>
+                                        </p:tgtEl>
+                                      </p:cBhvr>
+                                    </p:animEffect>
+                                    <p:set>
+                                      <p:cBhvr>
+                                        <p:cTn id="16" dur="1" fill="hold">
+                                          <p:stCondLst>
+                                            <p:cond delay="499"/>
+                                          </p:stCondLst>
+                                        </p:cTn>
+                                        <p:tgtEl>
+                                          <p:spTgt spid="6"/>
+                                        </p:tgtEl>
+                                        <p:attrNameLst>
+                                          <p:attrName>style.visibility</p:attrName>
+                                        </p:attrNameLst>
+                                      </p:cBhvr>
+                                      <p:to>
+                                        <p:strVal val="hidden"/>
+                                      </p:to>
+                                    </p:set>
+                                  </p:childTnLst>
+                                </p:cTn>
+                              </p:par>
+                            </p:childTnLst>
+                          </p:cTn>
+                        </p:par>
+                        <p:par>
+                          <p:cTn id="17" fill="hold">
+                            <p:stCondLst>
+                              <p:cond delay="500"/>
+                            </p:stCondLst>
+                            <p:childTnLst>
+                              <p:par>
+                                <p:cTn id="18" presetID="10" presetClass="entr" presetSubtype="0" fill="hold" nodeType="afterEffect">
+                                  <p:stCondLst>
+                                    <p:cond delay="0"/>
+                                  </p:stCondLst>
+                                  <p:childTnLst>
+                                    <p:set>
+                                      <p:cBhvr>
+                                        <p:cTn id="19" dur="1" fill="hold">
+                                          <p:stCondLst>
+                                            <p:cond delay="0"/>
+                                          </p:stCondLst>
+                                        </p:cTn>
+                                        <p:tgtEl>
+                                          <p:spTgt spid="7"/>
+                                        </p:tgtEl>
+                                        <p:attrNameLst>
+                                          <p:attrName>style.visibility</p:attrName>
+                                        </p:attrNameLst>
+                                      </p:cBhvr>
+                                      <p:to>
+                                        <p:strVal val="visible"/>
+                                      </p:to>
+                                    </p:set>
+                                    <p:animEffect transition="in" filter="fade">
+                                      <p:cBhvr>
+                                        <p:cTn id="20" dur="500"/>
+                                        <p:tgtEl>
+                                          <p:spTgt spid="7"/>
+                                        </p:tgtEl>
+                                      </p:cBhvr>
+                                    </p:animEffect>
+                                  </p:childTnLst>
+                                </p:cTn>
+                              </p:par>
+                            </p:childTnLst>
+                          </p:cTn>
+                        </p:par>
+                      </p:childTnLst>
+                    </p:cTn>
+                  </p:par>
+                  <p:par>
+                    <p:cTn id="21" fill="hold">
+                      <p:stCondLst>
+                        <p:cond delay="indefinite"/>
+                      </p:stCondLst>
+                      <p:childTnLst>
+                        <p:par>
+                          <p:cTn id="22" fill="hold">
+                            <p:stCondLst>
+                              <p:cond delay="0"/>
+                            </p:stCondLst>
+                            <p:childTnLst>
+                              <p:par>
+                                <p:cTn id="23" presetID="10" presetClass="exit" presetSubtype="0" fill="hold" nodeType="clickEffect">
+                                  <p:stCondLst>
+                                    <p:cond delay="0"/>
+                                  </p:stCondLst>
+                                  <p:childTnLst>
+                                    <p:animEffect transition="out" filter="fade">
+                                      <p:cBhvr>
+                                        <p:cTn id="24" dur="500"/>
+                                        <p:tgtEl>
+                                          <p:spTgt spid="7"/>
+                                        </p:tgtEl>
+                                      </p:cBhvr>
+                                    </p:animEffect>
+                                    <p:set>
+                                      <p:cBhvr>
+                                        <p:cTn id="25" dur="1" fill="hold">
+                                          <p:stCondLst>
+                                            <p:cond delay="499"/>
+                                          </p:stCondLst>
+                                        </p:cTn>
+                                        <p:tgtEl>
+                                          <p:spTgt spid="7"/>
+                                        </p:tgtEl>
+                                        <p:attrNameLst>
+                                          <p:attrName>style.visibility</p:attrName>
+                                        </p:attrNameLst>
+                                      </p:cBhvr>
+                                      <p:to>
+                                        <p:strVal val="hidden"/>
+                                      </p:to>
+                                    </p:set>
+                                  </p:childTnLst>
+                                </p:cTn>
+                              </p:par>
+                            </p:childTnLst>
+                          </p:cTn>
+                        </p:par>
+                        <p:par>
+                          <p:cTn id="26" fill="hold">
+                            <p:stCondLst>
+                              <p:cond delay="500"/>
+                            </p:stCondLst>
+                            <p:childTnLst>
+                              <p:par>
+                                <p:cTn id="27" presetID="10" presetClass="entr" presetSubtype="0" fill="hold" nodeType="afterEffect">
+                                  <p:stCondLst>
+                                    <p:cond delay="0"/>
+                                  </p:stCondLst>
+                                  <p:childTnLst>
+                                    <p:set>
+                                      <p:cBhvr>
+                                        <p:cTn id="28" dur="1" fill="hold">
+                                          <p:stCondLst>
+                                            <p:cond delay="0"/>
+                                          </p:stCondLst>
+                                        </p:cTn>
+                                        <p:tgtEl>
+                                          <p:spTgt spid="8"/>
+                                        </p:tgtEl>
+                                        <p:attrNameLst>
+                                          <p:attrName>style.visibility</p:attrName>
+                                        </p:attrNameLst>
+                                      </p:cBhvr>
+                                      <p:to>
+                                        <p:strVal val="visible"/>
+                                      </p:to>
+                                    </p:set>
+                                    <p:animEffect transition="in" filter="fade">
+                                      <p:cBhvr>
+                                        <p:cTn id="29" dur="500"/>
+                                        <p:tgtEl>
+                                          <p:spTgt spid="8"/>
+                                        </p:tgtEl>
+                                      </p:cBhvr>
+                                    </p:animEffect>
+                                  </p:childTnLst>
+                                </p:cTn>
+                              </p:par>
+                            </p:childTnLst>
+                          </p:cTn>
+                        </p:par>
+                      </p:childTnLst>
+                    </p:cTn>
+                  </p:par>
+                  <p:par>
+                    <p:cTn id="30" fill="hold">
+                      <p:stCondLst>
+                        <p:cond delay="indefinite"/>
+                      </p:stCondLst>
+                      <p:childTnLst>
+                        <p:par>
+                          <p:cTn id="31" fill="hold">
+                            <p:stCondLst>
+                              <p:cond delay="0"/>
+                            </p:stCondLst>
+                            <p:childTnLst>
+                              <p:par>
+                                <p:cTn id="32" presetID="10" presetClass="exit" presetSubtype="0" fill="hold" nodeType="clickEffect">
+                                  <p:stCondLst>
+                                    <p:cond delay="0"/>
+                                  </p:stCondLst>
+                                  <p:childTnLst>
+                                    <p:animEffect transition="out" filter="fade">
+                                      <p:cBhvr>
+                                        <p:cTn id="33" dur="500"/>
+                                        <p:tgtEl>
+                                          <p:spTgt spid="8"/>
+                                        </p:tgtEl>
+                                      </p:cBhvr>
+                                    </p:animEffect>
+                                    <p:set>
+                                      <p:cBhvr>
+                                        <p:cTn id="34" dur="1" fill="hold">
+                                          <p:stCondLst>
+                                            <p:cond delay="499"/>
+                                          </p:stCondLst>
+                                        </p:cTn>
+                                        <p:tgtEl>
+                                          <p:spTgt spid="8"/>
+                                        </p:tgtEl>
+                                        <p:attrNameLst>
+                                          <p:attrName>style.visibility</p:attrName>
+                                        </p:attrNameLst>
+                                      </p:cBhvr>
+                                      <p:to>
+                                        <p:strVal val="hidden"/>
+                                      </p:to>
+                                    </p:set>
+                                  </p:childTnLst>
+                                </p:cTn>
+                              </p:par>
+                            </p:childTnLst>
+                          </p:cTn>
+                        </p:par>
+                        <p:par>
+                          <p:cTn id="35" fill="hold">
+                            <p:stCondLst>
+                              <p:cond delay="500"/>
+                            </p:stCondLst>
+                            <p:childTnLst>
+                              <p:par>
+                                <p:cTn id="36" presetID="10" presetClass="entr" presetSubtype="0" fill="hold" nodeType="afterEffect">
+                                  <p:stCondLst>
+                                    <p:cond delay="0"/>
+                                  </p:stCondLst>
+                                  <p:childTnLst>
+                                    <p:set>
+                                      <p:cBhvr>
+                                        <p:cTn id="37" dur="1" fill="hold">
+                                          <p:stCondLst>
+                                            <p:cond delay="0"/>
+                                          </p:stCondLst>
+                                        </p:cTn>
+                                        <p:tgtEl>
+                                          <p:spTgt spid="9"/>
+                                        </p:tgtEl>
+                                        <p:attrNameLst>
+                                          <p:attrName>style.visibility</p:attrName>
+                                        </p:attrNameLst>
+                                      </p:cBhvr>
+                                      <p:to>
+                                        <p:strVal val="visible"/>
+                                      </p:to>
+                                    </p:set>
+                                    <p:animEffect transition="in" filter="fade">
+                                      <p:cBhvr>
+                                        <p:cTn id="38" dur="500"/>
+                                        <p:tgtEl>
+                                          <p:spTgt spid="9"/>
+                                        </p:tgtEl>
+                                      </p:cBhvr>
+                                    </p:animEffect>
+                                  </p:childTnLst>
+                                </p:cTn>
+                              </p:par>
+                            </p:childTnLst>
+                          </p:cTn>
+                        </p:par>
+                      </p:childTnLst>
+                    </p:cTn>
+                  </p:par>
+                  <p:par>
+                    <p:cTn id="39" fill="hold">
+                      <p:stCondLst>
+                        <p:cond delay="indefinite"/>
+                      </p:stCondLst>
+                      <p:childTnLst>
+                        <p:par>
+                          <p:cTn id="40" fill="hold">
+                            <p:stCondLst>
+                              <p:cond delay="0"/>
+                            </p:stCondLst>
+                            <p:childTnLst>
+                              <p:par>
+                                <p:cTn id="41" presetID="10" presetClass="exit" presetSubtype="0" fill="hold" nodeType="clickEffect">
+                                  <p:stCondLst>
+                                    <p:cond delay="0"/>
+                                  </p:stCondLst>
+                                  <p:childTnLst>
+                                    <p:animEffect transition="out" filter="fade">
+                                      <p:cBhvr>
+                                        <p:cTn id="42" dur="500"/>
+                                        <p:tgtEl>
+                                          <p:spTgt spid="9"/>
+                                        </p:tgtEl>
+                                      </p:cBhvr>
+                                    </p:animEffect>
+                                    <p:set>
+                                      <p:cBhvr>
+                                        <p:cTn id="43" dur="1" fill="hold">
+                                          <p:stCondLst>
+                                            <p:cond delay="499"/>
+                                          </p:stCondLst>
+                                        </p:cTn>
+                                        <p:tgtEl>
+                                          <p:spTgt spid="9"/>
+                                        </p:tgtEl>
+                                        <p:attrNameLst>
+                                          <p:attrName>style.visibility</p:attrName>
+                                        </p:attrNameLst>
+                                      </p:cBhvr>
+                                      <p:to>
+                                        <p:strVal val="hidden"/>
+                                      </p:to>
+                                    </p:set>
+                                  </p:childTnLst>
+                                </p:cTn>
+                              </p:par>
+                            </p:childTnLst>
+                          </p:cTn>
+                        </p:par>
+                        <p:par>
+                          <p:cTn id="44" fill="hold">
+                            <p:stCondLst>
+                              <p:cond delay="500"/>
+                            </p:stCondLst>
+                            <p:childTnLst>
+                              <p:par>
+                                <p:cTn id="45" presetID="10" presetClass="entr" presetSubtype="0" fill="hold" nodeType="afterEffect">
+                                  <p:stCondLst>
+                                    <p:cond delay="0"/>
+                                  </p:stCondLst>
+                                  <p:childTnLst>
+                                    <p:set>
+                                      <p:cBhvr>
+                                        <p:cTn id="46" dur="1" fill="hold">
+                                          <p:stCondLst>
+                                            <p:cond delay="0"/>
+                                          </p:stCondLst>
+                                        </p:cTn>
+                                        <p:tgtEl>
+                                          <p:spTgt spid="10"/>
+                                        </p:tgtEl>
+                                        <p:attrNameLst>
+                                          <p:attrName>style.visibility</p:attrName>
+                                        </p:attrNameLst>
+                                      </p:cBhvr>
+                                      <p:to>
+                                        <p:strVal val="visible"/>
+                                      </p:to>
+                                    </p:set>
+                                    <p:animEffect transition="in" filter="fade">
+                                      <p:cBhvr>
+                                        <p:cTn id="47" dur="500"/>
+                                        <p:tgtEl>
+                                          <p:spTgt spid="10"/>
+                                        </p:tgtEl>
+                                      </p:cBhvr>
+                                    </p:animEffect>
+                                  </p:childTnLst>
+                                </p:cTn>
+                              </p:par>
+                            </p:childTnLst>
+                          </p:cTn>
+                        </p:par>
+                      </p:childTnLst>
+                    </p:cTn>
+                  </p:par>
+                  <p:par>
+                    <p:cTn id="48" fill="hold">
+                      <p:stCondLst>
+                        <p:cond delay="indefinite"/>
+                      </p:stCondLst>
+                      <p:childTnLst>
+                        <p:par>
+                          <p:cTn id="49" fill="hold">
+                            <p:stCondLst>
+                              <p:cond delay="0"/>
+                            </p:stCondLst>
+                            <p:childTnLst>
+                              <p:par>
+                                <p:cTn id="50" presetID="10" presetClass="exit" presetSubtype="0" fill="hold" nodeType="clickEffect">
+                                  <p:stCondLst>
+                                    <p:cond delay="0"/>
+                                  </p:stCondLst>
+                                  <p:childTnLst>
+                                    <p:animEffect transition="out" filter="fade">
+                                      <p:cBhvr>
+                                        <p:cTn id="51" dur="500"/>
+                                        <p:tgtEl>
+                                          <p:spTgt spid="10"/>
+                                        </p:tgtEl>
+                                      </p:cBhvr>
+                                    </p:animEffect>
+                                    <p:set>
+                                      <p:cBhvr>
+                                        <p:cTn id="52" dur="1" fill="hold">
+                                          <p:stCondLst>
+                                            <p:cond delay="499"/>
+                                          </p:stCondLst>
+                                        </p:cTn>
+                                        <p:tgtEl>
+                                          <p:spTgt spid="10"/>
+                                        </p:tgtEl>
+                                        <p:attrNameLst>
+                                          <p:attrName>style.visibility</p:attrName>
+                                        </p:attrNameLst>
+                                      </p:cBhvr>
+                                      <p:to>
+                                        <p:strVal val="hidden"/>
+                                      </p:to>
+                                    </p:set>
+                                  </p:childTnLst>
+                                </p:cTn>
+                              </p:par>
+                            </p:childTnLst>
+                          </p:cTn>
+                        </p:par>
+                        <p:par>
+                          <p:cTn id="53" fill="hold">
+                            <p:stCondLst>
+                              <p:cond delay="500"/>
+                            </p:stCondLst>
+                            <p:childTnLst>
+                              <p:par>
+                                <p:cTn id="54" presetID="10" presetClass="entr" presetSubtype="0" fill="hold" nodeType="afterEffect">
+                                  <p:stCondLst>
+                                    <p:cond delay="0"/>
+                                  </p:stCondLst>
+                                  <p:childTnLst>
+                                    <p:set>
+                                      <p:cBhvr>
+                                        <p:cTn id="55" dur="1" fill="hold">
+                                          <p:stCondLst>
+                                            <p:cond delay="0"/>
+                                          </p:stCondLst>
+                                        </p:cTn>
+                                        <p:tgtEl>
+                                          <p:spTgt spid="11"/>
+                                        </p:tgtEl>
+                                        <p:attrNameLst>
+                                          <p:attrName>style.visibility</p:attrName>
+                                        </p:attrNameLst>
+                                      </p:cBhvr>
+                                      <p:to>
+                                        <p:strVal val="visible"/>
+                                      </p:to>
+                                    </p:set>
+                                    <p:animEffect transition="in" filter="fade">
+                                      <p:cBhvr>
+                                        <p:cTn id="56" dur="500"/>
+                                        <p:tgtEl>
+                                          <p:spTgt spid="11"/>
+                                        </p:tgtEl>
+                                      </p:cBhvr>
+                                    </p:animEffect>
+                                  </p:childTnLst>
+                                </p:cTn>
+                              </p:par>
+                            </p:childTnLst>
+                          </p:cTn>
+                        </p:par>
+                      </p:childTnLst>
+                    </p:cTn>
+                  </p:par>
+                  <p:par>
+                    <p:cTn id="57" fill="hold">
+                      <p:stCondLst>
+                        <p:cond delay="indefinite"/>
+                      </p:stCondLst>
+                      <p:childTnLst>
+                        <p:par>
+                          <p:cTn id="58" fill="hold">
+                            <p:stCondLst>
+                              <p:cond delay="0"/>
+                            </p:stCondLst>
+                            <p:childTnLst>
+                              <p:par>
+                                <p:cTn id="59" presetID="10" presetClass="exit" presetSubtype="0" fill="hold" nodeType="clickEffect">
+                                  <p:stCondLst>
+                                    <p:cond delay="0"/>
+                                  </p:stCondLst>
+                                  <p:childTnLst>
+                                    <p:animEffect transition="out" filter="fade">
+                                      <p:cBhvr>
+                                        <p:cTn id="60" dur="500"/>
+                                        <p:tgtEl>
+                                          <p:spTgt spid="11"/>
+                                        </p:tgtEl>
+                                      </p:cBhvr>
+                                    </p:animEffect>
+                                    <p:set>
+                                      <p:cBhvr>
+                                        <p:cTn id="61" dur="1" fill="hold">
+                                          <p:stCondLst>
+                                            <p:cond delay="499"/>
+                                          </p:stCondLst>
+                                        </p:cTn>
+                                        <p:tgtEl>
+                                          <p:spTgt spid="11"/>
+                                        </p:tgtEl>
+                                        <p:attrNameLst>
+                                          <p:attrName>style.visibility</p:attrName>
+                                        </p:attrNameLst>
+                                      </p:cBhvr>
+                                      <p:to>
+                                        <p:strVal val="hidden"/>
+                                      </p:to>
+                                    </p:set>
+                                  </p:childTnLst>
+                                </p:cTn>
+                              </p:par>
+                            </p:childTnLst>
+                          </p:cTn>
+                        </p:par>
+                        <p:par>
+                          <p:cTn id="62" fill="hold">
+                            <p:stCondLst>
+                              <p:cond delay="500"/>
+                            </p:stCondLst>
+                            <p:childTnLst>
+                              <p:par>
+                                <p:cTn id="63" presetID="10" presetClass="entr" presetSubtype="0" fill="hold" nodeType="afterEffect">
+                                  <p:stCondLst>
+                                    <p:cond delay="0"/>
+                                  </p:stCondLst>
+                                  <p:childTnLst>
+                                    <p:set>
+                                      <p:cBhvr>
+                                        <p:cTn id="64" dur="1" fill="hold">
+                                          <p:stCondLst>
+                                            <p:cond delay="0"/>
+                                          </p:stCondLst>
+                                        </p:cTn>
+                                        <p:tgtEl>
+                                          <p:spTgt spid="12"/>
+                                        </p:tgtEl>
+                                        <p:attrNameLst>
+                                          <p:attrName>style.visibility</p:attrName>
+                                        </p:attrNameLst>
+                                      </p:cBhvr>
+                                      <p:to>
+                                        <p:strVal val="visible"/>
+                                      </p:to>
+                                    </p:set>
+                                    <p:animEffect transition="in" filter="fade">
+                                      <p:cBhvr>
+                                        <p:cTn id="65" dur="500"/>
+                                        <p:tgtEl>
+                                          <p:spTgt spid="12"/>
+                                        </p:tgtEl>
+                                      </p:cBhvr>
+                                    </p:animEffect>
+                                  </p:childTnLst>
+                                </p:cTn>
+                              </p:par>
+                            </p:childTnLst>
+                          </p:cTn>
+                        </p:par>
+                      </p:childTnLst>
+                    </p:cTn>
+                  </p:par>
+                  <p:par>
+                    <p:cTn id="66" fill="hold">
+                      <p:stCondLst>
+                        <p:cond delay="indefinite"/>
+                      </p:stCondLst>
+                      <p:childTnLst>
+                        <p:par>
+                          <p:cTn id="67" fill="hold">
+                            <p:stCondLst>
+                              <p:cond delay="0"/>
+                            </p:stCondLst>
+                            <p:childTnLst>
+                              <p:par>
+                                <p:cTn id="68" presetID="10" presetClass="exit" presetSubtype="0" fill="hold" nodeType="clickEffect">
+                                  <p:stCondLst>
+                                    <p:cond delay="0"/>
+                                  </p:stCondLst>
+                                  <p:childTnLst>
+                                    <p:animEffect transition="out" filter="fade">
+                                      <p:cBhvr>
+                                        <p:cTn id="69" dur="500"/>
+                                        <p:tgtEl>
+                                          <p:spTgt spid="12"/>
+                                        </p:tgtEl>
+                                      </p:cBhvr>
+                                    </p:animEffect>
+                                    <p:set>
+                                      <p:cBhvr>
+                                        <p:cTn id="70" dur="1" fill="hold">
+                                          <p:stCondLst>
+                                            <p:cond delay="499"/>
+                                          </p:stCondLst>
+                                        </p:cTn>
+                                        <p:tgtEl>
+                                          <p:spTgt spid="12"/>
+                                        </p:tgtEl>
+                                        <p:attrNameLst>
+                                          <p:attrName>style.visibility</p:attrName>
+                                        </p:attrNameLst>
+                                      </p:cBhvr>
+                                      <p:to>
+                                        <p:strVal val="hidden"/>
+                                      </p:to>
+                                    </p:set>
+                                  </p:childTnLst>
+                                </p:cTn>
+                              </p:par>
+                            </p:childTnLst>
+                          </p:cTn>
+                        </p:par>
+                        <p:par>
+                          <p:cTn id="71" fill="hold">
+                            <p:stCondLst>
+                              <p:cond delay="500"/>
+                            </p:stCondLst>
+                            <p:childTnLst>
+                              <p:par>
+                                <p:cTn id="72" presetID="10" presetClass="entr" presetSubtype="0" fill="hold" nodeType="afterEffect">
+                                  <p:stCondLst>
+                                    <p:cond delay="0"/>
+                                  </p:stCondLst>
+                                  <p:childTnLst>
+                                    <p:set>
+                                      <p:cBhvr>
+                                        <p:cTn id="73" dur="1" fill="hold">
+                                          <p:stCondLst>
+                                            <p:cond delay="0"/>
+                                          </p:stCondLst>
+                                        </p:cTn>
+                                        <p:tgtEl>
+                                          <p:spTgt spid="13"/>
+                                        </p:tgtEl>
+                                        <p:attrNameLst>
+                                          <p:attrName>style.visibility</p:attrName>
+                                        </p:attrNameLst>
+                                      </p:cBhvr>
+                                      <p:to>
+                                        <p:strVal val="visible"/>
+                                      </p:to>
+                                    </p:set>
+                                    <p:animEffect transition="in" filter="fade">
+                                      <p:cBhvr>
+                                        <p:cTn id="74" dur="500"/>
+                                        <p:tgtEl>
+                                          <p:spTgt spid="13"/>
+                                        </p:tgtEl>
+                                      </p:cBhvr>
+                                    </p:animEffect>
+                                  </p:childTnLst>
+                                </p:cTn>
+                              </p:par>
+                            </p:childTnLst>
+                          </p:cTn>
+                        </p:par>
+                      </p:childTnLst>
+                    </p:cTn>
+                  </p:par>
+                  <p:par>
+                    <p:cTn id="75" fill="hold">
+                      <p:stCondLst>
+                        <p:cond delay="indefinite"/>
+                      </p:stCondLst>
+                      <p:childTnLst>
+                        <p:par>
+                          <p:cTn id="76" fill="hold">
+                            <p:stCondLst>
+                              <p:cond delay="0"/>
+                            </p:stCondLst>
+                            <p:childTnLst>
+                              <p:par>
+                                <p:cTn id="77" presetID="10" presetClass="exit" presetSubtype="0" fill="hold" nodeType="clickEffect">
+                                  <p:stCondLst>
+                                    <p:cond delay="0"/>
+                                  </p:stCondLst>
+                                  <p:childTnLst>
+                                    <p:animEffect transition="out" filter="fade">
+                                      <p:cBhvr>
+                                        <p:cTn id="78" dur="500"/>
+                                        <p:tgtEl>
+                                          <p:spTgt spid="13"/>
+                                        </p:tgtEl>
+                                      </p:cBhvr>
+                                    </p:animEffect>
+                                    <p:set>
+                                      <p:cBhvr>
+                                        <p:cTn id="79" dur="1" fill="hold">
+                                          <p:stCondLst>
+                                            <p:cond delay="499"/>
+                                          </p:stCondLst>
+                                        </p:cTn>
+                                        <p:tgtEl>
+                                          <p:spTgt spid="13"/>
+                                        </p:tgtEl>
+                                        <p:attrNameLst>
+                                          <p:attrName>style.visibility</p:attrName>
+                                        </p:attrNameLst>
+                                      </p:cBhvr>
+                                      <p:to>
+                                        <p:strVal val="hidden"/>
+                                      </p:to>
+                                    </p:set>
+                                  </p:childTnLst>
+                                </p:cTn>
+                              </p:par>
+                            </p:childTnLst>
+                          </p:cTn>
+                        </p:par>
+                      </p:childTnLst>
+                    </p:cTn>
+                  </p:par>
+                </p:childTnLst>
+              </p:cTn>
+              <p:prevCondLst>
+                <p:cond evt="onPrev" delay="0">
+                  <p:tgtEl>
+                    <p:sldTgt/>
+                  </p:tgtEl>
+                </p:cond>
+              </p:prevCondLst>
+              <p:nextCondLst>
+                <p:cond evt="onNext" delay="0">
+                  <p:tgtEl>
+                    <p:sldTgt/>
+                  </p:tgtEl>
+                </p:cond>
+              </p:nextCondLst>
+            </p:seq>
+          </p:childTnLst>
+        </p:cTn>
+      </p:par>
+    </p:tnLst>
+  </p:timing>
 </p:sld>
 </file>
 
@@ -4774,7 +11058,13 @@
       </p:grpSpPr>
       <p:sp>
         <p:nvSpPr>
-          <p:cNvPr id="2" name="Text Placeholder 1"/>
+          <p:cNvPr id="2" name="Text Placeholder 1">
+            <a:extLst>
+              <a:ext uri="{FF2B5EF4-FFF2-40B4-BE49-F238E27FC236}">
+                <a16:creationId xmlns:a16="http://schemas.microsoft.com/office/drawing/2014/main" id="{70BA3967-673A-4F45-B3A8-D6C82F65BFC6}"/>
+              </a:ext>
+            </a:extLst>
+          </p:cNvPr>
           <p:cNvSpPr>
             <a:spLocks noGrp="1"/>
           </p:cNvSpPr>
@@ -4787,31 +11077,505 @@
           <a:bodyPr/>
           <a:lstStyle/>
           <a:p>
-            <a:r>
-              <a:rPr lang="en-US" dirty="0"/>
-              <a:t>Zendi Iklima ST, </a:t>
-            </a:r>
-            <a:r>
-              <a:rPr lang="en-US" dirty="0" err="1"/>
-              <a:t>SKom</a:t>
-            </a:r>
-            <a:r>
-              <a:rPr lang="en-US" dirty="0"/>
-              <a:t>, MSc</a:t>
-            </a:r>
+            <a:endParaRPr lang="en-US"/>
           </a:p>
         </p:txBody>
       </p:sp>
+      <p:sp>
+        <p:nvSpPr>
+          <p:cNvPr id="4" name="Rectangle 3">
+            <a:extLst>
+              <a:ext uri="{FF2B5EF4-FFF2-40B4-BE49-F238E27FC236}">
+                <a16:creationId xmlns:a16="http://schemas.microsoft.com/office/drawing/2014/main" id="{916CE252-CB60-4E72-B3A5-E9C309B9B204}"/>
+              </a:ext>
+            </a:extLst>
+          </p:cNvPr>
+          <p:cNvSpPr/>
+          <p:nvPr/>
+        </p:nvSpPr>
+        <p:spPr>
+          <a:xfrm>
+            <a:off x="152400" y="990600"/>
+            <a:ext cx="8839200" cy="5715000"/>
+          </a:xfrm>
+          <a:prstGeom prst="rect">
+            <a:avLst/>
+          </a:prstGeom>
+        </p:spPr>
+        <p:style>
+          <a:lnRef idx="2">
+            <a:schemeClr val="dk1"/>
+          </a:lnRef>
+          <a:fillRef idx="1">
+            <a:schemeClr val="lt1"/>
+          </a:fillRef>
+          <a:effectRef idx="0">
+            <a:schemeClr val="dk1"/>
+          </a:effectRef>
+          <a:fontRef idx="minor">
+            <a:schemeClr val="dk1"/>
+          </a:fontRef>
+        </p:style>
+        <p:txBody>
+          <a:bodyPr rtlCol="0" anchor="ctr"/>
+          <a:lstStyle/>
+          <a:p>
+            <a:pPr algn="ctr"/>
+            <a:endParaRPr lang="en-US"/>
+          </a:p>
+        </p:txBody>
+      </p:sp>
+      <p:pic>
+        <p:nvPicPr>
+          <p:cNvPr id="3" name="Picture 2">
+            <a:extLst>
+              <a:ext uri="{FF2B5EF4-FFF2-40B4-BE49-F238E27FC236}">
+                <a16:creationId xmlns:a16="http://schemas.microsoft.com/office/drawing/2014/main" id="{12FA2EEB-660D-4E5B-B748-7389C83410E1}"/>
+              </a:ext>
+            </a:extLst>
+          </p:cNvPr>
+          <p:cNvPicPr>
+            <a:picLocks noChangeAspect="1"/>
+          </p:cNvPicPr>
+          <p:nvPr/>
+        </p:nvPicPr>
+        <p:blipFill>
+          <a:blip r:embed="rId2"/>
+          <a:stretch>
+            <a:fillRect/>
+          </a:stretch>
+        </p:blipFill>
+        <p:spPr>
+          <a:xfrm>
+            <a:off x="1295400" y="1600200"/>
+            <a:ext cx="6629400" cy="4556642"/>
+          </a:xfrm>
+          <a:prstGeom prst="rect">
+            <a:avLst/>
+          </a:prstGeom>
+        </p:spPr>
+      </p:pic>
+      <p:pic>
+        <p:nvPicPr>
+          <p:cNvPr id="5" name="Picture 4">
+            <a:extLst>
+              <a:ext uri="{FF2B5EF4-FFF2-40B4-BE49-F238E27FC236}">
+                <a16:creationId xmlns:a16="http://schemas.microsoft.com/office/drawing/2014/main" id="{97097C6C-1F50-471F-B7D1-92AC6083D495}"/>
+              </a:ext>
+            </a:extLst>
+          </p:cNvPr>
+          <p:cNvPicPr>
+            <a:picLocks noChangeAspect="1"/>
+          </p:cNvPicPr>
+          <p:nvPr/>
+        </p:nvPicPr>
+        <p:blipFill>
+          <a:blip r:embed="rId3"/>
+          <a:stretch>
+            <a:fillRect/>
+          </a:stretch>
+        </p:blipFill>
+        <p:spPr>
+          <a:xfrm>
+            <a:off x="495427" y="1905000"/>
+            <a:ext cx="8229345" cy="3733800"/>
+          </a:xfrm>
+          <a:prstGeom prst="rect">
+            <a:avLst/>
+          </a:prstGeom>
+        </p:spPr>
+      </p:pic>
+      <p:pic>
+        <p:nvPicPr>
+          <p:cNvPr id="6" name="Picture 5">
+            <a:extLst>
+              <a:ext uri="{FF2B5EF4-FFF2-40B4-BE49-F238E27FC236}">
+                <a16:creationId xmlns:a16="http://schemas.microsoft.com/office/drawing/2014/main" id="{3888CDF2-F695-4A95-8AB1-A529EAA72C88}"/>
+              </a:ext>
+            </a:extLst>
+          </p:cNvPr>
+          <p:cNvPicPr>
+            <a:picLocks noChangeAspect="1"/>
+          </p:cNvPicPr>
+          <p:nvPr/>
+        </p:nvPicPr>
+        <p:blipFill>
+          <a:blip r:embed="rId4"/>
+          <a:stretch>
+            <a:fillRect/>
+          </a:stretch>
+        </p:blipFill>
+        <p:spPr>
+          <a:xfrm>
+            <a:off x="1615504" y="1895475"/>
+            <a:ext cx="5912991" cy="3648074"/>
+          </a:xfrm>
+          <a:prstGeom prst="rect">
+            <a:avLst/>
+          </a:prstGeom>
+        </p:spPr>
+      </p:pic>
+      <p:pic>
+        <p:nvPicPr>
+          <p:cNvPr id="7" name="Picture 6">
+            <a:extLst>
+              <a:ext uri="{FF2B5EF4-FFF2-40B4-BE49-F238E27FC236}">
+                <a16:creationId xmlns:a16="http://schemas.microsoft.com/office/drawing/2014/main" id="{872911DA-E352-4104-9E1A-934BFE18C071}"/>
+              </a:ext>
+            </a:extLst>
+          </p:cNvPr>
+          <p:cNvPicPr>
+            <a:picLocks noChangeAspect="1"/>
+          </p:cNvPicPr>
+          <p:nvPr/>
+        </p:nvPicPr>
+        <p:blipFill>
+          <a:blip r:embed="rId5"/>
+          <a:stretch>
+            <a:fillRect/>
+          </a:stretch>
+        </p:blipFill>
+        <p:spPr>
+          <a:xfrm>
+            <a:off x="1066800" y="1143000"/>
+            <a:ext cx="7105650" cy="5447988"/>
+          </a:xfrm>
+          <a:prstGeom prst="rect">
+            <a:avLst/>
+          </a:prstGeom>
+        </p:spPr>
+      </p:pic>
     </p:spTree>
     <p:extLst>
       <p:ext uri="{BB962C8B-B14F-4D97-AF65-F5344CB8AC3E}">
-        <p14:creationId xmlns:p14="http://schemas.microsoft.com/office/powerpoint/2010/main" val="2729047529"/>
+        <p14:creationId xmlns:p14="http://schemas.microsoft.com/office/powerpoint/2010/main" val="3722605529"/>
       </p:ext>
     </p:extLst>
   </p:cSld>
   <p:clrMapOvr>
     <a:masterClrMapping/>
   </p:clrMapOvr>
+  <p:timing>
+    <p:tnLst>
+      <p:par>
+        <p:cTn id="1" dur="indefinite" restart="never" nodeType="tmRoot">
+          <p:childTnLst>
+            <p:seq concurrent="1" nextAc="seek">
+              <p:cTn id="2" dur="indefinite" nodeType="mainSeq">
+                <p:childTnLst>
+                  <p:par>
+                    <p:cTn id="3" fill="hold">
+                      <p:stCondLst>
+                        <p:cond delay="indefinite"/>
+                      </p:stCondLst>
+                      <p:childTnLst>
+                        <p:par>
+                          <p:cTn id="4" fill="hold">
+                            <p:stCondLst>
+                              <p:cond delay="0"/>
+                            </p:stCondLst>
+                            <p:childTnLst>
+                              <p:par>
+                                <p:cTn id="5" presetID="10" presetClass="exit" presetSubtype="0" fill="hold" nodeType="clickEffect">
+                                  <p:stCondLst>
+                                    <p:cond delay="0"/>
+                                  </p:stCondLst>
+                                  <p:childTnLst>
+                                    <p:animEffect transition="out" filter="fade">
+                                      <p:cBhvr>
+                                        <p:cTn id="6" dur="500"/>
+                                        <p:tgtEl>
+                                          <p:spTgt spid="3"/>
+                                        </p:tgtEl>
+                                      </p:cBhvr>
+                                    </p:animEffect>
+                                    <p:set>
+                                      <p:cBhvr>
+                                        <p:cTn id="7" dur="1" fill="hold">
+                                          <p:stCondLst>
+                                            <p:cond delay="499"/>
+                                          </p:stCondLst>
+                                        </p:cTn>
+                                        <p:tgtEl>
+                                          <p:spTgt spid="3"/>
+                                        </p:tgtEl>
+                                        <p:attrNameLst>
+                                          <p:attrName>style.visibility</p:attrName>
+                                        </p:attrNameLst>
+                                      </p:cBhvr>
+                                      <p:to>
+                                        <p:strVal val="hidden"/>
+                                      </p:to>
+                                    </p:set>
+                                  </p:childTnLst>
+                                </p:cTn>
+                              </p:par>
+                            </p:childTnLst>
+                          </p:cTn>
+                        </p:par>
+                        <p:par>
+                          <p:cTn id="8" fill="hold">
+                            <p:stCondLst>
+                              <p:cond delay="500"/>
+                            </p:stCondLst>
+                            <p:childTnLst>
+                              <p:par>
+                                <p:cTn id="9" presetID="10" presetClass="entr" presetSubtype="0" fill="hold" nodeType="afterEffect">
+                                  <p:stCondLst>
+                                    <p:cond delay="0"/>
+                                  </p:stCondLst>
+                                  <p:childTnLst>
+                                    <p:set>
+                                      <p:cBhvr>
+                                        <p:cTn id="10" dur="1" fill="hold">
+                                          <p:stCondLst>
+                                            <p:cond delay="0"/>
+                                          </p:stCondLst>
+                                        </p:cTn>
+                                        <p:tgtEl>
+                                          <p:spTgt spid="5"/>
+                                        </p:tgtEl>
+                                        <p:attrNameLst>
+                                          <p:attrName>style.visibility</p:attrName>
+                                        </p:attrNameLst>
+                                      </p:cBhvr>
+                                      <p:to>
+                                        <p:strVal val="visible"/>
+                                      </p:to>
+                                    </p:set>
+                                    <p:animEffect transition="in" filter="fade">
+                                      <p:cBhvr>
+                                        <p:cTn id="11" dur="500"/>
+                                        <p:tgtEl>
+                                          <p:spTgt spid="5"/>
+                                        </p:tgtEl>
+                                      </p:cBhvr>
+                                    </p:animEffect>
+                                  </p:childTnLst>
+                                </p:cTn>
+                              </p:par>
+                            </p:childTnLst>
+                          </p:cTn>
+                        </p:par>
+                      </p:childTnLst>
+                    </p:cTn>
+                  </p:par>
+                  <p:par>
+                    <p:cTn id="12" fill="hold">
+                      <p:stCondLst>
+                        <p:cond delay="indefinite"/>
+                      </p:stCondLst>
+                      <p:childTnLst>
+                        <p:par>
+                          <p:cTn id="13" fill="hold">
+                            <p:stCondLst>
+                              <p:cond delay="0"/>
+                            </p:stCondLst>
+                            <p:childTnLst>
+                              <p:par>
+                                <p:cTn id="14" presetID="10" presetClass="exit" presetSubtype="0" fill="hold" nodeType="clickEffect">
+                                  <p:stCondLst>
+                                    <p:cond delay="0"/>
+                                  </p:stCondLst>
+                                  <p:childTnLst>
+                                    <p:animEffect transition="out" filter="fade">
+                                      <p:cBhvr>
+                                        <p:cTn id="15" dur="500"/>
+                                        <p:tgtEl>
+                                          <p:spTgt spid="5"/>
+                                        </p:tgtEl>
+                                      </p:cBhvr>
+                                    </p:animEffect>
+                                    <p:set>
+                                      <p:cBhvr>
+                                        <p:cTn id="16" dur="1" fill="hold">
+                                          <p:stCondLst>
+                                            <p:cond delay="499"/>
+                                          </p:stCondLst>
+                                        </p:cTn>
+                                        <p:tgtEl>
+                                          <p:spTgt spid="5"/>
+                                        </p:tgtEl>
+                                        <p:attrNameLst>
+                                          <p:attrName>style.visibility</p:attrName>
+                                        </p:attrNameLst>
+                                      </p:cBhvr>
+                                      <p:to>
+                                        <p:strVal val="hidden"/>
+                                      </p:to>
+                                    </p:set>
+                                  </p:childTnLst>
+                                </p:cTn>
+                              </p:par>
+                            </p:childTnLst>
+                          </p:cTn>
+                        </p:par>
+                        <p:par>
+                          <p:cTn id="17" fill="hold">
+                            <p:stCondLst>
+                              <p:cond delay="500"/>
+                            </p:stCondLst>
+                            <p:childTnLst>
+                              <p:par>
+                                <p:cTn id="18" presetID="10" presetClass="entr" presetSubtype="0" fill="hold" nodeType="afterEffect">
+                                  <p:stCondLst>
+                                    <p:cond delay="0"/>
+                                  </p:stCondLst>
+                                  <p:childTnLst>
+                                    <p:set>
+                                      <p:cBhvr>
+                                        <p:cTn id="19" dur="1" fill="hold">
+                                          <p:stCondLst>
+                                            <p:cond delay="0"/>
+                                          </p:stCondLst>
+                                        </p:cTn>
+                                        <p:tgtEl>
+                                          <p:spTgt spid="6"/>
+                                        </p:tgtEl>
+                                        <p:attrNameLst>
+                                          <p:attrName>style.visibility</p:attrName>
+                                        </p:attrNameLst>
+                                      </p:cBhvr>
+                                      <p:to>
+                                        <p:strVal val="visible"/>
+                                      </p:to>
+                                    </p:set>
+                                    <p:animEffect transition="in" filter="fade">
+                                      <p:cBhvr>
+                                        <p:cTn id="20" dur="500"/>
+                                        <p:tgtEl>
+                                          <p:spTgt spid="6"/>
+                                        </p:tgtEl>
+                                      </p:cBhvr>
+                                    </p:animEffect>
+                                  </p:childTnLst>
+                                </p:cTn>
+                              </p:par>
+                            </p:childTnLst>
+                          </p:cTn>
+                        </p:par>
+                      </p:childTnLst>
+                    </p:cTn>
+                  </p:par>
+                  <p:par>
+                    <p:cTn id="21" fill="hold">
+                      <p:stCondLst>
+                        <p:cond delay="indefinite"/>
+                      </p:stCondLst>
+                      <p:childTnLst>
+                        <p:par>
+                          <p:cTn id="22" fill="hold">
+                            <p:stCondLst>
+                              <p:cond delay="0"/>
+                            </p:stCondLst>
+                            <p:childTnLst>
+                              <p:par>
+                                <p:cTn id="23" presetID="10" presetClass="exit" presetSubtype="0" fill="hold" nodeType="clickEffect">
+                                  <p:stCondLst>
+                                    <p:cond delay="0"/>
+                                  </p:stCondLst>
+                                  <p:childTnLst>
+                                    <p:animEffect transition="out" filter="fade">
+                                      <p:cBhvr>
+                                        <p:cTn id="24" dur="500"/>
+                                        <p:tgtEl>
+                                          <p:spTgt spid="6"/>
+                                        </p:tgtEl>
+                                      </p:cBhvr>
+                                    </p:animEffect>
+                                    <p:set>
+                                      <p:cBhvr>
+                                        <p:cTn id="25" dur="1" fill="hold">
+                                          <p:stCondLst>
+                                            <p:cond delay="499"/>
+                                          </p:stCondLst>
+                                        </p:cTn>
+                                        <p:tgtEl>
+                                          <p:spTgt spid="6"/>
+                                        </p:tgtEl>
+                                        <p:attrNameLst>
+                                          <p:attrName>style.visibility</p:attrName>
+                                        </p:attrNameLst>
+                                      </p:cBhvr>
+                                      <p:to>
+                                        <p:strVal val="hidden"/>
+                                      </p:to>
+                                    </p:set>
+                                  </p:childTnLst>
+                                </p:cTn>
+                              </p:par>
+                            </p:childTnLst>
+                          </p:cTn>
+                        </p:par>
+                        <p:par>
+                          <p:cTn id="26" fill="hold">
+                            <p:stCondLst>
+                              <p:cond delay="500"/>
+                            </p:stCondLst>
+                            <p:childTnLst>
+                              <p:par>
+                                <p:cTn id="27" presetID="10" presetClass="entr" presetSubtype="0" fill="hold" nodeType="afterEffect">
+                                  <p:stCondLst>
+                                    <p:cond delay="0"/>
+                                  </p:stCondLst>
+                                  <p:childTnLst>
+                                    <p:set>
+                                      <p:cBhvr>
+                                        <p:cTn id="28" dur="1" fill="hold">
+                                          <p:stCondLst>
+                                            <p:cond delay="0"/>
+                                          </p:stCondLst>
+                                        </p:cTn>
+                                        <p:tgtEl>
+                                          <p:spTgt spid="7"/>
+                                        </p:tgtEl>
+                                        <p:attrNameLst>
+                                          <p:attrName>style.visibility</p:attrName>
+                                        </p:attrNameLst>
+                                      </p:cBhvr>
+                                      <p:to>
+                                        <p:strVal val="visible"/>
+                                      </p:to>
+                                    </p:set>
+                                    <p:animEffect transition="in" filter="fade">
+                                      <p:cBhvr>
+                                        <p:cTn id="29" dur="500"/>
+                                        <p:tgtEl>
+                                          <p:spTgt spid="7"/>
+                                        </p:tgtEl>
+                                      </p:cBhvr>
+                                    </p:animEffect>
+                                  </p:childTnLst>
+                                </p:cTn>
+                              </p:par>
+                            </p:childTnLst>
+                          </p:cTn>
+                        </p:par>
+                      </p:childTnLst>
+                    </p:cTn>
+                  </p:par>
+                </p:childTnLst>
+              </p:cTn>
+              <p:prevCondLst>
+                <p:cond evt="onPrev" delay="0">
+                  <p:tgtEl>
+                    <p:sldTgt/>
+                  </p:tgtEl>
+                </p:cond>
+              </p:prevCondLst>
+              <p:nextCondLst>
+                <p:cond evt="onNext" delay="0">
+                  <p:tgtEl>
+                    <p:sldTgt/>
+                  </p:tgtEl>
+                </p:cond>
+              </p:nextCondLst>
+            </p:seq>
+          </p:childTnLst>
+        </p:cTn>
+      </p:par>
+    </p:tnLst>
+  </p:timing>
 </p:sld>
 </file>
 
